--- a/360.net.pptx
+++ b/360.net.pptx
@@ -4,8 +4,15 @@
   <p:sldMasterIdLst>
     <p:sldMasterId id="2147483648" r:id="rId1"/>
   </p:sldMasterIdLst>
+  <p:notesMasterIdLst>
+    <p:notesMasterId r:id="rId4"/>
+  </p:notesMasterIdLst>
+  <p:handoutMasterIdLst>
+    <p:handoutMasterId r:id="rId5"/>
+  </p:handoutMasterIdLst>
   <p:sldIdLst>
     <p:sldId id="256" r:id="rId2"/>
+    <p:sldId id="257" r:id="rId3"/>
   </p:sldIdLst>
   <p:sldSz cx="9144000" cy="6858000" type="screen4x3"/>
   <p:notesSz cx="6858000" cy="9144000"/>
@@ -107,6 +114,523 @@
 </p:presentation>
 </file>
 
+<file path=ppt/handoutMasters/handoutMaster1.xml><?xml version="1.0" encoding="utf-8"?>
+<p:handoutMaster xmlns:a="http://schemas.openxmlformats.org/drawingml/2006/main" xmlns:r="http://schemas.openxmlformats.org/officeDocument/2006/relationships" xmlns:p="http://schemas.openxmlformats.org/presentationml/2006/main">
+  <p:cSld>
+    <p:bg>
+      <p:bgRef idx="1001">
+        <a:schemeClr val="bg1"/>
+      </p:bgRef>
+    </p:bg>
+    <p:spTree>
+      <p:nvGrpSpPr>
+        <p:cNvPr id="1" name=""/>
+        <p:cNvGrpSpPr/>
+        <p:nvPr/>
+      </p:nvGrpSpPr>
+      <p:grpSpPr>
+        <a:xfrm>
+          <a:off x="0" y="0"/>
+          <a:ext cx="0" cy="0"/>
+          <a:chOff x="0" y="0"/>
+          <a:chExt cx="0" cy="0"/>
+        </a:xfrm>
+      </p:grpSpPr>
+      <p:sp>
+        <p:nvSpPr>
+          <p:cNvPr id="2" name="Header Placeholder 1"/>
+          <p:cNvSpPr>
+            <a:spLocks noGrp="1"/>
+          </p:cNvSpPr>
+          <p:nvPr>
+            <p:ph type="hdr" sz="quarter"/>
+          </p:nvPr>
+        </p:nvSpPr>
+        <p:spPr>
+          <a:xfrm>
+            <a:off x="0" y="0"/>
+            <a:ext cx="2971800" cy="457200"/>
+          </a:xfrm>
+          <a:prstGeom prst="rect">
+            <a:avLst/>
+          </a:prstGeom>
+        </p:spPr>
+        <p:txBody>
+          <a:bodyPr vert="horz" lIns="91440" tIns="45720" rIns="91440" bIns="45720" rtlCol="0"/>
+          <a:lstStyle>
+            <a:lvl1pPr algn="l">
+              <a:defRPr sz="1200"/>
+            </a:lvl1pPr>
+          </a:lstStyle>
+          <a:p>
+            <a:endParaRPr lang="en-US"/>
+          </a:p>
+        </p:txBody>
+      </p:sp>
+      <p:sp>
+        <p:nvSpPr>
+          <p:cNvPr id="3" name="Date Placeholder 2"/>
+          <p:cNvSpPr>
+            <a:spLocks noGrp="1"/>
+          </p:cNvSpPr>
+          <p:nvPr>
+            <p:ph type="dt" sz="quarter" idx="1"/>
+          </p:nvPr>
+        </p:nvSpPr>
+        <p:spPr>
+          <a:xfrm>
+            <a:off x="3884613" y="0"/>
+            <a:ext cx="2971800" cy="457200"/>
+          </a:xfrm>
+          <a:prstGeom prst="rect">
+            <a:avLst/>
+          </a:prstGeom>
+        </p:spPr>
+        <p:txBody>
+          <a:bodyPr vert="horz" lIns="91440" tIns="45720" rIns="91440" bIns="45720" rtlCol="0"/>
+          <a:lstStyle>
+            <a:lvl1pPr algn="r">
+              <a:defRPr sz="1200"/>
+            </a:lvl1pPr>
+          </a:lstStyle>
+          <a:p>
+            <a:fld id="{1D961CDD-C5DB-5D41-8F24-93DAD86F24FE}" type="datetimeFigureOut">
+              <a:rPr lang="en-US" smtClean="0"/>
+              <a:t>6/22/18</a:t>
+            </a:fld>
+            <a:endParaRPr lang="en-US"/>
+          </a:p>
+        </p:txBody>
+      </p:sp>
+      <p:sp>
+        <p:nvSpPr>
+          <p:cNvPr id="4" name="Footer Placeholder 3"/>
+          <p:cNvSpPr>
+            <a:spLocks noGrp="1"/>
+          </p:cNvSpPr>
+          <p:nvPr>
+            <p:ph type="ftr" sz="quarter" idx="2"/>
+          </p:nvPr>
+        </p:nvSpPr>
+        <p:spPr>
+          <a:xfrm>
+            <a:off x="0" y="8685213"/>
+            <a:ext cx="2971800" cy="457200"/>
+          </a:xfrm>
+          <a:prstGeom prst="rect">
+            <a:avLst/>
+          </a:prstGeom>
+        </p:spPr>
+        <p:txBody>
+          <a:bodyPr vert="horz" lIns="91440" tIns="45720" rIns="91440" bIns="45720" rtlCol="0" anchor="b"/>
+          <a:lstStyle>
+            <a:lvl1pPr algn="l">
+              <a:defRPr sz="1200"/>
+            </a:lvl1pPr>
+          </a:lstStyle>
+          <a:p>
+            <a:endParaRPr lang="en-US"/>
+          </a:p>
+        </p:txBody>
+      </p:sp>
+      <p:sp>
+        <p:nvSpPr>
+          <p:cNvPr id="5" name="Slide Number Placeholder 4"/>
+          <p:cNvSpPr>
+            <a:spLocks noGrp="1"/>
+          </p:cNvSpPr>
+          <p:nvPr>
+            <p:ph type="sldNum" sz="quarter" idx="3"/>
+          </p:nvPr>
+        </p:nvSpPr>
+        <p:spPr>
+          <a:xfrm>
+            <a:off x="3884613" y="8685213"/>
+            <a:ext cx="2971800" cy="457200"/>
+          </a:xfrm>
+          <a:prstGeom prst="rect">
+            <a:avLst/>
+          </a:prstGeom>
+        </p:spPr>
+        <p:txBody>
+          <a:bodyPr vert="horz" lIns="91440" tIns="45720" rIns="91440" bIns="45720" rtlCol="0" anchor="b"/>
+          <a:lstStyle>
+            <a:lvl1pPr algn="r">
+              <a:defRPr sz="1200"/>
+            </a:lvl1pPr>
+          </a:lstStyle>
+          <a:p>
+            <a:fld id="{0C25F09B-AF6A-2344-8B3F-B38E13A6C326}" type="slidenum">
+              <a:rPr lang="en-US" smtClean="0"/>
+              <a:t>‹#›</a:t>
+            </a:fld>
+            <a:endParaRPr lang="en-US"/>
+          </a:p>
+        </p:txBody>
+      </p:sp>
+    </p:spTree>
+    <p:extLst>
+      <p:ext uri="{BB962C8B-B14F-4D97-AF65-F5344CB8AC3E}">
+        <p14:creationId xmlns:p14="http://schemas.microsoft.com/office/powerpoint/2010/main" val="812206268"/>
+      </p:ext>
+    </p:extLst>
+  </p:cSld>
+  <p:clrMap bg1="lt1" tx1="dk1" bg2="lt2" tx2="dk2" accent1="accent1" accent2="accent2" accent3="accent3" accent4="accent4" accent5="accent5" accent6="accent6" hlink="hlink" folHlink="folHlink"/>
+  <p:hf hdr="0" ftr="0" dt="0"/>
+</p:handoutMaster>
+</file>
+
+<file path=ppt/notesMasters/notesMaster1.xml><?xml version="1.0" encoding="utf-8"?>
+<p:notesMaster xmlns:a="http://schemas.openxmlformats.org/drawingml/2006/main" xmlns:r="http://schemas.openxmlformats.org/officeDocument/2006/relationships" xmlns:p="http://schemas.openxmlformats.org/presentationml/2006/main">
+  <p:cSld>
+    <p:bg>
+      <p:bgRef idx="1001">
+        <a:schemeClr val="bg1"/>
+      </p:bgRef>
+    </p:bg>
+    <p:spTree>
+      <p:nvGrpSpPr>
+        <p:cNvPr id="1" name=""/>
+        <p:cNvGrpSpPr/>
+        <p:nvPr/>
+      </p:nvGrpSpPr>
+      <p:grpSpPr>
+        <a:xfrm>
+          <a:off x="0" y="0"/>
+          <a:ext cx="0" cy="0"/>
+          <a:chOff x="0" y="0"/>
+          <a:chExt cx="0" cy="0"/>
+        </a:xfrm>
+      </p:grpSpPr>
+      <p:sp>
+        <p:nvSpPr>
+          <p:cNvPr id="2" name="Header Placeholder 1"/>
+          <p:cNvSpPr>
+            <a:spLocks noGrp="1"/>
+          </p:cNvSpPr>
+          <p:nvPr>
+            <p:ph type="hdr" sz="quarter"/>
+          </p:nvPr>
+        </p:nvSpPr>
+        <p:spPr>
+          <a:xfrm>
+            <a:off x="0" y="0"/>
+            <a:ext cx="2971800" cy="457200"/>
+          </a:xfrm>
+          <a:prstGeom prst="rect">
+            <a:avLst/>
+          </a:prstGeom>
+        </p:spPr>
+        <p:txBody>
+          <a:bodyPr vert="horz" lIns="91440" tIns="45720" rIns="91440" bIns="45720" rtlCol="0"/>
+          <a:lstStyle>
+            <a:lvl1pPr algn="l">
+              <a:defRPr sz="1200"/>
+            </a:lvl1pPr>
+          </a:lstStyle>
+          <a:p>
+            <a:endParaRPr lang="en-US"/>
+          </a:p>
+        </p:txBody>
+      </p:sp>
+      <p:sp>
+        <p:nvSpPr>
+          <p:cNvPr id="3" name="Date Placeholder 2"/>
+          <p:cNvSpPr>
+            <a:spLocks noGrp="1"/>
+          </p:cNvSpPr>
+          <p:nvPr>
+            <p:ph type="dt" idx="1"/>
+          </p:nvPr>
+        </p:nvSpPr>
+        <p:spPr>
+          <a:xfrm>
+            <a:off x="3884613" y="0"/>
+            <a:ext cx="2971800" cy="457200"/>
+          </a:xfrm>
+          <a:prstGeom prst="rect">
+            <a:avLst/>
+          </a:prstGeom>
+        </p:spPr>
+        <p:txBody>
+          <a:bodyPr vert="horz" lIns="91440" tIns="45720" rIns="91440" bIns="45720" rtlCol="0"/>
+          <a:lstStyle>
+            <a:lvl1pPr algn="r">
+              <a:defRPr sz="1200"/>
+            </a:lvl1pPr>
+          </a:lstStyle>
+          <a:p>
+            <a:fld id="{DCD7B8C8-E197-974B-89FC-49B0BEA45A2A}" type="datetimeFigureOut">
+              <a:rPr lang="en-US" smtClean="0"/>
+              <a:t>6/22/18</a:t>
+            </a:fld>
+            <a:endParaRPr lang="en-US"/>
+          </a:p>
+        </p:txBody>
+      </p:sp>
+      <p:sp>
+        <p:nvSpPr>
+          <p:cNvPr id="4" name="Slide Image Placeholder 3"/>
+          <p:cNvSpPr>
+            <a:spLocks noGrp="1" noRot="1" noChangeAspect="1"/>
+          </p:cNvSpPr>
+          <p:nvPr>
+            <p:ph type="sldImg" idx="2"/>
+          </p:nvPr>
+        </p:nvSpPr>
+        <p:spPr>
+          <a:xfrm>
+            <a:off x="1143000" y="685800"/>
+            <a:ext cx="4572000" cy="3429000"/>
+          </a:xfrm>
+          <a:prstGeom prst="rect">
+            <a:avLst/>
+          </a:prstGeom>
+          <a:noFill/>
+          <a:ln w="12700">
+            <a:solidFill>
+              <a:prstClr val="black"/>
+            </a:solidFill>
+          </a:ln>
+        </p:spPr>
+        <p:txBody>
+          <a:bodyPr vert="horz" lIns="91440" tIns="45720" rIns="91440" bIns="45720" rtlCol="0" anchor="ctr"/>
+          <a:lstStyle/>
+          <a:p>
+            <a:endParaRPr lang="en-US"/>
+          </a:p>
+        </p:txBody>
+      </p:sp>
+      <p:sp>
+        <p:nvSpPr>
+          <p:cNvPr id="5" name="Notes Placeholder 4"/>
+          <p:cNvSpPr>
+            <a:spLocks noGrp="1"/>
+          </p:cNvSpPr>
+          <p:nvPr>
+            <p:ph type="body" sz="quarter" idx="3"/>
+          </p:nvPr>
+        </p:nvSpPr>
+        <p:spPr>
+          <a:xfrm>
+            <a:off x="685800" y="4343400"/>
+            <a:ext cx="5486400" cy="4114800"/>
+          </a:xfrm>
+          <a:prstGeom prst="rect">
+            <a:avLst/>
+          </a:prstGeom>
+        </p:spPr>
+        <p:txBody>
+          <a:bodyPr vert="horz" lIns="91440" tIns="45720" rIns="91440" bIns="45720" rtlCol="0"/>
+          <a:lstStyle/>
+          <a:p>
+            <a:pPr lvl="0"/>
+            <a:r>
+              <a:rPr lang="en-US" smtClean="0"/>
+              <a:t>Click to edit Master text styles</a:t>
+            </a:r>
+          </a:p>
+          <a:p>
+            <a:pPr lvl="1"/>
+            <a:r>
+              <a:rPr lang="en-US" smtClean="0"/>
+              <a:t>Second level</a:t>
+            </a:r>
+          </a:p>
+          <a:p>
+            <a:pPr lvl="2"/>
+            <a:r>
+              <a:rPr lang="en-US" smtClean="0"/>
+              <a:t>Third level</a:t>
+            </a:r>
+          </a:p>
+          <a:p>
+            <a:pPr lvl="3"/>
+            <a:r>
+              <a:rPr lang="en-US" smtClean="0"/>
+              <a:t>Fourth level</a:t>
+            </a:r>
+          </a:p>
+          <a:p>
+            <a:pPr lvl="4"/>
+            <a:r>
+              <a:rPr lang="en-US" smtClean="0"/>
+              <a:t>Fifth level</a:t>
+            </a:r>
+            <a:endParaRPr lang="en-US"/>
+          </a:p>
+        </p:txBody>
+      </p:sp>
+      <p:sp>
+        <p:nvSpPr>
+          <p:cNvPr id="6" name="Footer Placeholder 5"/>
+          <p:cNvSpPr>
+            <a:spLocks noGrp="1"/>
+          </p:cNvSpPr>
+          <p:nvPr>
+            <p:ph type="ftr" sz="quarter" idx="4"/>
+          </p:nvPr>
+        </p:nvSpPr>
+        <p:spPr>
+          <a:xfrm>
+            <a:off x="0" y="8685213"/>
+            <a:ext cx="2971800" cy="457200"/>
+          </a:xfrm>
+          <a:prstGeom prst="rect">
+            <a:avLst/>
+          </a:prstGeom>
+        </p:spPr>
+        <p:txBody>
+          <a:bodyPr vert="horz" lIns="91440" tIns="45720" rIns="91440" bIns="45720" rtlCol="0" anchor="b"/>
+          <a:lstStyle>
+            <a:lvl1pPr algn="l">
+              <a:defRPr sz="1200"/>
+            </a:lvl1pPr>
+          </a:lstStyle>
+          <a:p>
+            <a:endParaRPr lang="en-US"/>
+          </a:p>
+        </p:txBody>
+      </p:sp>
+      <p:sp>
+        <p:nvSpPr>
+          <p:cNvPr id="7" name="Slide Number Placeholder 6"/>
+          <p:cNvSpPr>
+            <a:spLocks noGrp="1"/>
+          </p:cNvSpPr>
+          <p:nvPr>
+            <p:ph type="sldNum" sz="quarter" idx="5"/>
+          </p:nvPr>
+        </p:nvSpPr>
+        <p:spPr>
+          <a:xfrm>
+            <a:off x="3884613" y="8685213"/>
+            <a:ext cx="2971800" cy="457200"/>
+          </a:xfrm>
+          <a:prstGeom prst="rect">
+            <a:avLst/>
+          </a:prstGeom>
+        </p:spPr>
+        <p:txBody>
+          <a:bodyPr vert="horz" lIns="91440" tIns="45720" rIns="91440" bIns="45720" rtlCol="0" anchor="b"/>
+          <a:lstStyle>
+            <a:lvl1pPr algn="r">
+              <a:defRPr sz="1200"/>
+            </a:lvl1pPr>
+          </a:lstStyle>
+          <a:p>
+            <a:fld id="{1D8615D5-C655-B445-AED1-5DCF13EABB6B}" type="slidenum">
+              <a:rPr lang="en-US" smtClean="0"/>
+              <a:t>‹#›</a:t>
+            </a:fld>
+            <a:endParaRPr lang="en-US"/>
+          </a:p>
+        </p:txBody>
+      </p:sp>
+    </p:spTree>
+    <p:extLst>
+      <p:ext uri="{BB962C8B-B14F-4D97-AF65-F5344CB8AC3E}">
+        <p14:creationId xmlns:p14="http://schemas.microsoft.com/office/powerpoint/2010/main" val="1440779762"/>
+      </p:ext>
+    </p:extLst>
+  </p:cSld>
+  <p:clrMap bg1="lt1" tx1="dk1" bg2="lt2" tx2="dk2" accent1="accent1" accent2="accent2" accent3="accent3" accent4="accent4" accent5="accent5" accent6="accent6" hlink="hlink" folHlink="folHlink"/>
+  <p:hf hdr="0" ftr="0" dt="0"/>
+  <p:notesStyle>
+    <a:lvl1pPr marL="0" algn="l" defTabSz="457200" rtl="0" eaLnBrk="1" latinLnBrk="0" hangingPunct="1">
+      <a:defRPr sz="1200" kern="1200">
+        <a:solidFill>
+          <a:schemeClr val="tx1"/>
+        </a:solidFill>
+        <a:latin typeface="+mn-lt"/>
+        <a:ea typeface="+mn-ea"/>
+        <a:cs typeface="+mn-cs"/>
+      </a:defRPr>
+    </a:lvl1pPr>
+    <a:lvl2pPr marL="457200" algn="l" defTabSz="457200" rtl="0" eaLnBrk="1" latinLnBrk="0" hangingPunct="1">
+      <a:defRPr sz="1200" kern="1200">
+        <a:solidFill>
+          <a:schemeClr val="tx1"/>
+        </a:solidFill>
+        <a:latin typeface="+mn-lt"/>
+        <a:ea typeface="+mn-ea"/>
+        <a:cs typeface="+mn-cs"/>
+      </a:defRPr>
+    </a:lvl2pPr>
+    <a:lvl3pPr marL="914400" algn="l" defTabSz="457200" rtl="0" eaLnBrk="1" latinLnBrk="0" hangingPunct="1">
+      <a:defRPr sz="1200" kern="1200">
+        <a:solidFill>
+          <a:schemeClr val="tx1"/>
+        </a:solidFill>
+        <a:latin typeface="+mn-lt"/>
+        <a:ea typeface="+mn-ea"/>
+        <a:cs typeface="+mn-cs"/>
+      </a:defRPr>
+    </a:lvl3pPr>
+    <a:lvl4pPr marL="1371600" algn="l" defTabSz="457200" rtl="0" eaLnBrk="1" latinLnBrk="0" hangingPunct="1">
+      <a:defRPr sz="1200" kern="1200">
+        <a:solidFill>
+          <a:schemeClr val="tx1"/>
+        </a:solidFill>
+        <a:latin typeface="+mn-lt"/>
+        <a:ea typeface="+mn-ea"/>
+        <a:cs typeface="+mn-cs"/>
+      </a:defRPr>
+    </a:lvl4pPr>
+    <a:lvl5pPr marL="1828800" algn="l" defTabSz="457200" rtl="0" eaLnBrk="1" latinLnBrk="0" hangingPunct="1">
+      <a:defRPr sz="1200" kern="1200">
+        <a:solidFill>
+          <a:schemeClr val="tx1"/>
+        </a:solidFill>
+        <a:latin typeface="+mn-lt"/>
+        <a:ea typeface="+mn-ea"/>
+        <a:cs typeface="+mn-cs"/>
+      </a:defRPr>
+    </a:lvl5pPr>
+    <a:lvl6pPr marL="2286000" algn="l" defTabSz="457200" rtl="0" eaLnBrk="1" latinLnBrk="0" hangingPunct="1">
+      <a:defRPr sz="1200" kern="1200">
+        <a:solidFill>
+          <a:schemeClr val="tx1"/>
+        </a:solidFill>
+        <a:latin typeface="+mn-lt"/>
+        <a:ea typeface="+mn-ea"/>
+        <a:cs typeface="+mn-cs"/>
+      </a:defRPr>
+    </a:lvl6pPr>
+    <a:lvl7pPr marL="2743200" algn="l" defTabSz="457200" rtl="0" eaLnBrk="1" latinLnBrk="0" hangingPunct="1">
+      <a:defRPr sz="1200" kern="1200">
+        <a:solidFill>
+          <a:schemeClr val="tx1"/>
+        </a:solidFill>
+        <a:latin typeface="+mn-lt"/>
+        <a:ea typeface="+mn-ea"/>
+        <a:cs typeface="+mn-cs"/>
+      </a:defRPr>
+    </a:lvl7pPr>
+    <a:lvl8pPr marL="3200400" algn="l" defTabSz="457200" rtl="0" eaLnBrk="1" latinLnBrk="0" hangingPunct="1">
+      <a:defRPr sz="1200" kern="1200">
+        <a:solidFill>
+          <a:schemeClr val="tx1"/>
+        </a:solidFill>
+        <a:latin typeface="+mn-lt"/>
+        <a:ea typeface="+mn-ea"/>
+        <a:cs typeface="+mn-cs"/>
+      </a:defRPr>
+    </a:lvl8pPr>
+    <a:lvl9pPr marL="3657600" algn="l" defTabSz="457200" rtl="0" eaLnBrk="1" latinLnBrk="0" hangingPunct="1">
+      <a:defRPr sz="1200" kern="1200">
+        <a:solidFill>
+          <a:schemeClr val="tx1"/>
+        </a:solidFill>
+        <a:latin typeface="+mn-lt"/>
+        <a:ea typeface="+mn-ea"/>
+        <a:cs typeface="+mn-cs"/>
+      </a:defRPr>
+    </a:lvl9pPr>
+  </p:notesStyle>
+</p:notesMaster>
+</file>
+
 <file path=ppt/slideLayouts/slideLayout1.xml><?xml version="1.0" encoding="utf-8"?>
 <p:sldLayout xmlns:a="http://schemas.openxmlformats.org/drawingml/2006/main" xmlns:r="http://schemas.openxmlformats.org/officeDocument/2006/relationships" xmlns:p="http://schemas.openxmlformats.org/presentationml/2006/main" type="title" preserve="1">
   <p:cSld name="Title Slide">
@@ -286,9 +810,9 @@
           <a:bodyPr/>
           <a:lstStyle/>
           <a:p>
-            <a:fld id="{566E25EC-79AD-A348-B49B-D35E8265C3C2}" type="datetimeFigureOut">
-              <a:rPr lang="en-US" smtClean="0"/>
-              <a:t>6/26/18</a:t>
+            <a:fld id="{3E7F2726-E50C-F844-AC1B-F0CE84F3630D}" type="datetime1">
+              <a:rPr lang="en-US" smtClean="0"/>
+              <a:t>6/22/18</a:t>
             </a:fld>
             <a:endParaRPr lang="en-US"/>
           </a:p>
@@ -309,6 +833,10 @@
           <a:bodyPr/>
           <a:lstStyle/>
           <a:p>
+            <a:r>
+              <a:rPr lang="sk-SK" smtClean="0"/>
+              <a:t>Copyright © 2005-2018 360.NET</a:t>
+            </a:r>
             <a:endParaRPr lang="en-US"/>
           </a:p>
         </p:txBody>
@@ -328,7 +856,7 @@
           <a:bodyPr/>
           <a:lstStyle/>
           <a:p>
-            <a:fld id="{AF826347-F123-C94E-8A0C-22B24AA15B6C}" type="slidenum">
+            <a:fld id="{D4E45C4D-CC03-8D43-80F3-E2F195917BAE}" type="slidenum">
               <a:rPr lang="en-US" smtClean="0"/>
               <a:t>‹#›</a:t>
             </a:fld>
@@ -339,7 +867,7 @@
     </p:spTree>
     <p:extLst>
       <p:ext uri="{BB962C8B-B14F-4D97-AF65-F5344CB8AC3E}">
-        <p14:creationId xmlns:p14="http://schemas.microsoft.com/office/powerpoint/2010/main" val="277515151"/>
+        <p14:creationId xmlns:p14="http://schemas.microsoft.com/office/powerpoint/2010/main" val="699151566"/>
       </p:ext>
     </p:extLst>
   </p:cSld>
@@ -456,9 +984,9 @@
           <a:bodyPr/>
           <a:lstStyle/>
           <a:p>
-            <a:fld id="{566E25EC-79AD-A348-B49B-D35E8265C3C2}" type="datetimeFigureOut">
-              <a:rPr lang="en-US" smtClean="0"/>
-              <a:t>6/26/18</a:t>
+            <a:fld id="{4FCC2502-C239-4240-A94D-32E557CAF562}" type="datetime1">
+              <a:rPr lang="en-US" smtClean="0"/>
+              <a:t>6/22/18</a:t>
             </a:fld>
             <a:endParaRPr lang="en-US"/>
           </a:p>
@@ -479,6 +1007,10 @@
           <a:bodyPr/>
           <a:lstStyle/>
           <a:p>
+            <a:r>
+              <a:rPr lang="sk-SK" smtClean="0"/>
+              <a:t>Copyright © 2005-2018 360.NET</a:t>
+            </a:r>
             <a:endParaRPr lang="en-US"/>
           </a:p>
         </p:txBody>
@@ -498,7 +1030,7 @@
           <a:bodyPr/>
           <a:lstStyle/>
           <a:p>
-            <a:fld id="{AF826347-F123-C94E-8A0C-22B24AA15B6C}" type="slidenum">
+            <a:fld id="{D4E45C4D-CC03-8D43-80F3-E2F195917BAE}" type="slidenum">
               <a:rPr lang="en-US" smtClean="0"/>
               <a:t>‹#›</a:t>
             </a:fld>
@@ -509,7 +1041,7 @@
     </p:spTree>
     <p:extLst>
       <p:ext uri="{BB962C8B-B14F-4D97-AF65-F5344CB8AC3E}">
-        <p14:creationId xmlns:p14="http://schemas.microsoft.com/office/powerpoint/2010/main" val="1052455067"/>
+        <p14:creationId xmlns:p14="http://schemas.microsoft.com/office/powerpoint/2010/main" val="1407890141"/>
       </p:ext>
     </p:extLst>
   </p:cSld>
@@ -636,9 +1168,9 @@
           <a:bodyPr/>
           <a:lstStyle/>
           <a:p>
-            <a:fld id="{566E25EC-79AD-A348-B49B-D35E8265C3C2}" type="datetimeFigureOut">
-              <a:rPr lang="en-US" smtClean="0"/>
-              <a:t>6/26/18</a:t>
+            <a:fld id="{FB87CDD1-8009-1C4C-9443-309DC9D83E41}" type="datetime1">
+              <a:rPr lang="en-US" smtClean="0"/>
+              <a:t>6/22/18</a:t>
             </a:fld>
             <a:endParaRPr lang="en-US"/>
           </a:p>
@@ -659,6 +1191,10 @@
           <a:bodyPr/>
           <a:lstStyle/>
           <a:p>
+            <a:r>
+              <a:rPr lang="sk-SK" smtClean="0"/>
+              <a:t>Copyright © 2005-2018 360.NET</a:t>
+            </a:r>
             <a:endParaRPr lang="en-US"/>
           </a:p>
         </p:txBody>
@@ -678,7 +1214,7 @@
           <a:bodyPr/>
           <a:lstStyle/>
           <a:p>
-            <a:fld id="{AF826347-F123-C94E-8A0C-22B24AA15B6C}" type="slidenum">
+            <a:fld id="{D4E45C4D-CC03-8D43-80F3-E2F195917BAE}" type="slidenum">
               <a:rPr lang="en-US" smtClean="0"/>
               <a:t>‹#›</a:t>
             </a:fld>
@@ -689,7 +1225,7 @@
     </p:spTree>
     <p:extLst>
       <p:ext uri="{BB962C8B-B14F-4D97-AF65-F5344CB8AC3E}">
-        <p14:creationId xmlns:p14="http://schemas.microsoft.com/office/powerpoint/2010/main" val="4273814515"/>
+        <p14:creationId xmlns:p14="http://schemas.microsoft.com/office/powerpoint/2010/main" val="2764378920"/>
       </p:ext>
     </p:extLst>
   </p:cSld>
@@ -806,9 +1342,9 @@
           <a:bodyPr/>
           <a:lstStyle/>
           <a:p>
-            <a:fld id="{566E25EC-79AD-A348-B49B-D35E8265C3C2}" type="datetimeFigureOut">
-              <a:rPr lang="en-US" smtClean="0"/>
-              <a:t>6/26/18</a:t>
+            <a:fld id="{BE03B908-C4B4-324D-93C4-D6C201FD8774}" type="datetime1">
+              <a:rPr lang="en-US" smtClean="0"/>
+              <a:t>6/22/18</a:t>
             </a:fld>
             <a:endParaRPr lang="en-US"/>
           </a:p>
@@ -829,6 +1365,10 @@
           <a:bodyPr/>
           <a:lstStyle/>
           <a:p>
+            <a:r>
+              <a:rPr lang="sk-SK" smtClean="0"/>
+              <a:t>Copyright © 2005-2018 360.NET</a:t>
+            </a:r>
             <a:endParaRPr lang="en-US"/>
           </a:p>
         </p:txBody>
@@ -848,7 +1388,7 @@
           <a:bodyPr/>
           <a:lstStyle/>
           <a:p>
-            <a:fld id="{AF826347-F123-C94E-8A0C-22B24AA15B6C}" type="slidenum">
+            <a:fld id="{D4E45C4D-CC03-8D43-80F3-E2F195917BAE}" type="slidenum">
               <a:rPr lang="en-US" smtClean="0"/>
               <a:t>‹#›</a:t>
             </a:fld>
@@ -859,7 +1399,7 @@
     </p:spTree>
     <p:extLst>
       <p:ext uri="{BB962C8B-B14F-4D97-AF65-F5344CB8AC3E}">
-        <p14:creationId xmlns:p14="http://schemas.microsoft.com/office/powerpoint/2010/main" val="891728740"/>
+        <p14:creationId xmlns:p14="http://schemas.microsoft.com/office/powerpoint/2010/main" val="575597385"/>
       </p:ext>
     </p:extLst>
   </p:cSld>
@@ -1052,9 +1592,9 @@
           <a:bodyPr/>
           <a:lstStyle/>
           <a:p>
-            <a:fld id="{566E25EC-79AD-A348-B49B-D35E8265C3C2}" type="datetimeFigureOut">
-              <a:rPr lang="en-US" smtClean="0"/>
-              <a:t>6/26/18</a:t>
+            <a:fld id="{BED266AE-5EC3-4747-976D-AD7C4FA9161D}" type="datetime1">
+              <a:rPr lang="en-US" smtClean="0"/>
+              <a:t>6/22/18</a:t>
             </a:fld>
             <a:endParaRPr lang="en-US"/>
           </a:p>
@@ -1075,6 +1615,10 @@
           <a:bodyPr/>
           <a:lstStyle/>
           <a:p>
+            <a:r>
+              <a:rPr lang="sk-SK" smtClean="0"/>
+              <a:t>Copyright © 2005-2018 360.NET</a:t>
+            </a:r>
             <a:endParaRPr lang="en-US"/>
           </a:p>
         </p:txBody>
@@ -1094,7 +1638,7 @@
           <a:bodyPr/>
           <a:lstStyle/>
           <a:p>
-            <a:fld id="{AF826347-F123-C94E-8A0C-22B24AA15B6C}" type="slidenum">
+            <a:fld id="{D4E45C4D-CC03-8D43-80F3-E2F195917BAE}" type="slidenum">
               <a:rPr lang="en-US" smtClean="0"/>
               <a:t>‹#›</a:t>
             </a:fld>
@@ -1105,7 +1649,7 @@
     </p:spTree>
     <p:extLst>
       <p:ext uri="{BB962C8B-B14F-4D97-AF65-F5344CB8AC3E}">
-        <p14:creationId xmlns:p14="http://schemas.microsoft.com/office/powerpoint/2010/main" val="4049322585"/>
+        <p14:creationId xmlns:p14="http://schemas.microsoft.com/office/powerpoint/2010/main" val="4096581444"/>
       </p:ext>
     </p:extLst>
   </p:cSld>
@@ -1340,9 +1884,9 @@
           <a:bodyPr/>
           <a:lstStyle/>
           <a:p>
-            <a:fld id="{566E25EC-79AD-A348-B49B-D35E8265C3C2}" type="datetimeFigureOut">
-              <a:rPr lang="en-US" smtClean="0"/>
-              <a:t>6/26/18</a:t>
+            <a:fld id="{1E0E66B7-2B45-0149-9D28-8AF1FEBAC9CD}" type="datetime1">
+              <a:rPr lang="en-US" smtClean="0"/>
+              <a:t>6/22/18</a:t>
             </a:fld>
             <a:endParaRPr lang="en-US"/>
           </a:p>
@@ -1363,6 +1907,10 @@
           <a:bodyPr/>
           <a:lstStyle/>
           <a:p>
+            <a:r>
+              <a:rPr lang="sk-SK" smtClean="0"/>
+              <a:t>Copyright © 2005-2018 360.NET</a:t>
+            </a:r>
             <a:endParaRPr lang="en-US"/>
           </a:p>
         </p:txBody>
@@ -1382,7 +1930,7 @@
           <a:bodyPr/>
           <a:lstStyle/>
           <a:p>
-            <a:fld id="{AF826347-F123-C94E-8A0C-22B24AA15B6C}" type="slidenum">
+            <a:fld id="{D4E45C4D-CC03-8D43-80F3-E2F195917BAE}" type="slidenum">
               <a:rPr lang="en-US" smtClean="0"/>
               <a:t>‹#›</a:t>
             </a:fld>
@@ -1393,7 +1941,7 @@
     </p:spTree>
     <p:extLst>
       <p:ext uri="{BB962C8B-B14F-4D97-AF65-F5344CB8AC3E}">
-        <p14:creationId xmlns:p14="http://schemas.microsoft.com/office/powerpoint/2010/main" val="1858001175"/>
+        <p14:creationId xmlns:p14="http://schemas.microsoft.com/office/powerpoint/2010/main" val="1047552365"/>
       </p:ext>
     </p:extLst>
   </p:cSld>
@@ -1762,9 +2310,9 @@
           <a:bodyPr/>
           <a:lstStyle/>
           <a:p>
-            <a:fld id="{566E25EC-79AD-A348-B49B-D35E8265C3C2}" type="datetimeFigureOut">
-              <a:rPr lang="en-US" smtClean="0"/>
-              <a:t>6/26/18</a:t>
+            <a:fld id="{F22EB00F-D936-D549-80B7-D6A70B94C602}" type="datetime1">
+              <a:rPr lang="en-US" smtClean="0"/>
+              <a:t>6/22/18</a:t>
             </a:fld>
             <a:endParaRPr lang="en-US"/>
           </a:p>
@@ -1785,6 +2333,10 @@
           <a:bodyPr/>
           <a:lstStyle/>
           <a:p>
+            <a:r>
+              <a:rPr lang="sk-SK" smtClean="0"/>
+              <a:t>Copyright © 2005-2018 360.NET</a:t>
+            </a:r>
             <a:endParaRPr lang="en-US"/>
           </a:p>
         </p:txBody>
@@ -1804,7 +2356,7 @@
           <a:bodyPr/>
           <a:lstStyle/>
           <a:p>
-            <a:fld id="{AF826347-F123-C94E-8A0C-22B24AA15B6C}" type="slidenum">
+            <a:fld id="{D4E45C4D-CC03-8D43-80F3-E2F195917BAE}" type="slidenum">
               <a:rPr lang="en-US" smtClean="0"/>
               <a:t>‹#›</a:t>
             </a:fld>
@@ -1815,7 +2367,7 @@
     </p:spTree>
     <p:extLst>
       <p:ext uri="{BB962C8B-B14F-4D97-AF65-F5344CB8AC3E}">
-        <p14:creationId xmlns:p14="http://schemas.microsoft.com/office/powerpoint/2010/main" val="3126562568"/>
+        <p14:creationId xmlns:p14="http://schemas.microsoft.com/office/powerpoint/2010/main" val="1603195693"/>
       </p:ext>
     </p:extLst>
   </p:cSld>
@@ -1880,9 +2432,9 @@
           <a:bodyPr/>
           <a:lstStyle/>
           <a:p>
-            <a:fld id="{566E25EC-79AD-A348-B49B-D35E8265C3C2}" type="datetimeFigureOut">
-              <a:rPr lang="en-US" smtClean="0"/>
-              <a:t>6/26/18</a:t>
+            <a:fld id="{5C0030C5-EBFD-7544-B770-7C98F8A55279}" type="datetime1">
+              <a:rPr lang="en-US" smtClean="0"/>
+              <a:t>6/22/18</a:t>
             </a:fld>
             <a:endParaRPr lang="en-US"/>
           </a:p>
@@ -1903,6 +2455,10 @@
           <a:bodyPr/>
           <a:lstStyle/>
           <a:p>
+            <a:r>
+              <a:rPr lang="sk-SK" smtClean="0"/>
+              <a:t>Copyright © 2005-2018 360.NET</a:t>
+            </a:r>
             <a:endParaRPr lang="en-US"/>
           </a:p>
         </p:txBody>
@@ -1922,7 +2478,7 @@
           <a:bodyPr/>
           <a:lstStyle/>
           <a:p>
-            <a:fld id="{AF826347-F123-C94E-8A0C-22B24AA15B6C}" type="slidenum">
+            <a:fld id="{D4E45C4D-CC03-8D43-80F3-E2F195917BAE}" type="slidenum">
               <a:rPr lang="en-US" smtClean="0"/>
               <a:t>‹#›</a:t>
             </a:fld>
@@ -1933,7 +2489,7 @@
     </p:spTree>
     <p:extLst>
       <p:ext uri="{BB962C8B-B14F-4D97-AF65-F5344CB8AC3E}">
-        <p14:creationId xmlns:p14="http://schemas.microsoft.com/office/powerpoint/2010/main" val="916383698"/>
+        <p14:creationId xmlns:p14="http://schemas.microsoft.com/office/powerpoint/2010/main" val="297483637"/>
       </p:ext>
     </p:extLst>
   </p:cSld>
@@ -1975,9 +2531,9 @@
           <a:bodyPr/>
           <a:lstStyle/>
           <a:p>
-            <a:fld id="{566E25EC-79AD-A348-B49B-D35E8265C3C2}" type="datetimeFigureOut">
-              <a:rPr lang="en-US" smtClean="0"/>
-              <a:t>6/26/18</a:t>
+            <a:fld id="{F2EBBF52-3777-6A44-AA86-E2066F18AD1F}" type="datetime1">
+              <a:rPr lang="en-US" smtClean="0"/>
+              <a:t>6/22/18</a:t>
             </a:fld>
             <a:endParaRPr lang="en-US"/>
           </a:p>
@@ -1998,6 +2554,10 @@
           <a:bodyPr/>
           <a:lstStyle/>
           <a:p>
+            <a:r>
+              <a:rPr lang="sk-SK" smtClean="0"/>
+              <a:t>Copyright © 2005-2018 360.NET</a:t>
+            </a:r>
             <a:endParaRPr lang="en-US"/>
           </a:p>
         </p:txBody>
@@ -2017,7 +2577,7 @@
           <a:bodyPr/>
           <a:lstStyle/>
           <a:p>
-            <a:fld id="{AF826347-F123-C94E-8A0C-22B24AA15B6C}" type="slidenum">
+            <a:fld id="{D4E45C4D-CC03-8D43-80F3-E2F195917BAE}" type="slidenum">
               <a:rPr lang="en-US" smtClean="0"/>
               <a:t>‹#›</a:t>
             </a:fld>
@@ -2028,7 +2588,7 @@
     </p:spTree>
     <p:extLst>
       <p:ext uri="{BB962C8B-B14F-4D97-AF65-F5344CB8AC3E}">
-        <p14:creationId xmlns:p14="http://schemas.microsoft.com/office/powerpoint/2010/main" val="4146648827"/>
+        <p14:creationId xmlns:p14="http://schemas.microsoft.com/office/powerpoint/2010/main" val="1031711184"/>
       </p:ext>
     </p:extLst>
   </p:cSld>
@@ -2252,9 +2812,9 @@
           <a:bodyPr/>
           <a:lstStyle/>
           <a:p>
-            <a:fld id="{566E25EC-79AD-A348-B49B-D35E8265C3C2}" type="datetimeFigureOut">
-              <a:rPr lang="en-US" smtClean="0"/>
-              <a:t>6/26/18</a:t>
+            <a:fld id="{FE4587BE-D576-4541-A36E-AF5AE1B7B671}" type="datetime1">
+              <a:rPr lang="en-US" smtClean="0"/>
+              <a:t>6/22/18</a:t>
             </a:fld>
             <a:endParaRPr lang="en-US"/>
           </a:p>
@@ -2275,6 +2835,10 @@
           <a:bodyPr/>
           <a:lstStyle/>
           <a:p>
+            <a:r>
+              <a:rPr lang="sk-SK" smtClean="0"/>
+              <a:t>Copyright © 2005-2018 360.NET</a:t>
+            </a:r>
             <a:endParaRPr lang="en-US"/>
           </a:p>
         </p:txBody>
@@ -2294,7 +2858,7 @@
           <a:bodyPr/>
           <a:lstStyle/>
           <a:p>
-            <a:fld id="{AF826347-F123-C94E-8A0C-22B24AA15B6C}" type="slidenum">
+            <a:fld id="{D4E45C4D-CC03-8D43-80F3-E2F195917BAE}" type="slidenum">
               <a:rPr lang="en-US" smtClean="0"/>
               <a:t>‹#›</a:t>
             </a:fld>
@@ -2305,7 +2869,7 @@
     </p:spTree>
     <p:extLst>
       <p:ext uri="{BB962C8B-B14F-4D97-AF65-F5344CB8AC3E}">
-        <p14:creationId xmlns:p14="http://schemas.microsoft.com/office/powerpoint/2010/main" val="3355588325"/>
+        <p14:creationId xmlns:p14="http://schemas.microsoft.com/office/powerpoint/2010/main" val="1792561153"/>
       </p:ext>
     </p:extLst>
   </p:cSld>
@@ -2505,9 +3069,9 @@
           <a:bodyPr/>
           <a:lstStyle/>
           <a:p>
-            <a:fld id="{566E25EC-79AD-A348-B49B-D35E8265C3C2}" type="datetimeFigureOut">
-              <a:rPr lang="en-US" smtClean="0"/>
-              <a:t>6/26/18</a:t>
+            <a:fld id="{AC879295-C89C-7446-B463-FCF1791402E8}" type="datetime1">
+              <a:rPr lang="en-US" smtClean="0"/>
+              <a:t>6/22/18</a:t>
             </a:fld>
             <a:endParaRPr lang="en-US"/>
           </a:p>
@@ -2528,6 +3092,10 @@
           <a:bodyPr/>
           <a:lstStyle/>
           <a:p>
+            <a:r>
+              <a:rPr lang="sk-SK" smtClean="0"/>
+              <a:t>Copyright © 2005-2018 360.NET</a:t>
+            </a:r>
             <a:endParaRPr lang="en-US"/>
           </a:p>
         </p:txBody>
@@ -2547,7 +3115,7 @@
           <a:bodyPr/>
           <a:lstStyle/>
           <a:p>
-            <a:fld id="{AF826347-F123-C94E-8A0C-22B24AA15B6C}" type="slidenum">
+            <a:fld id="{D4E45C4D-CC03-8D43-80F3-E2F195917BAE}" type="slidenum">
               <a:rPr lang="en-US" smtClean="0"/>
               <a:t>‹#›</a:t>
             </a:fld>
@@ -2558,7 +3126,7 @@
     </p:spTree>
     <p:extLst>
       <p:ext uri="{BB962C8B-B14F-4D97-AF65-F5344CB8AC3E}">
-        <p14:creationId xmlns:p14="http://schemas.microsoft.com/office/powerpoint/2010/main" val="3403689431"/>
+        <p14:creationId xmlns:p14="http://schemas.microsoft.com/office/powerpoint/2010/main" val="1384847877"/>
       </p:ext>
     </p:extLst>
   </p:cSld>
@@ -2718,9 +3286,9 @@
             </a:lvl1pPr>
           </a:lstStyle>
           <a:p>
-            <a:fld id="{566E25EC-79AD-A348-B49B-D35E8265C3C2}" type="datetimeFigureOut">
-              <a:rPr lang="en-US" smtClean="0"/>
-              <a:t>6/26/18</a:t>
+            <a:fld id="{8F16B05F-2A86-BF43-8FE7-AE2D0B2B57BA}" type="datetime1">
+              <a:rPr lang="en-US" smtClean="0"/>
+              <a:t>6/22/18</a:t>
             </a:fld>
             <a:endParaRPr lang="en-US"/>
           </a:p>
@@ -2759,6 +3327,10 @@
             </a:lvl1pPr>
           </a:lstStyle>
           <a:p>
+            <a:r>
+              <a:rPr lang="sk-SK" smtClean="0"/>
+              <a:t>Copyright © 2005-2018 360.NET</a:t>
+            </a:r>
             <a:endParaRPr lang="en-US"/>
           </a:p>
         </p:txBody>
@@ -2796,7 +3368,7 @@
             </a:lvl1pPr>
           </a:lstStyle>
           <a:p>
-            <a:fld id="{AF826347-F123-C94E-8A0C-22B24AA15B6C}" type="slidenum">
+            <a:fld id="{D4E45C4D-CC03-8D43-80F3-E2F195917BAE}" type="slidenum">
               <a:rPr lang="en-US" smtClean="0"/>
               <a:t>‹#›</a:t>
             </a:fld>
@@ -2807,7 +3379,7 @@
     </p:spTree>
     <p:extLst>
       <p:ext uri="{BB962C8B-B14F-4D97-AF65-F5344CB8AC3E}">
-        <p14:creationId xmlns:p14="http://schemas.microsoft.com/office/powerpoint/2010/main" val="2940017469"/>
+        <p14:creationId xmlns:p14="http://schemas.microsoft.com/office/powerpoint/2010/main" val="2067734970"/>
       </p:ext>
     </p:extLst>
   </p:cSld>
@@ -2825,6 +3397,7 @@
     <p:sldLayoutId id="2147483658" r:id="rId10"/>
     <p:sldLayoutId id="2147483659" r:id="rId11"/>
   </p:sldLayoutIdLst>
+  <p:hf sldNum="0" hdr="0" dt="0"/>
   <p:txStyles>
     <p:titleStyle>
       <a:lvl1pPr algn="ctr" defTabSz="457200" rtl="0" eaLnBrk="1" latinLnBrk="0" hangingPunct="1">
@@ -3095,118 +3668,31 @@
           <a:chExt cx="0" cy="0"/>
         </a:xfrm>
       </p:grpSpPr>
-      <p:pic>
-        <p:nvPicPr>
-          <p:cNvPr id="6" name="Picture 5"/>
-          <p:cNvPicPr>
-            <a:picLocks noChangeAspect="1"/>
-          </p:cNvPicPr>
+      <p:sp>
+        <p:nvSpPr>
+          <p:cNvPr id="4" name="Rectangle 3"/>
+          <p:cNvSpPr/>
           <p:nvPr/>
-        </p:nvPicPr>
-        <p:blipFill>
-          <a:blip r:embed="rId2"/>
-          <a:stretch>
-            <a:fillRect/>
-          </a:stretch>
-        </p:blipFill>
+        </p:nvSpPr>
         <p:spPr>
           <a:xfrm>
-            <a:off x="1140956" y="1407725"/>
-            <a:ext cx="885923" cy="1030019"/>
+            <a:off x="170094" y="1406187"/>
+            <a:ext cx="2766872" cy="3454371"/>
           </a:xfrm>
           <a:prstGeom prst="rect">
             <a:avLst/>
           </a:prstGeom>
-        </p:spPr>
-      </p:pic>
-      <p:sp>
-        <p:nvSpPr>
-          <p:cNvPr id="36" name="Rectangle 35"/>
-          <p:cNvSpPr/>
-          <p:nvPr/>
-        </p:nvSpPr>
-        <p:spPr>
-          <a:xfrm>
-            <a:off x="359217" y="1407725"/>
-            <a:ext cx="7889948" cy="5070255"/>
-          </a:xfrm>
-          <a:prstGeom prst="rect">
-            <a:avLst/>
-          </a:prstGeom>
-          <a:gradFill flip="none" rotWithShape="1">
-            <a:gsLst>
-              <a:gs pos="0">
-                <a:schemeClr val="accent1">
-                  <a:tint val="100000"/>
-                  <a:shade val="100000"/>
-                  <a:satMod val="130000"/>
-                  <a:alpha val="0"/>
-                </a:schemeClr>
-              </a:gs>
-              <a:gs pos="100000">
-                <a:schemeClr val="accent1">
-                  <a:tint val="50000"/>
-                  <a:shade val="100000"/>
-                  <a:satMod val="350000"/>
-                  <a:alpha val="0"/>
-                </a:schemeClr>
-              </a:gs>
-            </a:gsLst>
-            <a:lin ang="16200000" scaled="0"/>
-            <a:tileRect/>
-          </a:gradFill>
-          <a:ln w="28575" cmpd="sng">
-            <a:solidFill>
-              <a:srgbClr val="000000"/>
-            </a:solidFill>
-          </a:ln>
-        </p:spPr>
-        <p:style>
-          <a:lnRef idx="1">
-            <a:schemeClr val="accent1"/>
-          </a:lnRef>
-          <a:fillRef idx="3">
-            <a:schemeClr val="accent1"/>
-          </a:fillRef>
-          <a:effectRef idx="2">
-            <a:schemeClr val="accent1"/>
-          </a:effectRef>
-          <a:fontRef idx="minor">
-            <a:schemeClr val="lt1"/>
-          </a:fontRef>
-        </p:style>
-        <p:txBody>
-          <a:bodyPr rtlCol="0" anchor="ctr"/>
-          <a:lstStyle/>
-          <a:p>
-            <a:pPr algn="ctr"/>
-            <a:endParaRPr lang="en-US"/>
-          </a:p>
-        </p:txBody>
-      </p:sp>
-      <p:sp>
-        <p:nvSpPr>
-          <p:cNvPr id="4" name="Cloud 3"/>
-          <p:cNvSpPr/>
-          <p:nvPr/>
-        </p:nvSpPr>
-        <p:spPr>
-          <a:xfrm>
-            <a:off x="765695" y="206375"/>
-            <a:ext cx="1580341" cy="935289"/>
-          </a:xfrm>
-          <a:prstGeom prst="cloud">
-            <a:avLst/>
-          </a:prstGeom>
           <a:solidFill>
-            <a:schemeClr val="bg1">
-              <a:lumMod val="65000"/>
+            <a:schemeClr val="accent1">
+              <a:lumMod val="60000"/>
+              <a:lumOff val="40000"/>
             </a:schemeClr>
           </a:solidFill>
           <a:ln>
             <a:solidFill>
-              <a:schemeClr val="bg1">
-                <a:lumMod val="50000"/>
+              <a:schemeClr val="accent1">
+                <a:lumMod val="60000"/>
+                <a:lumOff val="40000"/>
               </a:schemeClr>
             </a:solidFill>
           </a:ln>
@@ -3230,368 +3716,112 @@
           <a:lstStyle/>
           <a:p>
             <a:pPr algn="ctr"/>
-            <a:r>
-              <a:rPr lang="en-US" sz="2000" dirty="0" smtClean="0">
-                <a:solidFill>
-                  <a:srgbClr val="000000"/>
-                </a:solidFill>
-              </a:rPr>
-              <a:t>360.net</a:t>
-            </a:r>
-            <a:endParaRPr lang="en-US" sz="2000" dirty="0">
-              <a:solidFill>
-                <a:srgbClr val="000000"/>
-              </a:solidFill>
-            </a:endParaRPr>
-          </a:p>
-        </p:txBody>
-      </p:sp>
-      <p:pic>
-        <p:nvPicPr>
-          <p:cNvPr id="7" name="Picture 6"/>
-          <p:cNvPicPr>
-            <a:picLocks noChangeAspect="1"/>
-          </p:cNvPicPr>
+            <a:endParaRPr lang="en-US"/>
+          </a:p>
+        </p:txBody>
+      </p:sp>
+      <p:sp>
+        <p:nvSpPr>
+          <p:cNvPr id="5" name="Rectangle 4"/>
+          <p:cNvSpPr/>
           <p:nvPr/>
-        </p:nvPicPr>
-        <p:blipFill>
-          <a:blip r:embed="rId3"/>
-          <a:stretch>
-            <a:fillRect/>
-          </a:stretch>
-        </p:blipFill>
+        </p:nvSpPr>
         <p:spPr>
           <a:xfrm>
-            <a:off x="3630659" y="3384892"/>
-            <a:ext cx="1347064" cy="369704"/>
+            <a:off x="3141080" y="1406187"/>
+            <a:ext cx="2766872" cy="3454371"/>
           </a:xfrm>
           <a:prstGeom prst="rect">
             <a:avLst/>
           </a:prstGeom>
+          <a:solidFill>
+            <a:srgbClr val="95B3D7"/>
+          </a:solidFill>
+          <a:ln>
+            <a:solidFill>
+              <a:srgbClr val="95B3D7"/>
+            </a:solidFill>
+          </a:ln>
         </p:spPr>
-      </p:pic>
-      <p:pic>
-        <p:nvPicPr>
-          <p:cNvPr id="9" name="Picture 8"/>
-          <p:cNvPicPr>
-            <a:picLocks noChangeAspect="1"/>
-          </p:cNvPicPr>
+        <p:style>
+          <a:lnRef idx="1">
+            <a:schemeClr val="accent1"/>
+          </a:lnRef>
+          <a:fillRef idx="3">
+            <a:schemeClr val="accent1"/>
+          </a:fillRef>
+          <a:effectRef idx="2">
+            <a:schemeClr val="accent1"/>
+          </a:effectRef>
+          <a:fontRef idx="minor">
+            <a:schemeClr val="lt1"/>
+          </a:fontRef>
+        </p:style>
+        <p:txBody>
+          <a:bodyPr rtlCol="0" anchor="ctr"/>
+          <a:lstStyle/>
+          <a:p>
+            <a:pPr algn="ctr"/>
+            <a:endParaRPr lang="en-US"/>
+          </a:p>
+        </p:txBody>
+      </p:sp>
+      <p:sp>
+        <p:nvSpPr>
+          <p:cNvPr id="6" name="Rectangle 5"/>
+          <p:cNvSpPr/>
           <p:nvPr/>
-        </p:nvPicPr>
-        <p:blipFill>
-          <a:blip r:embed="rId4"/>
-          <a:stretch>
-            <a:fillRect/>
-          </a:stretch>
-        </p:blipFill>
+        </p:nvSpPr>
         <p:spPr>
           <a:xfrm>
-            <a:off x="6336851" y="3002832"/>
-            <a:ext cx="1212118" cy="1049866"/>
+            <a:off x="6112065" y="1406187"/>
+            <a:ext cx="2766872" cy="3454371"/>
           </a:xfrm>
           <a:prstGeom prst="rect">
             <a:avLst/>
           </a:prstGeom>
-        </p:spPr>
-      </p:pic>
-      <p:pic>
-        <p:nvPicPr>
-          <p:cNvPr id="10" name="Picture 9"/>
-          <p:cNvPicPr>
-            <a:picLocks noChangeAspect="1"/>
-          </p:cNvPicPr>
-          <p:nvPr/>
-        </p:nvPicPr>
-        <p:blipFill>
-          <a:blip r:embed="rId5"/>
-          <a:stretch>
-            <a:fillRect/>
-          </a:stretch>
-        </p:blipFill>
-        <p:spPr>
-          <a:xfrm>
-            <a:off x="2346036" y="4765220"/>
-            <a:ext cx="1428172" cy="1276975"/>
-          </a:xfrm>
-          <a:prstGeom prst="rect">
-            <a:avLst/>
-          </a:prstGeom>
-        </p:spPr>
-      </p:pic>
-      <p:pic>
-        <p:nvPicPr>
-          <p:cNvPr id="11" name="Picture 10"/>
-          <p:cNvPicPr>
-            <a:picLocks noChangeAspect="1"/>
-          </p:cNvPicPr>
-          <p:nvPr/>
-        </p:nvPicPr>
-        <p:blipFill>
-          <a:blip r:embed="rId5"/>
-          <a:stretch>
-            <a:fillRect/>
-          </a:stretch>
-        </p:blipFill>
-        <p:spPr>
-          <a:xfrm>
-            <a:off x="917864" y="2914655"/>
-            <a:ext cx="1428172" cy="1276975"/>
-          </a:xfrm>
-          <a:prstGeom prst="rect">
-            <a:avLst/>
-          </a:prstGeom>
-        </p:spPr>
-      </p:pic>
-      <p:pic>
-        <p:nvPicPr>
-          <p:cNvPr id="12" name="Picture 11"/>
-          <p:cNvPicPr>
-            <a:picLocks noChangeAspect="1"/>
-          </p:cNvPicPr>
-          <p:nvPr/>
-        </p:nvPicPr>
-        <p:blipFill>
-          <a:blip r:embed="rId5"/>
-          <a:stretch>
-            <a:fillRect/>
-          </a:stretch>
-        </p:blipFill>
-        <p:spPr>
-          <a:xfrm>
-            <a:off x="4804740" y="4765220"/>
-            <a:ext cx="1428172" cy="1276975"/>
-          </a:xfrm>
-          <a:prstGeom prst="rect">
-            <a:avLst/>
-          </a:prstGeom>
-        </p:spPr>
-      </p:pic>
-      <p:cxnSp>
-        <p:nvCxnSpPr>
-          <p:cNvPr id="18" name="Straight Connector 17"/>
-          <p:cNvCxnSpPr>
-            <a:stCxn id="4" idx="1"/>
-          </p:cNvCxnSpPr>
-          <p:nvPr/>
-        </p:nvCxnSpPr>
-        <p:spPr>
-          <a:xfrm>
-            <a:off x="1555866" y="1140668"/>
-            <a:ext cx="0" cy="963072"/>
-          </a:xfrm>
-          <a:prstGeom prst="line">
-            <a:avLst/>
-          </a:prstGeom>
+          <a:solidFill>
+            <a:srgbClr val="95B3D7"/>
+          </a:solidFill>
           <a:ln>
             <a:solidFill>
-              <a:schemeClr val="tx1"/>
+              <a:srgbClr val="95B3D7"/>
             </a:solidFill>
           </a:ln>
         </p:spPr>
         <p:style>
-          <a:lnRef idx="2">
+          <a:lnRef idx="1">
             <a:schemeClr val="accent1"/>
           </a:lnRef>
-          <a:fillRef idx="0">
+          <a:fillRef idx="3">
             <a:schemeClr val="accent1"/>
           </a:fillRef>
-          <a:effectRef idx="1">
+          <a:effectRef idx="2">
             <a:schemeClr val="accent1"/>
           </a:effectRef>
           <a:fontRef idx="minor">
-            <a:schemeClr val="tx1"/>
+            <a:schemeClr val="lt1"/>
           </a:fontRef>
         </p:style>
-      </p:cxnSp>
-      <p:cxnSp>
-        <p:nvCxnSpPr>
-          <p:cNvPr id="23" name="Straight Connector 22"/>
-          <p:cNvCxnSpPr/>
+        <p:txBody>
+          <a:bodyPr rtlCol="0" anchor="ctr"/>
+          <a:lstStyle/>
+          <a:p>
+            <a:pPr algn="ctr"/>
+            <a:endParaRPr lang="en-US"/>
+          </a:p>
+        </p:txBody>
+      </p:sp>
+      <p:sp>
+        <p:nvSpPr>
+          <p:cNvPr id="7" name="TextBox 6"/>
+          <p:cNvSpPr txBox="1"/>
           <p:nvPr/>
-        </p:nvCxnSpPr>
+        </p:nvSpPr>
         <p:spPr>
           <a:xfrm>
-            <a:off x="1555866" y="2321811"/>
-            <a:ext cx="0" cy="681021"/>
-          </a:xfrm>
-          <a:prstGeom prst="line">
-            <a:avLst/>
-          </a:prstGeom>
-          <a:ln>
-            <a:solidFill>
-              <a:srgbClr val="000000"/>
-            </a:solidFill>
-          </a:ln>
-        </p:spPr>
-        <p:style>
-          <a:lnRef idx="2">
-            <a:schemeClr val="accent1"/>
-          </a:lnRef>
-          <a:fillRef idx="0">
-            <a:schemeClr val="accent1"/>
-          </a:fillRef>
-          <a:effectRef idx="1">
-            <a:schemeClr val="accent1"/>
-          </a:effectRef>
-          <a:fontRef idx="minor">
-            <a:schemeClr val="tx1"/>
-          </a:fontRef>
-        </p:style>
-      </p:cxnSp>
-      <p:cxnSp>
-        <p:nvCxnSpPr>
-          <p:cNvPr id="25" name="Straight Connector 24"/>
-          <p:cNvCxnSpPr>
-            <a:endCxn id="7" idx="1"/>
-          </p:cNvCxnSpPr>
-          <p:nvPr/>
-        </p:nvCxnSpPr>
-        <p:spPr>
-          <a:xfrm>
-            <a:off x="2245107" y="3569744"/>
-            <a:ext cx="1385552" cy="0"/>
-          </a:xfrm>
-          <a:prstGeom prst="line">
-            <a:avLst/>
-          </a:prstGeom>
-          <a:ln>
-            <a:solidFill>
-              <a:srgbClr val="000000"/>
-            </a:solidFill>
-          </a:ln>
-        </p:spPr>
-        <p:style>
-          <a:lnRef idx="2">
-            <a:schemeClr val="accent1"/>
-          </a:lnRef>
-          <a:fillRef idx="0">
-            <a:schemeClr val="accent1"/>
-          </a:fillRef>
-          <a:effectRef idx="1">
-            <a:schemeClr val="accent1"/>
-          </a:effectRef>
-          <a:fontRef idx="minor">
-            <a:schemeClr val="tx1"/>
-          </a:fontRef>
-        </p:style>
-      </p:cxnSp>
-      <p:cxnSp>
-        <p:nvCxnSpPr>
-          <p:cNvPr id="27" name="Straight Connector 26"/>
-          <p:cNvCxnSpPr>
-            <a:stCxn id="7" idx="3"/>
-          </p:cNvCxnSpPr>
-          <p:nvPr/>
-        </p:nvCxnSpPr>
-        <p:spPr>
-          <a:xfrm>
-            <a:off x="4977723" y="3569744"/>
-            <a:ext cx="1821744" cy="0"/>
-          </a:xfrm>
-          <a:prstGeom prst="line">
-            <a:avLst/>
-          </a:prstGeom>
-          <a:ln>
-            <a:solidFill>
-              <a:srgbClr val="000000"/>
-            </a:solidFill>
-          </a:ln>
-        </p:spPr>
-        <p:style>
-          <a:lnRef idx="2">
-            <a:schemeClr val="accent1"/>
-          </a:lnRef>
-          <a:fillRef idx="0">
-            <a:schemeClr val="accent1"/>
-          </a:fillRef>
-          <a:effectRef idx="1">
-            <a:schemeClr val="accent1"/>
-          </a:effectRef>
-          <a:fontRef idx="minor">
-            <a:schemeClr val="tx1"/>
-          </a:fontRef>
-        </p:style>
-      </p:cxnSp>
-      <p:cxnSp>
-        <p:nvCxnSpPr>
-          <p:cNvPr id="32" name="Straight Connector 31"/>
-          <p:cNvCxnSpPr/>
-          <p:nvPr/>
-        </p:nvCxnSpPr>
-        <p:spPr>
-          <a:xfrm flipH="1">
-            <a:off x="3374076" y="3754596"/>
-            <a:ext cx="577312" cy="1376477"/>
-          </a:xfrm>
-          <a:prstGeom prst="line">
-            <a:avLst/>
-          </a:prstGeom>
-          <a:ln>
-            <a:solidFill>
-              <a:srgbClr val="000000"/>
-            </a:solidFill>
-          </a:ln>
-        </p:spPr>
-        <p:style>
-          <a:lnRef idx="2">
-            <a:schemeClr val="accent1"/>
-          </a:lnRef>
-          <a:fillRef idx="0">
-            <a:schemeClr val="accent1"/>
-          </a:fillRef>
-          <a:effectRef idx="1">
-            <a:schemeClr val="accent1"/>
-          </a:effectRef>
-          <a:fontRef idx="minor">
-            <a:schemeClr val="tx1"/>
-          </a:fontRef>
-        </p:style>
-      </p:cxnSp>
-      <p:cxnSp>
-        <p:nvCxnSpPr>
-          <p:cNvPr id="35" name="Straight Connector 34"/>
-          <p:cNvCxnSpPr/>
-          <p:nvPr/>
-        </p:nvCxnSpPr>
-        <p:spPr>
-          <a:xfrm>
-            <a:off x="4695481" y="3754596"/>
-            <a:ext cx="654288" cy="1107096"/>
-          </a:xfrm>
-          <a:prstGeom prst="line">
-            <a:avLst/>
-          </a:prstGeom>
-          <a:ln>
-            <a:solidFill>
-              <a:srgbClr val="000000"/>
-            </a:solidFill>
-          </a:ln>
-        </p:spPr>
-        <p:style>
-          <a:lnRef idx="2">
-            <a:schemeClr val="accent1"/>
-          </a:lnRef>
-          <a:fillRef idx="0">
-            <a:schemeClr val="accent1"/>
-          </a:fillRef>
-          <a:effectRef idx="1">
-            <a:schemeClr val="accent1"/>
-          </a:effectRef>
-          <a:fontRef idx="minor">
-            <a:schemeClr val="tx1"/>
-          </a:fontRef>
-        </p:style>
-      </p:cxnSp>
-      <p:sp>
-        <p:nvSpPr>
-          <p:cNvPr id="38" name="TextBox 37"/>
-          <p:cNvSpPr txBox="1"/>
-          <p:nvPr/>
-        </p:nvSpPr>
-        <p:spPr>
-          <a:xfrm>
-            <a:off x="3630659" y="3002832"/>
-            <a:ext cx="1347064" cy="369332"/>
+            <a:off x="340189" y="1550388"/>
+            <a:ext cx="2381324" cy="830997"/>
           </a:xfrm>
           <a:prstGeom prst="rect">
             <a:avLst/>
@@ -3606,23 +3836,23 @@
           <a:p>
             <a:pPr algn="ctr"/>
             <a:r>
-              <a:rPr lang="en-US" dirty="0" smtClean="0"/>
-              <a:t>Switch</a:t>
-            </a:r>
-            <a:endParaRPr lang="en-US" dirty="0"/>
-          </a:p>
-        </p:txBody>
-      </p:sp>
-      <p:sp>
-        <p:nvSpPr>
-          <p:cNvPr id="42" name="TextBox 41"/>
+              <a:rPr lang="en-US" sz="2400" b="1" dirty="0" smtClean="0"/>
+              <a:t>Data Security Policy</a:t>
+            </a:r>
+            <a:endParaRPr lang="en-US" sz="2400" b="1" dirty="0"/>
+          </a:p>
+        </p:txBody>
+      </p:sp>
+      <p:sp>
+        <p:nvSpPr>
+          <p:cNvPr id="9" name="TextBox 8"/>
           <p:cNvSpPr txBox="1"/>
           <p:nvPr/>
         </p:nvSpPr>
         <p:spPr>
           <a:xfrm>
-            <a:off x="936398" y="4118889"/>
-            <a:ext cx="1261184" cy="646331"/>
+            <a:off x="3372857" y="1550388"/>
+            <a:ext cx="2381324" cy="830997"/>
           </a:xfrm>
           <a:prstGeom prst="rect">
             <a:avLst/>
@@ -3637,23 +3867,23 @@
           <a:p>
             <a:pPr algn="ctr"/>
             <a:r>
-              <a:rPr lang="en-US" dirty="0" smtClean="0"/>
-              <a:t>ICS Host Computer</a:t>
-            </a:r>
-            <a:endParaRPr lang="en-US" dirty="0"/>
-          </a:p>
-        </p:txBody>
-      </p:sp>
-      <p:sp>
-        <p:nvSpPr>
-          <p:cNvPr id="44" name="TextBox 43"/>
+              <a:rPr lang="en-US" sz="2400" b="1" dirty="0" smtClean="0"/>
+              <a:t>Data Activity Monitoring</a:t>
+            </a:r>
+            <a:endParaRPr lang="en-US" sz="2400" b="1" dirty="0"/>
+          </a:p>
+        </p:txBody>
+      </p:sp>
+      <p:sp>
+        <p:nvSpPr>
+          <p:cNvPr id="10" name="TextBox 9"/>
           <p:cNvSpPr txBox="1"/>
           <p:nvPr/>
         </p:nvSpPr>
         <p:spPr>
           <a:xfrm>
-            <a:off x="1743064" y="1721844"/>
-            <a:ext cx="1385552" cy="646331"/>
+            <a:off x="6332502" y="1550388"/>
+            <a:ext cx="2381324" cy="461665"/>
           </a:xfrm>
           <a:prstGeom prst="rect">
             <a:avLst/>
@@ -3668,8 +3898,69 @@
           <a:p>
             <a:pPr algn="ctr"/>
             <a:r>
+              <a:rPr lang="en-US" sz="2400" b="1" dirty="0" smtClean="0"/>
+              <a:t>Enforcement</a:t>
+            </a:r>
+            <a:endParaRPr lang="en-US" sz="2400" b="1" dirty="0"/>
+          </a:p>
+        </p:txBody>
+      </p:sp>
+      <p:sp>
+        <p:nvSpPr>
+          <p:cNvPr id="11" name="Rectangle 10"/>
+          <p:cNvSpPr/>
+          <p:nvPr/>
+        </p:nvSpPr>
+        <p:spPr>
+          <a:xfrm>
+            <a:off x="340189" y="2457687"/>
+            <a:ext cx="2381324" cy="1023275"/>
+          </a:xfrm>
+          <a:prstGeom prst="rect">
+            <a:avLst/>
+          </a:prstGeom>
+          <a:solidFill>
+            <a:schemeClr val="tx2">
+              <a:lumMod val="75000"/>
+            </a:schemeClr>
+          </a:solidFill>
+          <a:ln>
+            <a:solidFill>
+              <a:schemeClr val="tx2">
+                <a:lumMod val="75000"/>
+              </a:schemeClr>
+            </a:solidFill>
+          </a:ln>
+        </p:spPr>
+        <p:style>
+          <a:lnRef idx="1">
+            <a:schemeClr val="accent1"/>
+          </a:lnRef>
+          <a:fillRef idx="3">
+            <a:schemeClr val="accent1"/>
+          </a:fillRef>
+          <a:effectRef idx="2">
+            <a:schemeClr val="accent1"/>
+          </a:effectRef>
+          <a:fontRef idx="minor">
+            <a:schemeClr val="lt1"/>
+          </a:fontRef>
+        </p:style>
+        <p:txBody>
+          <a:bodyPr rtlCol="0" anchor="ctr"/>
+          <a:lstStyle/>
+          <a:p>
+            <a:pPr algn="ctr"/>
+            <a:r>
               <a:rPr lang="en-US" dirty="0" smtClean="0"/>
-              <a:t>DSL/Cable Modem</a:t>
+              <a:t>Data Classification</a:t>
+            </a:r>
+          </a:p>
+          <a:p>
+            <a:pPr algn="ctr"/>
+            <a:r>
+              <a:rPr lang="en-US" dirty="0" smtClean="0"/>
+              <a:t> and Discovery</a:t>
             </a:r>
             <a:endParaRPr lang="en-US" dirty="0"/>
           </a:p>
@@ -3677,14 +3968,307 @@
       </p:sp>
       <p:sp>
         <p:nvSpPr>
-          <p:cNvPr id="45" name="TextBox 44"/>
+          <p:cNvPr id="13" name="Rectangle 12"/>
+          <p:cNvSpPr/>
+          <p:nvPr/>
+        </p:nvSpPr>
+        <p:spPr>
+          <a:xfrm>
+            <a:off x="340189" y="3661799"/>
+            <a:ext cx="2381324" cy="1023275"/>
+          </a:xfrm>
+          <a:prstGeom prst="rect">
+            <a:avLst/>
+          </a:prstGeom>
+          <a:solidFill>
+            <a:srgbClr val="17375E"/>
+          </a:solidFill>
+          <a:ln>
+            <a:solidFill>
+              <a:srgbClr val="17375E"/>
+            </a:solidFill>
+          </a:ln>
+        </p:spPr>
+        <p:style>
+          <a:lnRef idx="1">
+            <a:schemeClr val="accent1"/>
+          </a:lnRef>
+          <a:fillRef idx="3">
+            <a:schemeClr val="accent1"/>
+          </a:fillRef>
+          <a:effectRef idx="2">
+            <a:schemeClr val="accent1"/>
+          </a:effectRef>
+          <a:fontRef idx="minor">
+            <a:schemeClr val="lt1"/>
+          </a:fontRef>
+        </p:style>
+        <p:txBody>
+          <a:bodyPr rtlCol="0" anchor="ctr"/>
+          <a:lstStyle/>
+          <a:p>
+            <a:pPr algn="ctr"/>
+            <a:r>
+              <a:rPr lang="en-US" dirty="0" smtClean="0"/>
+              <a:t>Data Security </a:t>
+            </a:r>
+          </a:p>
+          <a:p>
+            <a:pPr algn="ctr"/>
+            <a:r>
+              <a:rPr lang="en-US" dirty="0" smtClean="0"/>
+              <a:t>Controls</a:t>
+            </a:r>
+            <a:endParaRPr lang="en-US" dirty="0"/>
+          </a:p>
+        </p:txBody>
+      </p:sp>
+      <p:sp>
+        <p:nvSpPr>
+          <p:cNvPr id="15" name="Rectangle 14"/>
+          <p:cNvSpPr/>
+          <p:nvPr/>
+        </p:nvSpPr>
+        <p:spPr>
+          <a:xfrm>
+            <a:off x="3372857" y="2457687"/>
+            <a:ext cx="2381324" cy="1023275"/>
+          </a:xfrm>
+          <a:prstGeom prst="rect">
+            <a:avLst/>
+          </a:prstGeom>
+          <a:solidFill>
+            <a:schemeClr val="tx2">
+              <a:lumMod val="75000"/>
+            </a:schemeClr>
+          </a:solidFill>
+          <a:ln>
+            <a:solidFill>
+              <a:schemeClr val="tx2">
+                <a:lumMod val="75000"/>
+              </a:schemeClr>
+            </a:solidFill>
+          </a:ln>
+        </p:spPr>
+        <p:style>
+          <a:lnRef idx="1">
+            <a:schemeClr val="accent1"/>
+          </a:lnRef>
+          <a:fillRef idx="3">
+            <a:schemeClr val="accent1"/>
+          </a:fillRef>
+          <a:effectRef idx="2">
+            <a:schemeClr val="accent1"/>
+          </a:effectRef>
+          <a:fontRef idx="minor">
+            <a:schemeClr val="lt1"/>
+          </a:fontRef>
+        </p:style>
+        <p:txBody>
+          <a:bodyPr rtlCol="0" anchor="ctr"/>
+          <a:lstStyle/>
+          <a:p>
+            <a:pPr algn="ctr"/>
+            <a:r>
+              <a:rPr lang="en-US" dirty="0" smtClean="0"/>
+              <a:t>Assessment and Monitoring of User Roles and Permissions</a:t>
+            </a:r>
+            <a:endParaRPr lang="en-US" dirty="0"/>
+          </a:p>
+        </p:txBody>
+      </p:sp>
+      <p:sp>
+        <p:nvSpPr>
+          <p:cNvPr id="16" name="Rectangle 15"/>
+          <p:cNvSpPr/>
+          <p:nvPr/>
+        </p:nvSpPr>
+        <p:spPr>
+          <a:xfrm>
+            <a:off x="3372857" y="3622001"/>
+            <a:ext cx="2381324" cy="1023275"/>
+          </a:xfrm>
+          <a:prstGeom prst="rect">
+            <a:avLst/>
+          </a:prstGeom>
+          <a:solidFill>
+            <a:schemeClr val="tx2">
+              <a:lumMod val="75000"/>
+            </a:schemeClr>
+          </a:solidFill>
+          <a:ln>
+            <a:solidFill>
+              <a:schemeClr val="tx2">
+                <a:lumMod val="75000"/>
+              </a:schemeClr>
+            </a:solidFill>
+          </a:ln>
+        </p:spPr>
+        <p:style>
+          <a:lnRef idx="1">
+            <a:schemeClr val="accent1"/>
+          </a:lnRef>
+          <a:fillRef idx="3">
+            <a:schemeClr val="accent1"/>
+          </a:fillRef>
+          <a:effectRef idx="2">
+            <a:schemeClr val="accent1"/>
+          </a:effectRef>
+          <a:fontRef idx="minor">
+            <a:schemeClr val="lt1"/>
+          </a:fontRef>
+        </p:style>
+        <p:txBody>
+          <a:bodyPr rtlCol="0" anchor="ctr"/>
+          <a:lstStyle/>
+          <a:p>
+            <a:pPr algn="ctr"/>
+            <a:r>
+              <a:rPr lang="en-US" dirty="0" smtClean="0"/>
+              <a:t>User Monitoring and Auditing</a:t>
+            </a:r>
+          </a:p>
+        </p:txBody>
+      </p:sp>
+      <p:sp>
+        <p:nvSpPr>
+          <p:cNvPr id="17" name="Rectangle 16"/>
+          <p:cNvSpPr/>
+          <p:nvPr/>
+        </p:nvSpPr>
+        <p:spPr>
+          <a:xfrm>
+            <a:off x="6332502" y="2381385"/>
+            <a:ext cx="2381324" cy="1023275"/>
+          </a:xfrm>
+          <a:prstGeom prst="rect">
+            <a:avLst/>
+          </a:prstGeom>
+          <a:solidFill>
+            <a:schemeClr val="tx2">
+              <a:lumMod val="75000"/>
+            </a:schemeClr>
+          </a:solidFill>
+          <a:ln>
+            <a:solidFill>
+              <a:schemeClr val="tx2">
+                <a:lumMod val="75000"/>
+              </a:schemeClr>
+            </a:solidFill>
+          </a:ln>
+        </p:spPr>
+        <p:style>
+          <a:lnRef idx="1">
+            <a:schemeClr val="accent1"/>
+          </a:lnRef>
+          <a:fillRef idx="3">
+            <a:schemeClr val="accent1"/>
+          </a:fillRef>
+          <a:effectRef idx="2">
+            <a:schemeClr val="accent1"/>
+          </a:effectRef>
+          <a:fontRef idx="minor">
+            <a:schemeClr val="lt1"/>
+          </a:fontRef>
+        </p:style>
+        <p:txBody>
+          <a:bodyPr rtlCol="0" anchor="ctr"/>
+          <a:lstStyle/>
+          <a:p>
+            <a:pPr algn="ctr"/>
+            <a:r>
+              <a:rPr lang="en-US" dirty="0" smtClean="0"/>
+              <a:t>Behavior Analysis, Alerting, Reporting	</a:t>
+            </a:r>
+          </a:p>
+        </p:txBody>
+      </p:sp>
+      <p:sp>
+        <p:nvSpPr>
+          <p:cNvPr id="18" name="Rectangle 17"/>
+          <p:cNvSpPr/>
+          <p:nvPr/>
+        </p:nvSpPr>
+        <p:spPr>
+          <a:xfrm>
+            <a:off x="6332502" y="3622001"/>
+            <a:ext cx="2381324" cy="1023275"/>
+          </a:xfrm>
+          <a:prstGeom prst="rect">
+            <a:avLst/>
+          </a:prstGeom>
+          <a:solidFill>
+            <a:schemeClr val="tx2">
+              <a:lumMod val="75000"/>
+            </a:schemeClr>
+          </a:solidFill>
+          <a:ln>
+            <a:solidFill>
+              <a:schemeClr val="tx2">
+                <a:lumMod val="75000"/>
+              </a:schemeClr>
+            </a:solidFill>
+          </a:ln>
+        </p:spPr>
+        <p:style>
+          <a:lnRef idx="1">
+            <a:schemeClr val="accent1"/>
+          </a:lnRef>
+          <a:fillRef idx="3">
+            <a:schemeClr val="accent1"/>
+          </a:fillRef>
+          <a:effectRef idx="2">
+            <a:schemeClr val="accent1"/>
+          </a:effectRef>
+          <a:fontRef idx="minor">
+            <a:schemeClr val="lt1"/>
+          </a:fontRef>
+        </p:style>
+        <p:txBody>
+          <a:bodyPr rtlCol="0" anchor="ctr"/>
+          <a:lstStyle/>
+          <a:p>
+            <a:pPr algn="ctr"/>
+            <a:r>
+              <a:rPr lang="en-US" dirty="0" smtClean="0"/>
+              <a:t>Block, Encrypt, Tokenize, Mask, Quarantine</a:t>
+            </a:r>
+          </a:p>
+        </p:txBody>
+      </p:sp>
+      <p:sp>
+        <p:nvSpPr>
+          <p:cNvPr id="2" name="Footer Placeholder 1"/>
+          <p:cNvSpPr>
+            <a:spLocks noGrp="1"/>
+          </p:cNvSpPr>
+          <p:nvPr>
+            <p:ph type="ftr" sz="quarter" idx="11"/>
+          </p:nvPr>
+        </p:nvSpPr>
+        <p:spPr/>
+        <p:txBody>
+          <a:bodyPr/>
+          <a:lstStyle/>
+          <a:p>
+            <a:r>
+              <a:rPr lang="sk-SK" smtClean="0"/>
+              <a:t>Copyright © 2005-2018 360.NET</a:t>
+            </a:r>
+            <a:endParaRPr lang="en-US"/>
+          </a:p>
+        </p:txBody>
+      </p:sp>
+      <p:sp>
+        <p:nvSpPr>
+          <p:cNvPr id="3" name="TextBox 2"/>
           <p:cNvSpPr txBox="1"/>
           <p:nvPr/>
         </p:nvSpPr>
         <p:spPr>
           <a:xfrm>
-            <a:off x="6440249" y="4835508"/>
-            <a:ext cx="1642136" cy="1477328"/>
+            <a:off x="340189" y="418352"/>
+            <a:ext cx="5413992" cy="523220"/>
           </a:xfrm>
           <a:prstGeom prst="rect">
             <a:avLst/>
@@ -3697,19 +4281,756 @@
           </a:bodyPr>
           <a:lstStyle/>
           <a:p>
-            <a:pPr algn="ctr"/>
-            <a:r>
-              <a:rPr lang="en-US" dirty="0" smtClean="0"/>
-              <a:t>Client computers will access Internet through ICS Host Computer</a:t>
-            </a:r>
-            <a:endParaRPr lang="en-US" dirty="0"/>
+            <a:r>
+              <a:rPr lang="en-US" sz="2800" dirty="0" smtClean="0"/>
+              <a:t>Important </a:t>
+            </a:r>
+            <a:endParaRPr lang="en-US" sz="2800" dirty="0"/>
           </a:p>
         </p:txBody>
       </p:sp>
     </p:spTree>
     <p:extLst>
       <p:ext uri="{BB962C8B-B14F-4D97-AF65-F5344CB8AC3E}">
-        <p14:creationId xmlns:p14="http://schemas.microsoft.com/office/powerpoint/2010/main" val="210321556"/>
+        <p14:creationId xmlns:p14="http://schemas.microsoft.com/office/powerpoint/2010/main" val="3287785252"/>
+      </p:ext>
+    </p:extLst>
+  </p:cSld>
+  <p:clrMapOvr>
+    <a:masterClrMapping/>
+  </p:clrMapOvr>
+</p:sld>
+</file>
+
+<file path=ppt/slides/slide2.xml><?xml version="1.0" encoding="utf-8"?>
+<p:sld xmlns:a="http://schemas.openxmlformats.org/drawingml/2006/main" xmlns:r="http://schemas.openxmlformats.org/officeDocument/2006/relationships" xmlns:p="http://schemas.openxmlformats.org/presentationml/2006/main">
+  <p:cSld>
+    <p:spTree>
+      <p:nvGrpSpPr>
+        <p:cNvPr id="1" name=""/>
+        <p:cNvGrpSpPr/>
+        <p:nvPr/>
+      </p:nvGrpSpPr>
+      <p:grpSpPr>
+        <a:xfrm>
+          <a:off x="0" y="0"/>
+          <a:ext cx="0" cy="0"/>
+          <a:chOff x="0" y="0"/>
+          <a:chExt cx="0" cy="0"/>
+        </a:xfrm>
+      </p:grpSpPr>
+      <p:sp>
+        <p:nvSpPr>
+          <p:cNvPr id="17" name="Oval 16"/>
+          <p:cNvSpPr/>
+          <p:nvPr/>
+        </p:nvSpPr>
+        <p:spPr>
+          <a:xfrm>
+            <a:off x="1332899" y="146948"/>
+            <a:ext cx="4422741" cy="3669402"/>
+          </a:xfrm>
+          <a:prstGeom prst="ellipse">
+            <a:avLst/>
+          </a:prstGeom>
+          <a:gradFill flip="none" rotWithShape="1">
+            <a:gsLst>
+              <a:gs pos="0">
+                <a:schemeClr val="accent1">
+                  <a:tint val="100000"/>
+                  <a:shade val="100000"/>
+                  <a:satMod val="130000"/>
+                  <a:alpha val="23000"/>
+                </a:schemeClr>
+              </a:gs>
+              <a:gs pos="100000">
+                <a:schemeClr val="accent1">
+                  <a:tint val="50000"/>
+                  <a:shade val="100000"/>
+                  <a:satMod val="350000"/>
+                  <a:alpha val="23000"/>
+                </a:schemeClr>
+              </a:gs>
+            </a:gsLst>
+            <a:lin ang="16200000" scaled="0"/>
+            <a:tileRect/>
+          </a:gradFill>
+        </p:spPr>
+        <p:style>
+          <a:lnRef idx="1">
+            <a:schemeClr val="accent1"/>
+          </a:lnRef>
+          <a:fillRef idx="3">
+            <a:schemeClr val="accent1"/>
+          </a:fillRef>
+          <a:effectRef idx="2">
+            <a:schemeClr val="accent1"/>
+          </a:effectRef>
+          <a:fontRef idx="minor">
+            <a:schemeClr val="lt1"/>
+          </a:fontRef>
+        </p:style>
+        <p:txBody>
+          <a:bodyPr rot="0" spcFirstLastPara="0" vert="horz" wrap="square" lIns="91440" tIns="45720" rIns="91440" bIns="45720" numCol="1" spcCol="0" rtlCol="0" fromWordArt="0" anchor="ctr" anchorCtr="0" forceAA="0" compatLnSpc="1">
+            <a:prstTxWarp prst="textNoShape">
+              <a:avLst/>
+            </a:prstTxWarp>
+            <a:noAutofit/>
+          </a:bodyPr>
+          <a:lstStyle/>
+          <a:p>
+            <a:endParaRPr lang="en-US"/>
+          </a:p>
+        </p:txBody>
+      </p:sp>
+      <p:sp>
+        <p:nvSpPr>
+          <p:cNvPr id="18" name="Oval 17"/>
+          <p:cNvSpPr/>
+          <p:nvPr/>
+        </p:nvSpPr>
+        <p:spPr>
+          <a:xfrm>
+            <a:off x="3611879" y="146948"/>
+            <a:ext cx="4425696" cy="3669402"/>
+          </a:xfrm>
+          <a:prstGeom prst="ellipse">
+            <a:avLst/>
+          </a:prstGeom>
+          <a:gradFill flip="none" rotWithShape="1">
+            <a:gsLst>
+              <a:gs pos="0">
+                <a:schemeClr val="accent1">
+                  <a:tint val="100000"/>
+                  <a:shade val="100000"/>
+                  <a:satMod val="130000"/>
+                  <a:alpha val="23000"/>
+                </a:schemeClr>
+              </a:gs>
+              <a:gs pos="100000">
+                <a:schemeClr val="accent1">
+                  <a:tint val="50000"/>
+                  <a:shade val="100000"/>
+                  <a:satMod val="350000"/>
+                  <a:alpha val="23000"/>
+                </a:schemeClr>
+              </a:gs>
+            </a:gsLst>
+            <a:lin ang="16200000" scaled="0"/>
+            <a:tileRect/>
+          </a:gradFill>
+        </p:spPr>
+        <p:style>
+          <a:lnRef idx="1">
+            <a:schemeClr val="accent1"/>
+          </a:lnRef>
+          <a:fillRef idx="3">
+            <a:schemeClr val="accent1"/>
+          </a:fillRef>
+          <a:effectRef idx="2">
+            <a:schemeClr val="accent1"/>
+          </a:effectRef>
+          <a:fontRef idx="minor">
+            <a:schemeClr val="lt1"/>
+          </a:fontRef>
+        </p:style>
+        <p:txBody>
+          <a:bodyPr rot="0" spcFirstLastPara="0" vert="horz" wrap="square" lIns="91440" tIns="45720" rIns="91440" bIns="45720" numCol="1" spcCol="0" rtlCol="0" fromWordArt="0" anchor="ctr" anchorCtr="0" forceAA="0" compatLnSpc="1">
+            <a:prstTxWarp prst="textNoShape">
+              <a:avLst/>
+            </a:prstTxWarp>
+            <a:noAutofit/>
+          </a:bodyPr>
+          <a:lstStyle/>
+          <a:p>
+            <a:endParaRPr lang="en-US"/>
+          </a:p>
+        </p:txBody>
+      </p:sp>
+      <p:sp>
+        <p:nvSpPr>
+          <p:cNvPr id="19" name="Oval 18"/>
+          <p:cNvSpPr/>
+          <p:nvPr/>
+        </p:nvSpPr>
+        <p:spPr>
+          <a:xfrm>
+            <a:off x="2033932" y="1914260"/>
+            <a:ext cx="5302258" cy="4110600"/>
+          </a:xfrm>
+          <a:prstGeom prst="ellipse">
+            <a:avLst/>
+          </a:prstGeom>
+          <a:gradFill flip="none" rotWithShape="1">
+            <a:gsLst>
+              <a:gs pos="0">
+                <a:schemeClr val="accent1">
+                  <a:tint val="100000"/>
+                  <a:shade val="100000"/>
+                  <a:satMod val="130000"/>
+                  <a:alpha val="23000"/>
+                </a:schemeClr>
+              </a:gs>
+              <a:gs pos="100000">
+                <a:schemeClr val="accent1">
+                  <a:tint val="50000"/>
+                  <a:shade val="100000"/>
+                  <a:satMod val="350000"/>
+                  <a:alpha val="23000"/>
+                </a:schemeClr>
+              </a:gs>
+            </a:gsLst>
+            <a:lin ang="16200000" scaled="0"/>
+            <a:tileRect/>
+          </a:gradFill>
+        </p:spPr>
+        <p:style>
+          <a:lnRef idx="1">
+            <a:schemeClr val="accent1"/>
+          </a:lnRef>
+          <a:fillRef idx="3">
+            <a:schemeClr val="accent1"/>
+          </a:fillRef>
+          <a:effectRef idx="2">
+            <a:schemeClr val="accent1"/>
+          </a:effectRef>
+          <a:fontRef idx="minor">
+            <a:schemeClr val="lt1"/>
+          </a:fontRef>
+        </p:style>
+        <p:txBody>
+          <a:bodyPr rot="0" spcFirstLastPara="0" vert="horz" wrap="square" lIns="91440" tIns="45720" rIns="91440" bIns="45720" numCol="1" spcCol="0" rtlCol="0" fromWordArt="0" anchor="ctr" anchorCtr="0" forceAA="0" compatLnSpc="1">
+            <a:prstTxWarp prst="textNoShape">
+              <a:avLst/>
+            </a:prstTxWarp>
+            <a:noAutofit/>
+          </a:bodyPr>
+          <a:lstStyle/>
+          <a:p>
+            <a:endParaRPr lang="en-US"/>
+          </a:p>
+        </p:txBody>
+      </p:sp>
+      <p:sp>
+        <p:nvSpPr>
+          <p:cNvPr id="20" name="Oval 19"/>
+          <p:cNvSpPr/>
+          <p:nvPr/>
+        </p:nvSpPr>
+        <p:spPr>
+          <a:xfrm>
+            <a:off x="711199" y="1238560"/>
+            <a:ext cx="4567919" cy="3949390"/>
+          </a:xfrm>
+          <a:prstGeom prst="ellipse">
+            <a:avLst/>
+          </a:prstGeom>
+          <a:gradFill flip="none" rotWithShape="1">
+            <a:gsLst>
+              <a:gs pos="0">
+                <a:schemeClr val="accent1">
+                  <a:tint val="100000"/>
+                  <a:shade val="100000"/>
+                  <a:satMod val="130000"/>
+                  <a:alpha val="23000"/>
+                </a:schemeClr>
+              </a:gs>
+              <a:gs pos="100000">
+                <a:schemeClr val="accent1">
+                  <a:tint val="50000"/>
+                  <a:shade val="100000"/>
+                  <a:satMod val="350000"/>
+                  <a:alpha val="23000"/>
+                </a:schemeClr>
+              </a:gs>
+            </a:gsLst>
+            <a:lin ang="16200000" scaled="0"/>
+            <a:tileRect/>
+          </a:gradFill>
+        </p:spPr>
+        <p:style>
+          <a:lnRef idx="1">
+            <a:schemeClr val="accent1"/>
+          </a:lnRef>
+          <a:fillRef idx="3">
+            <a:schemeClr val="accent1"/>
+          </a:fillRef>
+          <a:effectRef idx="2">
+            <a:schemeClr val="accent1"/>
+          </a:effectRef>
+          <a:fontRef idx="minor">
+            <a:schemeClr val="lt1"/>
+          </a:fontRef>
+        </p:style>
+        <p:txBody>
+          <a:bodyPr rot="0" spcFirstLastPara="0" vert="horz" wrap="square" lIns="91440" tIns="45720" rIns="91440" bIns="45720" numCol="1" spcCol="0" rtlCol="0" fromWordArt="0" anchor="ctr" anchorCtr="0" forceAA="0" compatLnSpc="1">
+            <a:prstTxWarp prst="textNoShape">
+              <a:avLst/>
+            </a:prstTxWarp>
+            <a:noAutofit/>
+          </a:bodyPr>
+          <a:lstStyle/>
+          <a:p>
+            <a:endParaRPr lang="en-US"/>
+          </a:p>
+        </p:txBody>
+      </p:sp>
+      <p:sp>
+        <p:nvSpPr>
+          <p:cNvPr id="22" name="Oval 21"/>
+          <p:cNvSpPr/>
+          <p:nvPr/>
+        </p:nvSpPr>
+        <p:spPr>
+          <a:xfrm>
+            <a:off x="4091440" y="1238560"/>
+            <a:ext cx="4567919" cy="3949390"/>
+          </a:xfrm>
+          <a:prstGeom prst="ellipse">
+            <a:avLst/>
+          </a:prstGeom>
+          <a:gradFill flip="none" rotWithShape="1">
+            <a:gsLst>
+              <a:gs pos="0">
+                <a:schemeClr val="accent1">
+                  <a:tint val="100000"/>
+                  <a:shade val="100000"/>
+                  <a:satMod val="130000"/>
+                  <a:alpha val="23000"/>
+                </a:schemeClr>
+              </a:gs>
+              <a:gs pos="100000">
+                <a:schemeClr val="accent1">
+                  <a:tint val="50000"/>
+                  <a:shade val="100000"/>
+                  <a:satMod val="350000"/>
+                  <a:alpha val="23000"/>
+                </a:schemeClr>
+              </a:gs>
+            </a:gsLst>
+            <a:lin ang="16200000" scaled="0"/>
+            <a:tileRect/>
+          </a:gradFill>
+        </p:spPr>
+        <p:style>
+          <a:lnRef idx="1">
+            <a:schemeClr val="accent1"/>
+          </a:lnRef>
+          <a:fillRef idx="3">
+            <a:schemeClr val="accent1"/>
+          </a:fillRef>
+          <a:effectRef idx="2">
+            <a:schemeClr val="accent1"/>
+          </a:effectRef>
+          <a:fontRef idx="minor">
+            <a:schemeClr val="lt1"/>
+          </a:fontRef>
+        </p:style>
+        <p:txBody>
+          <a:bodyPr rot="0" spcFirstLastPara="0" vert="horz" wrap="square" lIns="91440" tIns="45720" rIns="91440" bIns="45720" numCol="1" spcCol="0" rtlCol="0" fromWordArt="0" anchor="ctr" anchorCtr="0" forceAA="0" compatLnSpc="1">
+            <a:prstTxWarp prst="textNoShape">
+              <a:avLst/>
+            </a:prstTxWarp>
+            <a:noAutofit/>
+          </a:bodyPr>
+          <a:lstStyle/>
+          <a:p>
+            <a:endParaRPr lang="en-US"/>
+          </a:p>
+        </p:txBody>
+      </p:sp>
+      <p:sp>
+        <p:nvSpPr>
+          <p:cNvPr id="2" name="Footer Placeholder 1"/>
+          <p:cNvSpPr>
+            <a:spLocks noGrp="1"/>
+          </p:cNvSpPr>
+          <p:nvPr>
+            <p:ph type="ftr" sz="quarter" idx="11"/>
+          </p:nvPr>
+        </p:nvSpPr>
+        <p:spPr/>
+        <p:txBody>
+          <a:bodyPr/>
+          <a:lstStyle/>
+          <a:p>
+            <a:r>
+              <a:rPr lang="sk-SK" smtClean="0"/>
+              <a:t>Copyright © 2005-2018 360.NET</a:t>
+            </a:r>
+            <a:endParaRPr lang="en-US"/>
+          </a:p>
+        </p:txBody>
+      </p:sp>
+      <p:sp>
+        <p:nvSpPr>
+          <p:cNvPr id="3" name="Rectangle 2"/>
+          <p:cNvSpPr/>
+          <p:nvPr/>
+        </p:nvSpPr>
+        <p:spPr>
+          <a:xfrm>
+            <a:off x="3975117" y="776895"/>
+            <a:ext cx="1402948" cy="923330"/>
+          </a:xfrm>
+          <a:prstGeom prst="rect">
+            <a:avLst/>
+          </a:prstGeom>
+          <a:solidFill>
+            <a:schemeClr val="tx1"/>
+          </a:solidFill>
+          <a:ln>
+            <a:noFill/>
+          </a:ln>
+        </p:spPr>
+        <p:txBody>
+          <a:bodyPr wrap="none" lIns="91440" tIns="45720" rIns="91440" bIns="45720">
+            <a:spAutoFit/>
+          </a:bodyPr>
+          <a:lstStyle/>
+          <a:p>
+            <a:pPr algn="ctr"/>
+            <a:r>
+              <a:rPr lang="en-US" sz="5400" b="1" cap="none" spc="0" dirty="0" err="1" smtClean="0">
+                <a:ln w="12700">
+                  <a:solidFill>
+                    <a:schemeClr val="tx2">
+                      <a:satMod val="155000"/>
+                    </a:schemeClr>
+                  </a:solidFill>
+                  <a:prstDash val="solid"/>
+                </a:ln>
+                <a:solidFill>
+                  <a:schemeClr val="bg2">
+                    <a:tint val="85000"/>
+                    <a:satMod val="155000"/>
+                  </a:schemeClr>
+                </a:solidFill>
+                <a:effectLst>
+                  <a:outerShdw blurRad="41275" dist="20320" dir="1800000" algn="tl" rotWithShape="0">
+                    <a:srgbClr val="000000">
+                      <a:alpha val="40000"/>
+                    </a:srgbClr>
+                  </a:outerShdw>
+                </a:effectLst>
+              </a:rPr>
+              <a:t>asdf</a:t>
+            </a:r>
+            <a:endParaRPr lang="en-US" sz="5400" b="1" cap="none" spc="0" dirty="0">
+              <a:ln w="12700">
+                <a:solidFill>
+                  <a:schemeClr val="tx2">
+                    <a:satMod val="155000"/>
+                  </a:schemeClr>
+                </a:solidFill>
+                <a:prstDash val="solid"/>
+              </a:ln>
+              <a:solidFill>
+                <a:schemeClr val="bg2">
+                  <a:tint val="85000"/>
+                  <a:satMod val="155000"/>
+                </a:schemeClr>
+              </a:solidFill>
+              <a:effectLst>
+                <a:outerShdw blurRad="41275" dist="20320" dir="1800000" algn="tl" rotWithShape="0">
+                  <a:srgbClr val="000000">
+                    <a:alpha val="40000"/>
+                  </a:srgbClr>
+                </a:outerShdw>
+              </a:effectLst>
+            </a:endParaRPr>
+          </a:p>
+        </p:txBody>
+      </p:sp>
+      <p:sp>
+        <p:nvSpPr>
+          <p:cNvPr id="4" name="Rectangle 3"/>
+          <p:cNvSpPr/>
+          <p:nvPr/>
+        </p:nvSpPr>
+        <p:spPr>
+          <a:xfrm>
+            <a:off x="1991070" y="1452595"/>
+            <a:ext cx="1133130" cy="923330"/>
+          </a:xfrm>
+          <a:prstGeom prst="rect">
+            <a:avLst/>
+          </a:prstGeom>
+          <a:solidFill>
+            <a:srgbClr val="000000"/>
+          </a:solidFill>
+          <a:ln>
+            <a:noFill/>
+          </a:ln>
+        </p:spPr>
+        <p:txBody>
+          <a:bodyPr wrap="none" lIns="91440" tIns="45720" rIns="91440" bIns="45720">
+            <a:spAutoFit/>
+          </a:bodyPr>
+          <a:lstStyle/>
+          <a:p>
+            <a:pPr algn="ctr"/>
+            <a:r>
+              <a:rPr lang="en-US" sz="5400" b="1" cap="none" spc="0" dirty="0" smtClean="0">
+                <a:ln w="12700">
+                  <a:solidFill>
+                    <a:schemeClr val="tx2">
+                      <a:satMod val="155000"/>
+                    </a:schemeClr>
+                  </a:solidFill>
+                  <a:prstDash val="solid"/>
+                </a:ln>
+                <a:solidFill>
+                  <a:schemeClr val="bg2">
+                    <a:tint val="85000"/>
+                    <a:satMod val="155000"/>
+                  </a:schemeClr>
+                </a:solidFill>
+                <a:effectLst>
+                  <a:outerShdw blurRad="41275" dist="20320" dir="1800000" algn="tl" rotWithShape="0">
+                    <a:srgbClr val="000000">
+                      <a:alpha val="40000"/>
+                    </a:srgbClr>
+                  </a:outerShdw>
+                </a:effectLst>
+              </a:rPr>
+              <a:t>Cat</a:t>
+            </a:r>
+          </a:p>
+        </p:txBody>
+      </p:sp>
+      <p:sp>
+        <p:nvSpPr>
+          <p:cNvPr id="10" name="Rectangle 9"/>
+          <p:cNvSpPr/>
+          <p:nvPr/>
+        </p:nvSpPr>
+        <p:spPr>
+          <a:xfrm>
+            <a:off x="5925461" y="1452595"/>
+            <a:ext cx="1321809" cy="923330"/>
+          </a:xfrm>
+          <a:prstGeom prst="rect">
+            <a:avLst/>
+          </a:prstGeom>
+          <a:solidFill>
+            <a:srgbClr val="000000"/>
+          </a:solidFill>
+          <a:ln>
+            <a:noFill/>
+          </a:ln>
+        </p:spPr>
+        <p:txBody>
+          <a:bodyPr wrap="none" lIns="91440" tIns="45720" rIns="91440" bIns="45720">
+            <a:spAutoFit/>
+          </a:bodyPr>
+          <a:lstStyle/>
+          <a:p>
+            <a:pPr algn="ctr"/>
+            <a:r>
+              <a:rPr lang="en-US" sz="5400" b="1" cap="none" spc="0" dirty="0" smtClean="0">
+                <a:ln w="12700">
+                  <a:solidFill>
+                    <a:schemeClr val="tx2">
+                      <a:satMod val="155000"/>
+                    </a:schemeClr>
+                  </a:solidFill>
+                  <a:prstDash val="solid"/>
+                </a:ln>
+                <a:solidFill>
+                  <a:schemeClr val="bg2">
+                    <a:tint val="85000"/>
+                    <a:satMod val="155000"/>
+                  </a:schemeClr>
+                </a:solidFill>
+                <a:effectLst>
+                  <a:outerShdw blurRad="41275" dist="20320" dir="1800000" algn="tl" rotWithShape="0">
+                    <a:srgbClr val="000000">
+                      <a:alpha val="40000"/>
+                    </a:srgbClr>
+                  </a:outerShdw>
+                </a:effectLst>
+              </a:rPr>
+              <a:t>Dog</a:t>
+            </a:r>
+          </a:p>
+        </p:txBody>
+      </p:sp>
+      <p:sp>
+        <p:nvSpPr>
+          <p:cNvPr id="11" name="Rectangle 10"/>
+          <p:cNvSpPr/>
+          <p:nvPr/>
+        </p:nvSpPr>
+        <p:spPr>
+          <a:xfrm>
+            <a:off x="4150476" y="4877113"/>
+            <a:ext cx="1051640" cy="923330"/>
+          </a:xfrm>
+          <a:prstGeom prst="rect">
+            <a:avLst/>
+          </a:prstGeom>
+          <a:solidFill>
+            <a:srgbClr val="000000"/>
+          </a:solidFill>
+          <a:ln>
+            <a:noFill/>
+          </a:ln>
+        </p:spPr>
+        <p:txBody>
+          <a:bodyPr wrap="none" lIns="91440" tIns="45720" rIns="91440" bIns="45720">
+            <a:spAutoFit/>
+          </a:bodyPr>
+          <a:lstStyle/>
+          <a:p>
+            <a:pPr algn="ctr"/>
+            <a:r>
+              <a:rPr lang="en-US" sz="5400" b="1" cap="none" spc="0" dirty="0" smtClean="0">
+                <a:ln w="12700">
+                  <a:solidFill>
+                    <a:schemeClr val="tx2">
+                      <a:satMod val="155000"/>
+                    </a:schemeClr>
+                  </a:solidFill>
+                  <a:prstDash val="solid"/>
+                </a:ln>
+                <a:solidFill>
+                  <a:schemeClr val="bg2">
+                    <a:tint val="85000"/>
+                    <a:satMod val="155000"/>
+                  </a:schemeClr>
+                </a:solidFill>
+                <a:effectLst>
+                  <a:outerShdw blurRad="41275" dist="20320" dir="1800000" algn="tl" rotWithShape="0">
+                    <a:srgbClr val="000000">
+                      <a:alpha val="40000"/>
+                    </a:srgbClr>
+                  </a:outerShdw>
+                </a:effectLst>
+              </a:rPr>
+              <a:t>Pig</a:t>
+            </a:r>
+          </a:p>
+        </p:txBody>
+      </p:sp>
+      <p:sp>
+        <p:nvSpPr>
+          <p:cNvPr id="12" name="Rectangle 11"/>
+          <p:cNvSpPr/>
+          <p:nvPr/>
+        </p:nvSpPr>
+        <p:spPr>
+          <a:xfrm>
+            <a:off x="4940456" y="3816350"/>
+            <a:ext cx="2158689" cy="923330"/>
+          </a:xfrm>
+          <a:prstGeom prst="rect">
+            <a:avLst/>
+          </a:prstGeom>
+          <a:solidFill>
+            <a:srgbClr val="000000"/>
+          </a:solidFill>
+          <a:ln>
+            <a:noFill/>
+          </a:ln>
+        </p:spPr>
+        <p:txBody>
+          <a:bodyPr wrap="none" lIns="91440" tIns="45720" rIns="91440" bIns="45720">
+            <a:spAutoFit/>
+          </a:bodyPr>
+          <a:lstStyle/>
+          <a:p>
+            <a:pPr algn="ctr"/>
+            <a:r>
+              <a:rPr lang="en-US" sz="5400" b="1" cap="none" spc="0" dirty="0" smtClean="0">
+                <a:ln w="12700">
+                  <a:solidFill>
+                    <a:schemeClr val="tx2">
+                      <a:satMod val="155000"/>
+                    </a:schemeClr>
+                  </a:solidFill>
+                  <a:prstDash val="solid"/>
+                </a:ln>
+                <a:solidFill>
+                  <a:schemeClr val="bg2">
+                    <a:tint val="85000"/>
+                    <a:satMod val="155000"/>
+                  </a:schemeClr>
+                </a:solidFill>
+                <a:effectLst>
+                  <a:outerShdw blurRad="41275" dist="20320" dir="1800000" algn="tl" rotWithShape="0">
+                    <a:srgbClr val="000000">
+                      <a:alpha val="40000"/>
+                    </a:srgbClr>
+                  </a:outerShdw>
+                </a:effectLst>
+              </a:rPr>
+              <a:t>Mouse</a:t>
+            </a:r>
+          </a:p>
+        </p:txBody>
+      </p:sp>
+      <p:sp>
+        <p:nvSpPr>
+          <p:cNvPr id="13" name="Rectangle 12"/>
+          <p:cNvSpPr/>
+          <p:nvPr/>
+        </p:nvSpPr>
+        <p:spPr>
+          <a:xfrm>
+            <a:off x="2226589" y="3879381"/>
+            <a:ext cx="1864851" cy="923330"/>
+          </a:xfrm>
+          <a:prstGeom prst="rect">
+            <a:avLst/>
+          </a:prstGeom>
+          <a:solidFill>
+            <a:srgbClr val="000000"/>
+          </a:solidFill>
+          <a:ln>
+            <a:noFill/>
+          </a:ln>
+        </p:spPr>
+        <p:txBody>
+          <a:bodyPr wrap="none" lIns="91440" tIns="45720" rIns="91440" bIns="45720">
+            <a:spAutoFit/>
+          </a:bodyPr>
+          <a:lstStyle/>
+          <a:p>
+            <a:pPr algn="ctr"/>
+            <a:r>
+              <a:rPr lang="en-US" sz="5400" b="1" cap="none" spc="0" dirty="0" smtClean="0">
+                <a:ln w="12700">
+                  <a:solidFill>
+                    <a:schemeClr val="tx2">
+                      <a:satMod val="155000"/>
+                    </a:schemeClr>
+                  </a:solidFill>
+                  <a:prstDash val="solid"/>
+                </a:ln>
+                <a:solidFill>
+                  <a:schemeClr val="bg2">
+                    <a:tint val="85000"/>
+                    <a:satMod val="155000"/>
+                  </a:schemeClr>
+                </a:solidFill>
+                <a:effectLst>
+                  <a:outerShdw blurRad="41275" dist="20320" dir="1800000" algn="tl" rotWithShape="0">
+                    <a:srgbClr val="000000">
+                      <a:alpha val="40000"/>
+                    </a:srgbClr>
+                  </a:outerShdw>
+                </a:effectLst>
+              </a:rPr>
+              <a:t>Horse</a:t>
+            </a:r>
+          </a:p>
+        </p:txBody>
+      </p:sp>
+    </p:spTree>
+    <p:extLst>
+      <p:ext uri="{BB962C8B-B14F-4D97-AF65-F5344CB8AC3E}">
+        <p14:creationId xmlns:p14="http://schemas.microsoft.com/office/powerpoint/2010/main" val="2870806115"/>
       </p:ext>
     </p:extLst>
   </p:cSld>
@@ -4037,4 +5358,644 @@
   </a:objectDefaults>
   <a:extraClrSchemeLst/>
 </a:theme>
+</file>
+
+<file path=ppt/theme/theme2.xml><?xml version="1.0" encoding="utf-8"?>
+<a:theme xmlns:a="http://schemas.openxmlformats.org/drawingml/2006/main" name="Office Theme">
+  <a:themeElements>
+    <a:clrScheme name="Office">
+      <a:dk1>
+        <a:sysClr val="windowText" lastClr="000000"/>
+      </a:dk1>
+      <a:lt1>
+        <a:sysClr val="window" lastClr="FFFFFF"/>
+      </a:lt1>
+      <a:dk2>
+        <a:srgbClr val="1F497D"/>
+      </a:dk2>
+      <a:lt2>
+        <a:srgbClr val="EEECE1"/>
+      </a:lt2>
+      <a:accent1>
+        <a:srgbClr val="4F81BD"/>
+      </a:accent1>
+      <a:accent2>
+        <a:srgbClr val="C0504D"/>
+      </a:accent2>
+      <a:accent3>
+        <a:srgbClr val="9BBB59"/>
+      </a:accent3>
+      <a:accent4>
+        <a:srgbClr val="8064A2"/>
+      </a:accent4>
+      <a:accent5>
+        <a:srgbClr val="4BACC6"/>
+      </a:accent5>
+      <a:accent6>
+        <a:srgbClr val="F79646"/>
+      </a:accent6>
+      <a:hlink>
+        <a:srgbClr val="0000FF"/>
+      </a:hlink>
+      <a:folHlink>
+        <a:srgbClr val="800080"/>
+      </a:folHlink>
+    </a:clrScheme>
+    <a:fontScheme name="Office">
+      <a:majorFont>
+        <a:latin typeface="Calibri"/>
+        <a:ea typeface=""/>
+        <a:cs typeface=""/>
+        <a:font script="Jpan" typeface="ＭＳ Ｐゴシック"/>
+        <a:font script="Hang" typeface="맑은 고딕"/>
+        <a:font script="Hans" typeface="宋体"/>
+        <a:font script="Hant" typeface="新細明體"/>
+        <a:font script="Arab" typeface="Times New Roman"/>
+        <a:font script="Hebr" typeface="Times New Roman"/>
+        <a:font script="Thai" typeface="Angsana New"/>
+        <a:font script="Ethi" typeface="Nyala"/>
+        <a:font script="Beng" typeface="Vrinda"/>
+        <a:font script="Gujr" typeface="Shruti"/>
+        <a:font script="Khmr" typeface="MoolBoran"/>
+        <a:font script="Knda" typeface="Tunga"/>
+        <a:font script="Guru" typeface="Raavi"/>
+        <a:font script="Cans" typeface="Euphemia"/>
+        <a:font script="Cher" typeface="Plantagenet Cherokee"/>
+        <a:font script="Yiii" typeface="Microsoft Yi Baiti"/>
+        <a:font script="Tibt" typeface="Microsoft Himalaya"/>
+        <a:font script="Thaa" typeface="MV Boli"/>
+        <a:font script="Deva" typeface="Mangal"/>
+        <a:font script="Telu" typeface="Gautami"/>
+        <a:font script="Taml" typeface="Latha"/>
+        <a:font script="Syrc" typeface="Estrangelo Edessa"/>
+        <a:font script="Orya" typeface="Kalinga"/>
+        <a:font script="Mlym" typeface="Kartika"/>
+        <a:font script="Laoo" typeface="DokChampa"/>
+        <a:font script="Sinh" typeface="Iskoola Pota"/>
+        <a:font script="Mong" typeface="Mongolian Baiti"/>
+        <a:font script="Viet" typeface="Times New Roman"/>
+        <a:font script="Uigh" typeface="Microsoft Uighur"/>
+        <a:font script="Geor" typeface="Sylfaen"/>
+      </a:majorFont>
+      <a:minorFont>
+        <a:latin typeface="Calibri"/>
+        <a:ea typeface=""/>
+        <a:cs typeface=""/>
+        <a:font script="Jpan" typeface="ＭＳ Ｐゴシック"/>
+        <a:font script="Hang" typeface="맑은 고딕"/>
+        <a:font script="Hans" typeface="宋体"/>
+        <a:font script="Hant" typeface="新細明體"/>
+        <a:font script="Arab" typeface="Arial"/>
+        <a:font script="Hebr" typeface="Arial"/>
+        <a:font script="Thai" typeface="Cordia New"/>
+        <a:font script="Ethi" typeface="Nyala"/>
+        <a:font script="Beng" typeface="Vrinda"/>
+        <a:font script="Gujr" typeface="Shruti"/>
+        <a:font script="Khmr" typeface="DaunPenh"/>
+        <a:font script="Knda" typeface="Tunga"/>
+        <a:font script="Guru" typeface="Raavi"/>
+        <a:font script="Cans" typeface="Euphemia"/>
+        <a:font script="Cher" typeface="Plantagenet Cherokee"/>
+        <a:font script="Yiii" typeface="Microsoft Yi Baiti"/>
+        <a:font script="Tibt" typeface="Microsoft Himalaya"/>
+        <a:font script="Thaa" typeface="MV Boli"/>
+        <a:font script="Deva" typeface="Mangal"/>
+        <a:font script="Telu" typeface="Gautami"/>
+        <a:font script="Taml" typeface="Latha"/>
+        <a:font script="Syrc" typeface="Estrangelo Edessa"/>
+        <a:font script="Orya" typeface="Kalinga"/>
+        <a:font script="Mlym" typeface="Kartika"/>
+        <a:font script="Laoo" typeface="DokChampa"/>
+        <a:font script="Sinh" typeface="Iskoola Pota"/>
+        <a:font script="Mong" typeface="Mongolian Baiti"/>
+        <a:font script="Viet" typeface="Arial"/>
+        <a:font script="Uigh" typeface="Microsoft Uighur"/>
+        <a:font script="Geor" typeface="Sylfaen"/>
+      </a:minorFont>
+    </a:fontScheme>
+    <a:fmtScheme name="Office">
+      <a:fillStyleLst>
+        <a:solidFill>
+          <a:schemeClr val="phClr"/>
+        </a:solidFill>
+        <a:gradFill rotWithShape="1">
+          <a:gsLst>
+            <a:gs pos="0">
+              <a:schemeClr val="phClr">
+                <a:tint val="50000"/>
+                <a:satMod val="300000"/>
+              </a:schemeClr>
+            </a:gs>
+            <a:gs pos="35000">
+              <a:schemeClr val="phClr">
+                <a:tint val="37000"/>
+                <a:satMod val="300000"/>
+              </a:schemeClr>
+            </a:gs>
+            <a:gs pos="100000">
+              <a:schemeClr val="phClr">
+                <a:tint val="15000"/>
+                <a:satMod val="350000"/>
+              </a:schemeClr>
+            </a:gs>
+          </a:gsLst>
+          <a:lin ang="16200000" scaled="1"/>
+        </a:gradFill>
+        <a:gradFill rotWithShape="1">
+          <a:gsLst>
+            <a:gs pos="0">
+              <a:schemeClr val="phClr">
+                <a:tint val="100000"/>
+                <a:shade val="100000"/>
+                <a:satMod val="130000"/>
+              </a:schemeClr>
+            </a:gs>
+            <a:gs pos="100000">
+              <a:schemeClr val="phClr">
+                <a:tint val="50000"/>
+                <a:shade val="100000"/>
+                <a:satMod val="350000"/>
+              </a:schemeClr>
+            </a:gs>
+          </a:gsLst>
+          <a:lin ang="16200000" scaled="0"/>
+        </a:gradFill>
+      </a:fillStyleLst>
+      <a:lnStyleLst>
+        <a:ln w="9525" cap="flat" cmpd="sng" algn="ctr">
+          <a:solidFill>
+            <a:schemeClr val="phClr">
+              <a:shade val="95000"/>
+              <a:satMod val="105000"/>
+            </a:schemeClr>
+          </a:solidFill>
+          <a:prstDash val="solid"/>
+        </a:ln>
+        <a:ln w="25400" cap="flat" cmpd="sng" algn="ctr">
+          <a:solidFill>
+            <a:schemeClr val="phClr"/>
+          </a:solidFill>
+          <a:prstDash val="solid"/>
+        </a:ln>
+        <a:ln w="38100" cap="flat" cmpd="sng" algn="ctr">
+          <a:solidFill>
+            <a:schemeClr val="phClr"/>
+          </a:solidFill>
+          <a:prstDash val="solid"/>
+        </a:ln>
+      </a:lnStyleLst>
+      <a:effectStyleLst>
+        <a:effectStyle>
+          <a:effectLst>
+            <a:outerShdw blurRad="40000" dist="20000" dir="5400000" rotWithShape="0">
+              <a:srgbClr val="000000">
+                <a:alpha val="38000"/>
+              </a:srgbClr>
+            </a:outerShdw>
+          </a:effectLst>
+        </a:effectStyle>
+        <a:effectStyle>
+          <a:effectLst>
+            <a:outerShdw blurRad="40000" dist="23000" dir="5400000" rotWithShape="0">
+              <a:srgbClr val="000000">
+                <a:alpha val="35000"/>
+              </a:srgbClr>
+            </a:outerShdw>
+          </a:effectLst>
+        </a:effectStyle>
+        <a:effectStyle>
+          <a:effectLst>
+            <a:outerShdw blurRad="40000" dist="23000" dir="5400000" rotWithShape="0">
+              <a:srgbClr val="000000">
+                <a:alpha val="35000"/>
+              </a:srgbClr>
+            </a:outerShdw>
+          </a:effectLst>
+          <a:scene3d>
+            <a:camera prst="orthographicFront">
+              <a:rot lat="0" lon="0" rev="0"/>
+            </a:camera>
+            <a:lightRig rig="threePt" dir="t">
+              <a:rot lat="0" lon="0" rev="1200000"/>
+            </a:lightRig>
+          </a:scene3d>
+          <a:sp3d>
+            <a:bevelT w="63500" h="25400"/>
+          </a:sp3d>
+        </a:effectStyle>
+      </a:effectStyleLst>
+      <a:bgFillStyleLst>
+        <a:solidFill>
+          <a:schemeClr val="phClr"/>
+        </a:solidFill>
+        <a:gradFill rotWithShape="1">
+          <a:gsLst>
+            <a:gs pos="0">
+              <a:schemeClr val="phClr">
+                <a:tint val="40000"/>
+                <a:satMod val="350000"/>
+              </a:schemeClr>
+            </a:gs>
+            <a:gs pos="40000">
+              <a:schemeClr val="phClr">
+                <a:tint val="45000"/>
+                <a:shade val="99000"/>
+                <a:satMod val="350000"/>
+              </a:schemeClr>
+            </a:gs>
+            <a:gs pos="100000">
+              <a:schemeClr val="phClr">
+                <a:shade val="20000"/>
+                <a:satMod val="255000"/>
+              </a:schemeClr>
+            </a:gs>
+          </a:gsLst>
+          <a:path path="circle">
+            <a:fillToRect l="50000" t="-80000" r="50000" b="180000"/>
+          </a:path>
+        </a:gradFill>
+        <a:gradFill rotWithShape="1">
+          <a:gsLst>
+            <a:gs pos="0">
+              <a:schemeClr val="phClr">
+                <a:tint val="80000"/>
+                <a:satMod val="300000"/>
+              </a:schemeClr>
+            </a:gs>
+            <a:gs pos="100000">
+              <a:schemeClr val="phClr">
+                <a:shade val="30000"/>
+                <a:satMod val="200000"/>
+              </a:schemeClr>
+            </a:gs>
+          </a:gsLst>
+          <a:path path="circle">
+            <a:fillToRect l="50000" t="50000" r="50000" b="50000"/>
+          </a:path>
+        </a:gradFill>
+      </a:bgFillStyleLst>
+    </a:fmtScheme>
+  </a:themeElements>
+  <a:objectDefaults>
+    <a:spDef>
+      <a:spPr/>
+      <a:bodyPr/>
+      <a:lstStyle/>
+      <a:style>
+        <a:lnRef idx="1">
+          <a:schemeClr val="accent1"/>
+        </a:lnRef>
+        <a:fillRef idx="3">
+          <a:schemeClr val="accent1"/>
+        </a:fillRef>
+        <a:effectRef idx="2">
+          <a:schemeClr val="accent1"/>
+        </a:effectRef>
+        <a:fontRef idx="minor">
+          <a:schemeClr val="lt1"/>
+        </a:fontRef>
+      </a:style>
+    </a:spDef>
+    <a:lnDef>
+      <a:spPr/>
+      <a:bodyPr/>
+      <a:lstStyle/>
+      <a:style>
+        <a:lnRef idx="2">
+          <a:schemeClr val="accent1"/>
+        </a:lnRef>
+        <a:fillRef idx="0">
+          <a:schemeClr val="accent1"/>
+        </a:fillRef>
+        <a:effectRef idx="1">
+          <a:schemeClr val="accent1"/>
+        </a:effectRef>
+        <a:fontRef idx="minor">
+          <a:schemeClr val="tx1"/>
+        </a:fontRef>
+      </a:style>
+    </a:lnDef>
+  </a:objectDefaults>
+  <a:extraClrSchemeLst/>
+</a:theme>
+</file>
+
+<file path=ppt/theme/theme3.xml><?xml version="1.0" encoding="utf-8"?>
+<a:theme xmlns:a="http://schemas.openxmlformats.org/drawingml/2006/main" name="Office Theme">
+  <a:themeElements>
+    <a:clrScheme name="Office">
+      <a:dk1>
+        <a:sysClr val="windowText" lastClr="000000"/>
+      </a:dk1>
+      <a:lt1>
+        <a:sysClr val="window" lastClr="FFFFFF"/>
+      </a:lt1>
+      <a:dk2>
+        <a:srgbClr val="1F497D"/>
+      </a:dk2>
+      <a:lt2>
+        <a:srgbClr val="EEECE1"/>
+      </a:lt2>
+      <a:accent1>
+        <a:srgbClr val="4F81BD"/>
+      </a:accent1>
+      <a:accent2>
+        <a:srgbClr val="C0504D"/>
+      </a:accent2>
+      <a:accent3>
+        <a:srgbClr val="9BBB59"/>
+      </a:accent3>
+      <a:accent4>
+        <a:srgbClr val="8064A2"/>
+      </a:accent4>
+      <a:accent5>
+        <a:srgbClr val="4BACC6"/>
+      </a:accent5>
+      <a:accent6>
+        <a:srgbClr val="F79646"/>
+      </a:accent6>
+      <a:hlink>
+        <a:srgbClr val="0000FF"/>
+      </a:hlink>
+      <a:folHlink>
+        <a:srgbClr val="800080"/>
+      </a:folHlink>
+    </a:clrScheme>
+    <a:fontScheme name="Office">
+      <a:majorFont>
+        <a:latin typeface="Calibri"/>
+        <a:ea typeface=""/>
+        <a:cs typeface=""/>
+        <a:font script="Jpan" typeface="ＭＳ Ｐゴシック"/>
+        <a:font script="Hang" typeface="맑은 고딕"/>
+        <a:font script="Hans" typeface="宋体"/>
+        <a:font script="Hant" typeface="新細明體"/>
+        <a:font script="Arab" typeface="Times New Roman"/>
+        <a:font script="Hebr" typeface="Times New Roman"/>
+        <a:font script="Thai" typeface="Angsana New"/>
+        <a:font script="Ethi" typeface="Nyala"/>
+        <a:font script="Beng" typeface="Vrinda"/>
+        <a:font script="Gujr" typeface="Shruti"/>
+        <a:font script="Khmr" typeface="MoolBoran"/>
+        <a:font script="Knda" typeface="Tunga"/>
+        <a:font script="Guru" typeface="Raavi"/>
+        <a:font script="Cans" typeface="Euphemia"/>
+        <a:font script="Cher" typeface="Plantagenet Cherokee"/>
+        <a:font script="Yiii" typeface="Microsoft Yi Baiti"/>
+        <a:font script="Tibt" typeface="Microsoft Himalaya"/>
+        <a:font script="Thaa" typeface="MV Boli"/>
+        <a:font script="Deva" typeface="Mangal"/>
+        <a:font script="Telu" typeface="Gautami"/>
+        <a:font script="Taml" typeface="Latha"/>
+        <a:font script="Syrc" typeface="Estrangelo Edessa"/>
+        <a:font script="Orya" typeface="Kalinga"/>
+        <a:font script="Mlym" typeface="Kartika"/>
+        <a:font script="Laoo" typeface="DokChampa"/>
+        <a:font script="Sinh" typeface="Iskoola Pota"/>
+        <a:font script="Mong" typeface="Mongolian Baiti"/>
+        <a:font script="Viet" typeface="Times New Roman"/>
+        <a:font script="Uigh" typeface="Microsoft Uighur"/>
+        <a:font script="Geor" typeface="Sylfaen"/>
+      </a:majorFont>
+      <a:minorFont>
+        <a:latin typeface="Calibri"/>
+        <a:ea typeface=""/>
+        <a:cs typeface=""/>
+        <a:font script="Jpan" typeface="ＭＳ Ｐゴシック"/>
+        <a:font script="Hang" typeface="맑은 고딕"/>
+        <a:font script="Hans" typeface="宋体"/>
+        <a:font script="Hant" typeface="新細明體"/>
+        <a:font script="Arab" typeface="Arial"/>
+        <a:font script="Hebr" typeface="Arial"/>
+        <a:font script="Thai" typeface="Cordia New"/>
+        <a:font script="Ethi" typeface="Nyala"/>
+        <a:font script="Beng" typeface="Vrinda"/>
+        <a:font script="Gujr" typeface="Shruti"/>
+        <a:font script="Khmr" typeface="DaunPenh"/>
+        <a:font script="Knda" typeface="Tunga"/>
+        <a:font script="Guru" typeface="Raavi"/>
+        <a:font script="Cans" typeface="Euphemia"/>
+        <a:font script="Cher" typeface="Plantagenet Cherokee"/>
+        <a:font script="Yiii" typeface="Microsoft Yi Baiti"/>
+        <a:font script="Tibt" typeface="Microsoft Himalaya"/>
+        <a:font script="Thaa" typeface="MV Boli"/>
+        <a:font script="Deva" typeface="Mangal"/>
+        <a:font script="Telu" typeface="Gautami"/>
+        <a:font script="Taml" typeface="Latha"/>
+        <a:font script="Syrc" typeface="Estrangelo Edessa"/>
+        <a:font script="Orya" typeface="Kalinga"/>
+        <a:font script="Mlym" typeface="Kartika"/>
+        <a:font script="Laoo" typeface="DokChampa"/>
+        <a:font script="Sinh" typeface="Iskoola Pota"/>
+        <a:font script="Mong" typeface="Mongolian Baiti"/>
+        <a:font script="Viet" typeface="Arial"/>
+        <a:font script="Uigh" typeface="Microsoft Uighur"/>
+        <a:font script="Geor" typeface="Sylfaen"/>
+      </a:minorFont>
+    </a:fontScheme>
+    <a:fmtScheme name="Office">
+      <a:fillStyleLst>
+        <a:solidFill>
+          <a:schemeClr val="phClr"/>
+        </a:solidFill>
+        <a:gradFill rotWithShape="1">
+          <a:gsLst>
+            <a:gs pos="0">
+              <a:schemeClr val="phClr">
+                <a:tint val="50000"/>
+                <a:satMod val="300000"/>
+              </a:schemeClr>
+            </a:gs>
+            <a:gs pos="35000">
+              <a:schemeClr val="phClr">
+                <a:tint val="37000"/>
+                <a:satMod val="300000"/>
+              </a:schemeClr>
+            </a:gs>
+            <a:gs pos="100000">
+              <a:schemeClr val="phClr">
+                <a:tint val="15000"/>
+                <a:satMod val="350000"/>
+              </a:schemeClr>
+            </a:gs>
+          </a:gsLst>
+          <a:lin ang="16200000" scaled="1"/>
+        </a:gradFill>
+        <a:gradFill rotWithShape="1">
+          <a:gsLst>
+            <a:gs pos="0">
+              <a:schemeClr val="phClr">
+                <a:tint val="100000"/>
+                <a:shade val="100000"/>
+                <a:satMod val="130000"/>
+              </a:schemeClr>
+            </a:gs>
+            <a:gs pos="100000">
+              <a:schemeClr val="phClr">
+                <a:tint val="50000"/>
+                <a:shade val="100000"/>
+                <a:satMod val="350000"/>
+              </a:schemeClr>
+            </a:gs>
+          </a:gsLst>
+          <a:lin ang="16200000" scaled="0"/>
+        </a:gradFill>
+      </a:fillStyleLst>
+      <a:lnStyleLst>
+        <a:ln w="9525" cap="flat" cmpd="sng" algn="ctr">
+          <a:solidFill>
+            <a:schemeClr val="phClr">
+              <a:shade val="95000"/>
+              <a:satMod val="105000"/>
+            </a:schemeClr>
+          </a:solidFill>
+          <a:prstDash val="solid"/>
+        </a:ln>
+        <a:ln w="25400" cap="flat" cmpd="sng" algn="ctr">
+          <a:solidFill>
+            <a:schemeClr val="phClr"/>
+          </a:solidFill>
+          <a:prstDash val="solid"/>
+        </a:ln>
+        <a:ln w="38100" cap="flat" cmpd="sng" algn="ctr">
+          <a:solidFill>
+            <a:schemeClr val="phClr"/>
+          </a:solidFill>
+          <a:prstDash val="solid"/>
+        </a:ln>
+      </a:lnStyleLst>
+      <a:effectStyleLst>
+        <a:effectStyle>
+          <a:effectLst>
+            <a:outerShdw blurRad="40000" dist="20000" dir="5400000" rotWithShape="0">
+              <a:srgbClr val="000000">
+                <a:alpha val="38000"/>
+              </a:srgbClr>
+            </a:outerShdw>
+          </a:effectLst>
+        </a:effectStyle>
+        <a:effectStyle>
+          <a:effectLst>
+            <a:outerShdw blurRad="40000" dist="23000" dir="5400000" rotWithShape="0">
+              <a:srgbClr val="000000">
+                <a:alpha val="35000"/>
+              </a:srgbClr>
+            </a:outerShdw>
+          </a:effectLst>
+        </a:effectStyle>
+        <a:effectStyle>
+          <a:effectLst>
+            <a:outerShdw blurRad="40000" dist="23000" dir="5400000" rotWithShape="0">
+              <a:srgbClr val="000000">
+                <a:alpha val="35000"/>
+              </a:srgbClr>
+            </a:outerShdw>
+          </a:effectLst>
+          <a:scene3d>
+            <a:camera prst="orthographicFront">
+              <a:rot lat="0" lon="0" rev="0"/>
+            </a:camera>
+            <a:lightRig rig="threePt" dir="t">
+              <a:rot lat="0" lon="0" rev="1200000"/>
+            </a:lightRig>
+          </a:scene3d>
+          <a:sp3d>
+            <a:bevelT w="63500" h="25400"/>
+          </a:sp3d>
+        </a:effectStyle>
+      </a:effectStyleLst>
+      <a:bgFillStyleLst>
+        <a:solidFill>
+          <a:schemeClr val="phClr"/>
+        </a:solidFill>
+        <a:gradFill rotWithShape="1">
+          <a:gsLst>
+            <a:gs pos="0">
+              <a:schemeClr val="phClr">
+                <a:tint val="40000"/>
+                <a:satMod val="350000"/>
+              </a:schemeClr>
+            </a:gs>
+            <a:gs pos="40000">
+              <a:schemeClr val="phClr">
+                <a:tint val="45000"/>
+                <a:shade val="99000"/>
+                <a:satMod val="350000"/>
+              </a:schemeClr>
+            </a:gs>
+            <a:gs pos="100000">
+              <a:schemeClr val="phClr">
+                <a:shade val="20000"/>
+                <a:satMod val="255000"/>
+              </a:schemeClr>
+            </a:gs>
+          </a:gsLst>
+          <a:path path="circle">
+            <a:fillToRect l="50000" t="-80000" r="50000" b="180000"/>
+          </a:path>
+        </a:gradFill>
+        <a:gradFill rotWithShape="1">
+          <a:gsLst>
+            <a:gs pos="0">
+              <a:schemeClr val="phClr">
+                <a:tint val="80000"/>
+                <a:satMod val="300000"/>
+              </a:schemeClr>
+            </a:gs>
+            <a:gs pos="100000">
+              <a:schemeClr val="phClr">
+                <a:shade val="30000"/>
+                <a:satMod val="200000"/>
+              </a:schemeClr>
+            </a:gs>
+          </a:gsLst>
+          <a:path path="circle">
+            <a:fillToRect l="50000" t="50000" r="50000" b="50000"/>
+          </a:path>
+        </a:gradFill>
+      </a:bgFillStyleLst>
+    </a:fmtScheme>
+  </a:themeElements>
+  <a:objectDefaults>
+    <a:spDef>
+      <a:spPr/>
+      <a:bodyPr/>
+      <a:lstStyle/>
+      <a:style>
+        <a:lnRef idx="1">
+          <a:schemeClr val="accent1"/>
+        </a:lnRef>
+        <a:fillRef idx="3">
+          <a:schemeClr val="accent1"/>
+        </a:fillRef>
+        <a:effectRef idx="2">
+          <a:schemeClr val="accent1"/>
+        </a:effectRef>
+        <a:fontRef idx="minor">
+          <a:schemeClr val="lt1"/>
+        </a:fontRef>
+      </a:style>
+    </a:spDef>
+    <a:lnDef>
+      <a:spPr/>
+      <a:bodyPr/>
+      <a:lstStyle/>
+      <a:style>
+        <a:lnRef idx="2">
+          <a:schemeClr val="accent1"/>
+        </a:lnRef>
+        <a:fillRef idx="0">
+          <a:schemeClr val="accent1"/>
+        </a:fillRef>
+        <a:effectRef idx="1">
+          <a:schemeClr val="accent1"/>
+        </a:effectRef>
+        <a:fontRef idx="minor">
+          <a:schemeClr val="tx1"/>
+        </a:fontRef>
+      </a:style>
+    </a:lnDef>
+  </a:objectDefaults>
+  <a:extraClrSchemeLst/>
+</a:theme>
 </file>
--- a/360.net.pptx
+++ b/360.net.pptx
@@ -4,15 +4,8 @@
   <p:sldMasterIdLst>
     <p:sldMasterId id="2147483648" r:id="rId1"/>
   </p:sldMasterIdLst>
-  <p:notesMasterIdLst>
-    <p:notesMasterId r:id="rId4"/>
-  </p:notesMasterIdLst>
-  <p:handoutMasterIdLst>
-    <p:handoutMasterId r:id="rId5"/>
-  </p:handoutMasterIdLst>
   <p:sldIdLst>
     <p:sldId id="256" r:id="rId2"/>
-    <p:sldId id="257" r:id="rId3"/>
   </p:sldIdLst>
   <p:sldSz cx="9144000" cy="6858000" type="screen4x3"/>
   <p:notesSz cx="6858000" cy="9144000"/>
@@ -114,523 +107,6 @@
 </p:presentation>
 </file>
 
-<file path=ppt/handoutMasters/handoutMaster1.xml><?xml version="1.0" encoding="utf-8"?>
-<p:handoutMaster xmlns:a="http://schemas.openxmlformats.org/drawingml/2006/main" xmlns:r="http://schemas.openxmlformats.org/officeDocument/2006/relationships" xmlns:p="http://schemas.openxmlformats.org/presentationml/2006/main">
-  <p:cSld>
-    <p:bg>
-      <p:bgRef idx="1001">
-        <a:schemeClr val="bg1"/>
-      </p:bgRef>
-    </p:bg>
-    <p:spTree>
-      <p:nvGrpSpPr>
-        <p:cNvPr id="1" name=""/>
-        <p:cNvGrpSpPr/>
-        <p:nvPr/>
-      </p:nvGrpSpPr>
-      <p:grpSpPr>
-        <a:xfrm>
-          <a:off x="0" y="0"/>
-          <a:ext cx="0" cy="0"/>
-          <a:chOff x="0" y="0"/>
-          <a:chExt cx="0" cy="0"/>
-        </a:xfrm>
-      </p:grpSpPr>
-      <p:sp>
-        <p:nvSpPr>
-          <p:cNvPr id="2" name="Header Placeholder 1"/>
-          <p:cNvSpPr>
-            <a:spLocks noGrp="1"/>
-          </p:cNvSpPr>
-          <p:nvPr>
-            <p:ph type="hdr" sz="quarter"/>
-          </p:nvPr>
-        </p:nvSpPr>
-        <p:spPr>
-          <a:xfrm>
-            <a:off x="0" y="0"/>
-            <a:ext cx="2971800" cy="457200"/>
-          </a:xfrm>
-          <a:prstGeom prst="rect">
-            <a:avLst/>
-          </a:prstGeom>
-        </p:spPr>
-        <p:txBody>
-          <a:bodyPr vert="horz" lIns="91440" tIns="45720" rIns="91440" bIns="45720" rtlCol="0"/>
-          <a:lstStyle>
-            <a:lvl1pPr algn="l">
-              <a:defRPr sz="1200"/>
-            </a:lvl1pPr>
-          </a:lstStyle>
-          <a:p>
-            <a:endParaRPr lang="en-US"/>
-          </a:p>
-        </p:txBody>
-      </p:sp>
-      <p:sp>
-        <p:nvSpPr>
-          <p:cNvPr id="3" name="Date Placeholder 2"/>
-          <p:cNvSpPr>
-            <a:spLocks noGrp="1"/>
-          </p:cNvSpPr>
-          <p:nvPr>
-            <p:ph type="dt" sz="quarter" idx="1"/>
-          </p:nvPr>
-        </p:nvSpPr>
-        <p:spPr>
-          <a:xfrm>
-            <a:off x="3884613" y="0"/>
-            <a:ext cx="2971800" cy="457200"/>
-          </a:xfrm>
-          <a:prstGeom prst="rect">
-            <a:avLst/>
-          </a:prstGeom>
-        </p:spPr>
-        <p:txBody>
-          <a:bodyPr vert="horz" lIns="91440" tIns="45720" rIns="91440" bIns="45720" rtlCol="0"/>
-          <a:lstStyle>
-            <a:lvl1pPr algn="r">
-              <a:defRPr sz="1200"/>
-            </a:lvl1pPr>
-          </a:lstStyle>
-          <a:p>
-            <a:fld id="{1D961CDD-C5DB-5D41-8F24-93DAD86F24FE}" type="datetimeFigureOut">
-              <a:rPr lang="en-US" smtClean="0"/>
-              <a:t>6/22/18</a:t>
-            </a:fld>
-            <a:endParaRPr lang="en-US"/>
-          </a:p>
-        </p:txBody>
-      </p:sp>
-      <p:sp>
-        <p:nvSpPr>
-          <p:cNvPr id="4" name="Footer Placeholder 3"/>
-          <p:cNvSpPr>
-            <a:spLocks noGrp="1"/>
-          </p:cNvSpPr>
-          <p:nvPr>
-            <p:ph type="ftr" sz="quarter" idx="2"/>
-          </p:nvPr>
-        </p:nvSpPr>
-        <p:spPr>
-          <a:xfrm>
-            <a:off x="0" y="8685213"/>
-            <a:ext cx="2971800" cy="457200"/>
-          </a:xfrm>
-          <a:prstGeom prst="rect">
-            <a:avLst/>
-          </a:prstGeom>
-        </p:spPr>
-        <p:txBody>
-          <a:bodyPr vert="horz" lIns="91440" tIns="45720" rIns="91440" bIns="45720" rtlCol="0" anchor="b"/>
-          <a:lstStyle>
-            <a:lvl1pPr algn="l">
-              <a:defRPr sz="1200"/>
-            </a:lvl1pPr>
-          </a:lstStyle>
-          <a:p>
-            <a:endParaRPr lang="en-US"/>
-          </a:p>
-        </p:txBody>
-      </p:sp>
-      <p:sp>
-        <p:nvSpPr>
-          <p:cNvPr id="5" name="Slide Number Placeholder 4"/>
-          <p:cNvSpPr>
-            <a:spLocks noGrp="1"/>
-          </p:cNvSpPr>
-          <p:nvPr>
-            <p:ph type="sldNum" sz="quarter" idx="3"/>
-          </p:nvPr>
-        </p:nvSpPr>
-        <p:spPr>
-          <a:xfrm>
-            <a:off x="3884613" y="8685213"/>
-            <a:ext cx="2971800" cy="457200"/>
-          </a:xfrm>
-          <a:prstGeom prst="rect">
-            <a:avLst/>
-          </a:prstGeom>
-        </p:spPr>
-        <p:txBody>
-          <a:bodyPr vert="horz" lIns="91440" tIns="45720" rIns="91440" bIns="45720" rtlCol="0" anchor="b"/>
-          <a:lstStyle>
-            <a:lvl1pPr algn="r">
-              <a:defRPr sz="1200"/>
-            </a:lvl1pPr>
-          </a:lstStyle>
-          <a:p>
-            <a:fld id="{0C25F09B-AF6A-2344-8B3F-B38E13A6C326}" type="slidenum">
-              <a:rPr lang="en-US" smtClean="0"/>
-              <a:t>‹#›</a:t>
-            </a:fld>
-            <a:endParaRPr lang="en-US"/>
-          </a:p>
-        </p:txBody>
-      </p:sp>
-    </p:spTree>
-    <p:extLst>
-      <p:ext uri="{BB962C8B-B14F-4D97-AF65-F5344CB8AC3E}">
-        <p14:creationId xmlns:p14="http://schemas.microsoft.com/office/powerpoint/2010/main" val="812206268"/>
-      </p:ext>
-    </p:extLst>
-  </p:cSld>
-  <p:clrMap bg1="lt1" tx1="dk1" bg2="lt2" tx2="dk2" accent1="accent1" accent2="accent2" accent3="accent3" accent4="accent4" accent5="accent5" accent6="accent6" hlink="hlink" folHlink="folHlink"/>
-  <p:hf hdr="0" ftr="0" dt="0"/>
-</p:handoutMaster>
-</file>
-
-<file path=ppt/notesMasters/notesMaster1.xml><?xml version="1.0" encoding="utf-8"?>
-<p:notesMaster xmlns:a="http://schemas.openxmlformats.org/drawingml/2006/main" xmlns:r="http://schemas.openxmlformats.org/officeDocument/2006/relationships" xmlns:p="http://schemas.openxmlformats.org/presentationml/2006/main">
-  <p:cSld>
-    <p:bg>
-      <p:bgRef idx="1001">
-        <a:schemeClr val="bg1"/>
-      </p:bgRef>
-    </p:bg>
-    <p:spTree>
-      <p:nvGrpSpPr>
-        <p:cNvPr id="1" name=""/>
-        <p:cNvGrpSpPr/>
-        <p:nvPr/>
-      </p:nvGrpSpPr>
-      <p:grpSpPr>
-        <a:xfrm>
-          <a:off x="0" y="0"/>
-          <a:ext cx="0" cy="0"/>
-          <a:chOff x="0" y="0"/>
-          <a:chExt cx="0" cy="0"/>
-        </a:xfrm>
-      </p:grpSpPr>
-      <p:sp>
-        <p:nvSpPr>
-          <p:cNvPr id="2" name="Header Placeholder 1"/>
-          <p:cNvSpPr>
-            <a:spLocks noGrp="1"/>
-          </p:cNvSpPr>
-          <p:nvPr>
-            <p:ph type="hdr" sz="quarter"/>
-          </p:nvPr>
-        </p:nvSpPr>
-        <p:spPr>
-          <a:xfrm>
-            <a:off x="0" y="0"/>
-            <a:ext cx="2971800" cy="457200"/>
-          </a:xfrm>
-          <a:prstGeom prst="rect">
-            <a:avLst/>
-          </a:prstGeom>
-        </p:spPr>
-        <p:txBody>
-          <a:bodyPr vert="horz" lIns="91440" tIns="45720" rIns="91440" bIns="45720" rtlCol="0"/>
-          <a:lstStyle>
-            <a:lvl1pPr algn="l">
-              <a:defRPr sz="1200"/>
-            </a:lvl1pPr>
-          </a:lstStyle>
-          <a:p>
-            <a:endParaRPr lang="en-US"/>
-          </a:p>
-        </p:txBody>
-      </p:sp>
-      <p:sp>
-        <p:nvSpPr>
-          <p:cNvPr id="3" name="Date Placeholder 2"/>
-          <p:cNvSpPr>
-            <a:spLocks noGrp="1"/>
-          </p:cNvSpPr>
-          <p:nvPr>
-            <p:ph type="dt" idx="1"/>
-          </p:nvPr>
-        </p:nvSpPr>
-        <p:spPr>
-          <a:xfrm>
-            <a:off x="3884613" y="0"/>
-            <a:ext cx="2971800" cy="457200"/>
-          </a:xfrm>
-          <a:prstGeom prst="rect">
-            <a:avLst/>
-          </a:prstGeom>
-        </p:spPr>
-        <p:txBody>
-          <a:bodyPr vert="horz" lIns="91440" tIns="45720" rIns="91440" bIns="45720" rtlCol="0"/>
-          <a:lstStyle>
-            <a:lvl1pPr algn="r">
-              <a:defRPr sz="1200"/>
-            </a:lvl1pPr>
-          </a:lstStyle>
-          <a:p>
-            <a:fld id="{DCD7B8C8-E197-974B-89FC-49B0BEA45A2A}" type="datetimeFigureOut">
-              <a:rPr lang="en-US" smtClean="0"/>
-              <a:t>6/22/18</a:t>
-            </a:fld>
-            <a:endParaRPr lang="en-US"/>
-          </a:p>
-        </p:txBody>
-      </p:sp>
-      <p:sp>
-        <p:nvSpPr>
-          <p:cNvPr id="4" name="Slide Image Placeholder 3"/>
-          <p:cNvSpPr>
-            <a:spLocks noGrp="1" noRot="1" noChangeAspect="1"/>
-          </p:cNvSpPr>
-          <p:nvPr>
-            <p:ph type="sldImg" idx="2"/>
-          </p:nvPr>
-        </p:nvSpPr>
-        <p:spPr>
-          <a:xfrm>
-            <a:off x="1143000" y="685800"/>
-            <a:ext cx="4572000" cy="3429000"/>
-          </a:xfrm>
-          <a:prstGeom prst="rect">
-            <a:avLst/>
-          </a:prstGeom>
-          <a:noFill/>
-          <a:ln w="12700">
-            <a:solidFill>
-              <a:prstClr val="black"/>
-            </a:solidFill>
-          </a:ln>
-        </p:spPr>
-        <p:txBody>
-          <a:bodyPr vert="horz" lIns="91440" tIns="45720" rIns="91440" bIns="45720" rtlCol="0" anchor="ctr"/>
-          <a:lstStyle/>
-          <a:p>
-            <a:endParaRPr lang="en-US"/>
-          </a:p>
-        </p:txBody>
-      </p:sp>
-      <p:sp>
-        <p:nvSpPr>
-          <p:cNvPr id="5" name="Notes Placeholder 4"/>
-          <p:cNvSpPr>
-            <a:spLocks noGrp="1"/>
-          </p:cNvSpPr>
-          <p:nvPr>
-            <p:ph type="body" sz="quarter" idx="3"/>
-          </p:nvPr>
-        </p:nvSpPr>
-        <p:spPr>
-          <a:xfrm>
-            <a:off x="685800" y="4343400"/>
-            <a:ext cx="5486400" cy="4114800"/>
-          </a:xfrm>
-          <a:prstGeom prst="rect">
-            <a:avLst/>
-          </a:prstGeom>
-        </p:spPr>
-        <p:txBody>
-          <a:bodyPr vert="horz" lIns="91440" tIns="45720" rIns="91440" bIns="45720" rtlCol="0"/>
-          <a:lstStyle/>
-          <a:p>
-            <a:pPr lvl="0"/>
-            <a:r>
-              <a:rPr lang="en-US" smtClean="0"/>
-              <a:t>Click to edit Master text styles</a:t>
-            </a:r>
-          </a:p>
-          <a:p>
-            <a:pPr lvl="1"/>
-            <a:r>
-              <a:rPr lang="en-US" smtClean="0"/>
-              <a:t>Second level</a:t>
-            </a:r>
-          </a:p>
-          <a:p>
-            <a:pPr lvl="2"/>
-            <a:r>
-              <a:rPr lang="en-US" smtClean="0"/>
-              <a:t>Third level</a:t>
-            </a:r>
-          </a:p>
-          <a:p>
-            <a:pPr lvl="3"/>
-            <a:r>
-              <a:rPr lang="en-US" smtClean="0"/>
-              <a:t>Fourth level</a:t>
-            </a:r>
-          </a:p>
-          <a:p>
-            <a:pPr lvl="4"/>
-            <a:r>
-              <a:rPr lang="en-US" smtClean="0"/>
-              <a:t>Fifth level</a:t>
-            </a:r>
-            <a:endParaRPr lang="en-US"/>
-          </a:p>
-        </p:txBody>
-      </p:sp>
-      <p:sp>
-        <p:nvSpPr>
-          <p:cNvPr id="6" name="Footer Placeholder 5"/>
-          <p:cNvSpPr>
-            <a:spLocks noGrp="1"/>
-          </p:cNvSpPr>
-          <p:nvPr>
-            <p:ph type="ftr" sz="quarter" idx="4"/>
-          </p:nvPr>
-        </p:nvSpPr>
-        <p:spPr>
-          <a:xfrm>
-            <a:off x="0" y="8685213"/>
-            <a:ext cx="2971800" cy="457200"/>
-          </a:xfrm>
-          <a:prstGeom prst="rect">
-            <a:avLst/>
-          </a:prstGeom>
-        </p:spPr>
-        <p:txBody>
-          <a:bodyPr vert="horz" lIns="91440" tIns="45720" rIns="91440" bIns="45720" rtlCol="0" anchor="b"/>
-          <a:lstStyle>
-            <a:lvl1pPr algn="l">
-              <a:defRPr sz="1200"/>
-            </a:lvl1pPr>
-          </a:lstStyle>
-          <a:p>
-            <a:endParaRPr lang="en-US"/>
-          </a:p>
-        </p:txBody>
-      </p:sp>
-      <p:sp>
-        <p:nvSpPr>
-          <p:cNvPr id="7" name="Slide Number Placeholder 6"/>
-          <p:cNvSpPr>
-            <a:spLocks noGrp="1"/>
-          </p:cNvSpPr>
-          <p:nvPr>
-            <p:ph type="sldNum" sz="quarter" idx="5"/>
-          </p:nvPr>
-        </p:nvSpPr>
-        <p:spPr>
-          <a:xfrm>
-            <a:off x="3884613" y="8685213"/>
-            <a:ext cx="2971800" cy="457200"/>
-          </a:xfrm>
-          <a:prstGeom prst="rect">
-            <a:avLst/>
-          </a:prstGeom>
-        </p:spPr>
-        <p:txBody>
-          <a:bodyPr vert="horz" lIns="91440" tIns="45720" rIns="91440" bIns="45720" rtlCol="0" anchor="b"/>
-          <a:lstStyle>
-            <a:lvl1pPr algn="r">
-              <a:defRPr sz="1200"/>
-            </a:lvl1pPr>
-          </a:lstStyle>
-          <a:p>
-            <a:fld id="{1D8615D5-C655-B445-AED1-5DCF13EABB6B}" type="slidenum">
-              <a:rPr lang="en-US" smtClean="0"/>
-              <a:t>‹#›</a:t>
-            </a:fld>
-            <a:endParaRPr lang="en-US"/>
-          </a:p>
-        </p:txBody>
-      </p:sp>
-    </p:spTree>
-    <p:extLst>
-      <p:ext uri="{BB962C8B-B14F-4D97-AF65-F5344CB8AC3E}">
-        <p14:creationId xmlns:p14="http://schemas.microsoft.com/office/powerpoint/2010/main" val="1440779762"/>
-      </p:ext>
-    </p:extLst>
-  </p:cSld>
-  <p:clrMap bg1="lt1" tx1="dk1" bg2="lt2" tx2="dk2" accent1="accent1" accent2="accent2" accent3="accent3" accent4="accent4" accent5="accent5" accent6="accent6" hlink="hlink" folHlink="folHlink"/>
-  <p:hf hdr="0" ftr="0" dt="0"/>
-  <p:notesStyle>
-    <a:lvl1pPr marL="0" algn="l" defTabSz="457200" rtl="0" eaLnBrk="1" latinLnBrk="0" hangingPunct="1">
-      <a:defRPr sz="1200" kern="1200">
-        <a:solidFill>
-          <a:schemeClr val="tx1"/>
-        </a:solidFill>
-        <a:latin typeface="+mn-lt"/>
-        <a:ea typeface="+mn-ea"/>
-        <a:cs typeface="+mn-cs"/>
-      </a:defRPr>
-    </a:lvl1pPr>
-    <a:lvl2pPr marL="457200" algn="l" defTabSz="457200" rtl="0" eaLnBrk="1" latinLnBrk="0" hangingPunct="1">
-      <a:defRPr sz="1200" kern="1200">
-        <a:solidFill>
-          <a:schemeClr val="tx1"/>
-        </a:solidFill>
-        <a:latin typeface="+mn-lt"/>
-        <a:ea typeface="+mn-ea"/>
-        <a:cs typeface="+mn-cs"/>
-      </a:defRPr>
-    </a:lvl2pPr>
-    <a:lvl3pPr marL="914400" algn="l" defTabSz="457200" rtl="0" eaLnBrk="1" latinLnBrk="0" hangingPunct="1">
-      <a:defRPr sz="1200" kern="1200">
-        <a:solidFill>
-          <a:schemeClr val="tx1"/>
-        </a:solidFill>
-        <a:latin typeface="+mn-lt"/>
-        <a:ea typeface="+mn-ea"/>
-        <a:cs typeface="+mn-cs"/>
-      </a:defRPr>
-    </a:lvl3pPr>
-    <a:lvl4pPr marL="1371600" algn="l" defTabSz="457200" rtl="0" eaLnBrk="1" latinLnBrk="0" hangingPunct="1">
-      <a:defRPr sz="1200" kern="1200">
-        <a:solidFill>
-          <a:schemeClr val="tx1"/>
-        </a:solidFill>
-        <a:latin typeface="+mn-lt"/>
-        <a:ea typeface="+mn-ea"/>
-        <a:cs typeface="+mn-cs"/>
-      </a:defRPr>
-    </a:lvl4pPr>
-    <a:lvl5pPr marL="1828800" algn="l" defTabSz="457200" rtl="0" eaLnBrk="1" latinLnBrk="0" hangingPunct="1">
-      <a:defRPr sz="1200" kern="1200">
-        <a:solidFill>
-          <a:schemeClr val="tx1"/>
-        </a:solidFill>
-        <a:latin typeface="+mn-lt"/>
-        <a:ea typeface="+mn-ea"/>
-        <a:cs typeface="+mn-cs"/>
-      </a:defRPr>
-    </a:lvl5pPr>
-    <a:lvl6pPr marL="2286000" algn="l" defTabSz="457200" rtl="0" eaLnBrk="1" latinLnBrk="0" hangingPunct="1">
-      <a:defRPr sz="1200" kern="1200">
-        <a:solidFill>
-          <a:schemeClr val="tx1"/>
-        </a:solidFill>
-        <a:latin typeface="+mn-lt"/>
-        <a:ea typeface="+mn-ea"/>
-        <a:cs typeface="+mn-cs"/>
-      </a:defRPr>
-    </a:lvl6pPr>
-    <a:lvl7pPr marL="2743200" algn="l" defTabSz="457200" rtl="0" eaLnBrk="1" latinLnBrk="0" hangingPunct="1">
-      <a:defRPr sz="1200" kern="1200">
-        <a:solidFill>
-          <a:schemeClr val="tx1"/>
-        </a:solidFill>
-        <a:latin typeface="+mn-lt"/>
-        <a:ea typeface="+mn-ea"/>
-        <a:cs typeface="+mn-cs"/>
-      </a:defRPr>
-    </a:lvl7pPr>
-    <a:lvl8pPr marL="3200400" algn="l" defTabSz="457200" rtl="0" eaLnBrk="1" latinLnBrk="0" hangingPunct="1">
-      <a:defRPr sz="1200" kern="1200">
-        <a:solidFill>
-          <a:schemeClr val="tx1"/>
-        </a:solidFill>
-        <a:latin typeface="+mn-lt"/>
-        <a:ea typeface="+mn-ea"/>
-        <a:cs typeface="+mn-cs"/>
-      </a:defRPr>
-    </a:lvl8pPr>
-    <a:lvl9pPr marL="3657600" algn="l" defTabSz="457200" rtl="0" eaLnBrk="1" latinLnBrk="0" hangingPunct="1">
-      <a:defRPr sz="1200" kern="1200">
-        <a:solidFill>
-          <a:schemeClr val="tx1"/>
-        </a:solidFill>
-        <a:latin typeface="+mn-lt"/>
-        <a:ea typeface="+mn-ea"/>
-        <a:cs typeface="+mn-cs"/>
-      </a:defRPr>
-    </a:lvl9pPr>
-  </p:notesStyle>
-</p:notesMaster>
-</file>
-
 <file path=ppt/slideLayouts/slideLayout1.xml><?xml version="1.0" encoding="utf-8"?>
 <p:sldLayout xmlns:a="http://schemas.openxmlformats.org/drawingml/2006/main" xmlns:r="http://schemas.openxmlformats.org/officeDocument/2006/relationships" xmlns:p="http://schemas.openxmlformats.org/presentationml/2006/main" type="title" preserve="1">
   <p:cSld name="Title Slide">
@@ -810,9 +286,9 @@
           <a:bodyPr/>
           <a:lstStyle/>
           <a:p>
-            <a:fld id="{3E7F2726-E50C-F844-AC1B-F0CE84F3630D}" type="datetime1">
-              <a:rPr lang="en-US" smtClean="0"/>
-              <a:t>6/22/18</a:t>
+            <a:fld id="{566E25EC-79AD-A348-B49B-D35E8265C3C2}" type="datetimeFigureOut">
+              <a:rPr lang="en-US" smtClean="0"/>
+              <a:t>6/26/18</a:t>
             </a:fld>
             <a:endParaRPr lang="en-US"/>
           </a:p>
@@ -833,10 +309,6 @@
           <a:bodyPr/>
           <a:lstStyle/>
           <a:p>
-            <a:r>
-              <a:rPr lang="sk-SK" smtClean="0"/>
-              <a:t>Copyright © 2005-2018 360.NET</a:t>
-            </a:r>
             <a:endParaRPr lang="en-US"/>
           </a:p>
         </p:txBody>
@@ -856,7 +328,7 @@
           <a:bodyPr/>
           <a:lstStyle/>
           <a:p>
-            <a:fld id="{D4E45C4D-CC03-8D43-80F3-E2F195917BAE}" type="slidenum">
+            <a:fld id="{AF826347-F123-C94E-8A0C-22B24AA15B6C}" type="slidenum">
               <a:rPr lang="en-US" smtClean="0"/>
               <a:t>‹#›</a:t>
             </a:fld>
@@ -867,7 +339,7 @@
     </p:spTree>
     <p:extLst>
       <p:ext uri="{BB962C8B-B14F-4D97-AF65-F5344CB8AC3E}">
-        <p14:creationId xmlns:p14="http://schemas.microsoft.com/office/powerpoint/2010/main" val="699151566"/>
+        <p14:creationId xmlns:p14="http://schemas.microsoft.com/office/powerpoint/2010/main" val="277515151"/>
       </p:ext>
     </p:extLst>
   </p:cSld>
@@ -984,9 +456,9 @@
           <a:bodyPr/>
           <a:lstStyle/>
           <a:p>
-            <a:fld id="{4FCC2502-C239-4240-A94D-32E557CAF562}" type="datetime1">
-              <a:rPr lang="en-US" smtClean="0"/>
-              <a:t>6/22/18</a:t>
+            <a:fld id="{566E25EC-79AD-A348-B49B-D35E8265C3C2}" type="datetimeFigureOut">
+              <a:rPr lang="en-US" smtClean="0"/>
+              <a:t>6/26/18</a:t>
             </a:fld>
             <a:endParaRPr lang="en-US"/>
           </a:p>
@@ -1007,10 +479,6 @@
           <a:bodyPr/>
           <a:lstStyle/>
           <a:p>
-            <a:r>
-              <a:rPr lang="sk-SK" smtClean="0"/>
-              <a:t>Copyright © 2005-2018 360.NET</a:t>
-            </a:r>
             <a:endParaRPr lang="en-US"/>
           </a:p>
         </p:txBody>
@@ -1030,7 +498,7 @@
           <a:bodyPr/>
           <a:lstStyle/>
           <a:p>
-            <a:fld id="{D4E45C4D-CC03-8D43-80F3-E2F195917BAE}" type="slidenum">
+            <a:fld id="{AF826347-F123-C94E-8A0C-22B24AA15B6C}" type="slidenum">
               <a:rPr lang="en-US" smtClean="0"/>
               <a:t>‹#›</a:t>
             </a:fld>
@@ -1041,7 +509,7 @@
     </p:spTree>
     <p:extLst>
       <p:ext uri="{BB962C8B-B14F-4D97-AF65-F5344CB8AC3E}">
-        <p14:creationId xmlns:p14="http://schemas.microsoft.com/office/powerpoint/2010/main" val="1407890141"/>
+        <p14:creationId xmlns:p14="http://schemas.microsoft.com/office/powerpoint/2010/main" val="1052455067"/>
       </p:ext>
     </p:extLst>
   </p:cSld>
@@ -1168,9 +636,9 @@
           <a:bodyPr/>
           <a:lstStyle/>
           <a:p>
-            <a:fld id="{FB87CDD1-8009-1C4C-9443-309DC9D83E41}" type="datetime1">
-              <a:rPr lang="en-US" smtClean="0"/>
-              <a:t>6/22/18</a:t>
+            <a:fld id="{566E25EC-79AD-A348-B49B-D35E8265C3C2}" type="datetimeFigureOut">
+              <a:rPr lang="en-US" smtClean="0"/>
+              <a:t>6/26/18</a:t>
             </a:fld>
             <a:endParaRPr lang="en-US"/>
           </a:p>
@@ -1191,10 +659,6 @@
           <a:bodyPr/>
           <a:lstStyle/>
           <a:p>
-            <a:r>
-              <a:rPr lang="sk-SK" smtClean="0"/>
-              <a:t>Copyright © 2005-2018 360.NET</a:t>
-            </a:r>
             <a:endParaRPr lang="en-US"/>
           </a:p>
         </p:txBody>
@@ -1214,7 +678,7 @@
           <a:bodyPr/>
           <a:lstStyle/>
           <a:p>
-            <a:fld id="{D4E45C4D-CC03-8D43-80F3-E2F195917BAE}" type="slidenum">
+            <a:fld id="{AF826347-F123-C94E-8A0C-22B24AA15B6C}" type="slidenum">
               <a:rPr lang="en-US" smtClean="0"/>
               <a:t>‹#›</a:t>
             </a:fld>
@@ -1225,7 +689,7 @@
     </p:spTree>
     <p:extLst>
       <p:ext uri="{BB962C8B-B14F-4D97-AF65-F5344CB8AC3E}">
-        <p14:creationId xmlns:p14="http://schemas.microsoft.com/office/powerpoint/2010/main" val="2764378920"/>
+        <p14:creationId xmlns:p14="http://schemas.microsoft.com/office/powerpoint/2010/main" val="4273814515"/>
       </p:ext>
     </p:extLst>
   </p:cSld>
@@ -1342,9 +806,9 @@
           <a:bodyPr/>
           <a:lstStyle/>
           <a:p>
-            <a:fld id="{BE03B908-C4B4-324D-93C4-D6C201FD8774}" type="datetime1">
-              <a:rPr lang="en-US" smtClean="0"/>
-              <a:t>6/22/18</a:t>
+            <a:fld id="{566E25EC-79AD-A348-B49B-D35E8265C3C2}" type="datetimeFigureOut">
+              <a:rPr lang="en-US" smtClean="0"/>
+              <a:t>6/26/18</a:t>
             </a:fld>
             <a:endParaRPr lang="en-US"/>
           </a:p>
@@ -1365,10 +829,6 @@
           <a:bodyPr/>
           <a:lstStyle/>
           <a:p>
-            <a:r>
-              <a:rPr lang="sk-SK" smtClean="0"/>
-              <a:t>Copyright © 2005-2018 360.NET</a:t>
-            </a:r>
             <a:endParaRPr lang="en-US"/>
           </a:p>
         </p:txBody>
@@ -1388,7 +848,7 @@
           <a:bodyPr/>
           <a:lstStyle/>
           <a:p>
-            <a:fld id="{D4E45C4D-CC03-8D43-80F3-E2F195917BAE}" type="slidenum">
+            <a:fld id="{AF826347-F123-C94E-8A0C-22B24AA15B6C}" type="slidenum">
               <a:rPr lang="en-US" smtClean="0"/>
               <a:t>‹#›</a:t>
             </a:fld>
@@ -1399,7 +859,7 @@
     </p:spTree>
     <p:extLst>
       <p:ext uri="{BB962C8B-B14F-4D97-AF65-F5344CB8AC3E}">
-        <p14:creationId xmlns:p14="http://schemas.microsoft.com/office/powerpoint/2010/main" val="575597385"/>
+        <p14:creationId xmlns:p14="http://schemas.microsoft.com/office/powerpoint/2010/main" val="891728740"/>
       </p:ext>
     </p:extLst>
   </p:cSld>
@@ -1592,9 +1052,9 @@
           <a:bodyPr/>
           <a:lstStyle/>
           <a:p>
-            <a:fld id="{BED266AE-5EC3-4747-976D-AD7C4FA9161D}" type="datetime1">
-              <a:rPr lang="en-US" smtClean="0"/>
-              <a:t>6/22/18</a:t>
+            <a:fld id="{566E25EC-79AD-A348-B49B-D35E8265C3C2}" type="datetimeFigureOut">
+              <a:rPr lang="en-US" smtClean="0"/>
+              <a:t>6/26/18</a:t>
             </a:fld>
             <a:endParaRPr lang="en-US"/>
           </a:p>
@@ -1615,10 +1075,6 @@
           <a:bodyPr/>
           <a:lstStyle/>
           <a:p>
-            <a:r>
-              <a:rPr lang="sk-SK" smtClean="0"/>
-              <a:t>Copyright © 2005-2018 360.NET</a:t>
-            </a:r>
             <a:endParaRPr lang="en-US"/>
           </a:p>
         </p:txBody>
@@ -1638,7 +1094,7 @@
           <a:bodyPr/>
           <a:lstStyle/>
           <a:p>
-            <a:fld id="{D4E45C4D-CC03-8D43-80F3-E2F195917BAE}" type="slidenum">
+            <a:fld id="{AF826347-F123-C94E-8A0C-22B24AA15B6C}" type="slidenum">
               <a:rPr lang="en-US" smtClean="0"/>
               <a:t>‹#›</a:t>
             </a:fld>
@@ -1649,7 +1105,7 @@
     </p:spTree>
     <p:extLst>
       <p:ext uri="{BB962C8B-B14F-4D97-AF65-F5344CB8AC3E}">
-        <p14:creationId xmlns:p14="http://schemas.microsoft.com/office/powerpoint/2010/main" val="4096581444"/>
+        <p14:creationId xmlns:p14="http://schemas.microsoft.com/office/powerpoint/2010/main" val="4049322585"/>
       </p:ext>
     </p:extLst>
   </p:cSld>
@@ -1884,9 +1340,9 @@
           <a:bodyPr/>
           <a:lstStyle/>
           <a:p>
-            <a:fld id="{1E0E66B7-2B45-0149-9D28-8AF1FEBAC9CD}" type="datetime1">
-              <a:rPr lang="en-US" smtClean="0"/>
-              <a:t>6/22/18</a:t>
+            <a:fld id="{566E25EC-79AD-A348-B49B-D35E8265C3C2}" type="datetimeFigureOut">
+              <a:rPr lang="en-US" smtClean="0"/>
+              <a:t>6/26/18</a:t>
             </a:fld>
             <a:endParaRPr lang="en-US"/>
           </a:p>
@@ -1907,10 +1363,6 @@
           <a:bodyPr/>
           <a:lstStyle/>
           <a:p>
-            <a:r>
-              <a:rPr lang="sk-SK" smtClean="0"/>
-              <a:t>Copyright © 2005-2018 360.NET</a:t>
-            </a:r>
             <a:endParaRPr lang="en-US"/>
           </a:p>
         </p:txBody>
@@ -1930,7 +1382,7 @@
           <a:bodyPr/>
           <a:lstStyle/>
           <a:p>
-            <a:fld id="{D4E45C4D-CC03-8D43-80F3-E2F195917BAE}" type="slidenum">
+            <a:fld id="{AF826347-F123-C94E-8A0C-22B24AA15B6C}" type="slidenum">
               <a:rPr lang="en-US" smtClean="0"/>
               <a:t>‹#›</a:t>
             </a:fld>
@@ -1941,7 +1393,7 @@
     </p:spTree>
     <p:extLst>
       <p:ext uri="{BB962C8B-B14F-4D97-AF65-F5344CB8AC3E}">
-        <p14:creationId xmlns:p14="http://schemas.microsoft.com/office/powerpoint/2010/main" val="1047552365"/>
+        <p14:creationId xmlns:p14="http://schemas.microsoft.com/office/powerpoint/2010/main" val="1858001175"/>
       </p:ext>
     </p:extLst>
   </p:cSld>
@@ -2310,9 +1762,9 @@
           <a:bodyPr/>
           <a:lstStyle/>
           <a:p>
-            <a:fld id="{F22EB00F-D936-D549-80B7-D6A70B94C602}" type="datetime1">
-              <a:rPr lang="en-US" smtClean="0"/>
-              <a:t>6/22/18</a:t>
+            <a:fld id="{566E25EC-79AD-A348-B49B-D35E8265C3C2}" type="datetimeFigureOut">
+              <a:rPr lang="en-US" smtClean="0"/>
+              <a:t>6/26/18</a:t>
             </a:fld>
             <a:endParaRPr lang="en-US"/>
           </a:p>
@@ -2333,10 +1785,6 @@
           <a:bodyPr/>
           <a:lstStyle/>
           <a:p>
-            <a:r>
-              <a:rPr lang="sk-SK" smtClean="0"/>
-              <a:t>Copyright © 2005-2018 360.NET</a:t>
-            </a:r>
             <a:endParaRPr lang="en-US"/>
           </a:p>
         </p:txBody>
@@ -2356,7 +1804,7 @@
           <a:bodyPr/>
           <a:lstStyle/>
           <a:p>
-            <a:fld id="{D4E45C4D-CC03-8D43-80F3-E2F195917BAE}" type="slidenum">
+            <a:fld id="{AF826347-F123-C94E-8A0C-22B24AA15B6C}" type="slidenum">
               <a:rPr lang="en-US" smtClean="0"/>
               <a:t>‹#›</a:t>
             </a:fld>
@@ -2367,7 +1815,7 @@
     </p:spTree>
     <p:extLst>
       <p:ext uri="{BB962C8B-B14F-4D97-AF65-F5344CB8AC3E}">
-        <p14:creationId xmlns:p14="http://schemas.microsoft.com/office/powerpoint/2010/main" val="1603195693"/>
+        <p14:creationId xmlns:p14="http://schemas.microsoft.com/office/powerpoint/2010/main" val="3126562568"/>
       </p:ext>
     </p:extLst>
   </p:cSld>
@@ -2432,9 +1880,9 @@
           <a:bodyPr/>
           <a:lstStyle/>
           <a:p>
-            <a:fld id="{5C0030C5-EBFD-7544-B770-7C98F8A55279}" type="datetime1">
-              <a:rPr lang="en-US" smtClean="0"/>
-              <a:t>6/22/18</a:t>
+            <a:fld id="{566E25EC-79AD-A348-B49B-D35E8265C3C2}" type="datetimeFigureOut">
+              <a:rPr lang="en-US" smtClean="0"/>
+              <a:t>6/26/18</a:t>
             </a:fld>
             <a:endParaRPr lang="en-US"/>
           </a:p>
@@ -2455,10 +1903,6 @@
           <a:bodyPr/>
           <a:lstStyle/>
           <a:p>
-            <a:r>
-              <a:rPr lang="sk-SK" smtClean="0"/>
-              <a:t>Copyright © 2005-2018 360.NET</a:t>
-            </a:r>
             <a:endParaRPr lang="en-US"/>
           </a:p>
         </p:txBody>
@@ -2478,7 +1922,7 @@
           <a:bodyPr/>
           <a:lstStyle/>
           <a:p>
-            <a:fld id="{D4E45C4D-CC03-8D43-80F3-E2F195917BAE}" type="slidenum">
+            <a:fld id="{AF826347-F123-C94E-8A0C-22B24AA15B6C}" type="slidenum">
               <a:rPr lang="en-US" smtClean="0"/>
               <a:t>‹#›</a:t>
             </a:fld>
@@ -2489,7 +1933,7 @@
     </p:spTree>
     <p:extLst>
       <p:ext uri="{BB962C8B-B14F-4D97-AF65-F5344CB8AC3E}">
-        <p14:creationId xmlns:p14="http://schemas.microsoft.com/office/powerpoint/2010/main" val="297483637"/>
+        <p14:creationId xmlns:p14="http://schemas.microsoft.com/office/powerpoint/2010/main" val="916383698"/>
       </p:ext>
     </p:extLst>
   </p:cSld>
@@ -2531,9 +1975,9 @@
           <a:bodyPr/>
           <a:lstStyle/>
           <a:p>
-            <a:fld id="{F2EBBF52-3777-6A44-AA86-E2066F18AD1F}" type="datetime1">
-              <a:rPr lang="en-US" smtClean="0"/>
-              <a:t>6/22/18</a:t>
+            <a:fld id="{566E25EC-79AD-A348-B49B-D35E8265C3C2}" type="datetimeFigureOut">
+              <a:rPr lang="en-US" smtClean="0"/>
+              <a:t>6/26/18</a:t>
             </a:fld>
             <a:endParaRPr lang="en-US"/>
           </a:p>
@@ -2554,10 +1998,6 @@
           <a:bodyPr/>
           <a:lstStyle/>
           <a:p>
-            <a:r>
-              <a:rPr lang="sk-SK" smtClean="0"/>
-              <a:t>Copyright © 2005-2018 360.NET</a:t>
-            </a:r>
             <a:endParaRPr lang="en-US"/>
           </a:p>
         </p:txBody>
@@ -2577,7 +2017,7 @@
           <a:bodyPr/>
           <a:lstStyle/>
           <a:p>
-            <a:fld id="{D4E45C4D-CC03-8D43-80F3-E2F195917BAE}" type="slidenum">
+            <a:fld id="{AF826347-F123-C94E-8A0C-22B24AA15B6C}" type="slidenum">
               <a:rPr lang="en-US" smtClean="0"/>
               <a:t>‹#›</a:t>
             </a:fld>
@@ -2588,7 +2028,7 @@
     </p:spTree>
     <p:extLst>
       <p:ext uri="{BB962C8B-B14F-4D97-AF65-F5344CB8AC3E}">
-        <p14:creationId xmlns:p14="http://schemas.microsoft.com/office/powerpoint/2010/main" val="1031711184"/>
+        <p14:creationId xmlns:p14="http://schemas.microsoft.com/office/powerpoint/2010/main" val="4146648827"/>
       </p:ext>
     </p:extLst>
   </p:cSld>
@@ -2812,9 +2252,9 @@
           <a:bodyPr/>
           <a:lstStyle/>
           <a:p>
-            <a:fld id="{FE4587BE-D576-4541-A36E-AF5AE1B7B671}" type="datetime1">
-              <a:rPr lang="en-US" smtClean="0"/>
-              <a:t>6/22/18</a:t>
+            <a:fld id="{566E25EC-79AD-A348-B49B-D35E8265C3C2}" type="datetimeFigureOut">
+              <a:rPr lang="en-US" smtClean="0"/>
+              <a:t>6/26/18</a:t>
             </a:fld>
             <a:endParaRPr lang="en-US"/>
           </a:p>
@@ -2835,10 +2275,6 @@
           <a:bodyPr/>
           <a:lstStyle/>
           <a:p>
-            <a:r>
-              <a:rPr lang="sk-SK" smtClean="0"/>
-              <a:t>Copyright © 2005-2018 360.NET</a:t>
-            </a:r>
             <a:endParaRPr lang="en-US"/>
           </a:p>
         </p:txBody>
@@ -2858,7 +2294,7 @@
           <a:bodyPr/>
           <a:lstStyle/>
           <a:p>
-            <a:fld id="{D4E45C4D-CC03-8D43-80F3-E2F195917BAE}" type="slidenum">
+            <a:fld id="{AF826347-F123-C94E-8A0C-22B24AA15B6C}" type="slidenum">
               <a:rPr lang="en-US" smtClean="0"/>
               <a:t>‹#›</a:t>
             </a:fld>
@@ -2869,7 +2305,7 @@
     </p:spTree>
     <p:extLst>
       <p:ext uri="{BB962C8B-B14F-4D97-AF65-F5344CB8AC3E}">
-        <p14:creationId xmlns:p14="http://schemas.microsoft.com/office/powerpoint/2010/main" val="1792561153"/>
+        <p14:creationId xmlns:p14="http://schemas.microsoft.com/office/powerpoint/2010/main" val="3355588325"/>
       </p:ext>
     </p:extLst>
   </p:cSld>
@@ -3069,9 +2505,9 @@
           <a:bodyPr/>
           <a:lstStyle/>
           <a:p>
-            <a:fld id="{AC879295-C89C-7446-B463-FCF1791402E8}" type="datetime1">
-              <a:rPr lang="en-US" smtClean="0"/>
-              <a:t>6/22/18</a:t>
+            <a:fld id="{566E25EC-79AD-A348-B49B-D35E8265C3C2}" type="datetimeFigureOut">
+              <a:rPr lang="en-US" smtClean="0"/>
+              <a:t>6/26/18</a:t>
             </a:fld>
             <a:endParaRPr lang="en-US"/>
           </a:p>
@@ -3092,10 +2528,6 @@
           <a:bodyPr/>
           <a:lstStyle/>
           <a:p>
-            <a:r>
-              <a:rPr lang="sk-SK" smtClean="0"/>
-              <a:t>Copyright © 2005-2018 360.NET</a:t>
-            </a:r>
             <a:endParaRPr lang="en-US"/>
           </a:p>
         </p:txBody>
@@ -3115,7 +2547,7 @@
           <a:bodyPr/>
           <a:lstStyle/>
           <a:p>
-            <a:fld id="{D4E45C4D-CC03-8D43-80F3-E2F195917BAE}" type="slidenum">
+            <a:fld id="{AF826347-F123-C94E-8A0C-22B24AA15B6C}" type="slidenum">
               <a:rPr lang="en-US" smtClean="0"/>
               <a:t>‹#›</a:t>
             </a:fld>
@@ -3126,7 +2558,7 @@
     </p:spTree>
     <p:extLst>
       <p:ext uri="{BB962C8B-B14F-4D97-AF65-F5344CB8AC3E}">
-        <p14:creationId xmlns:p14="http://schemas.microsoft.com/office/powerpoint/2010/main" val="1384847877"/>
+        <p14:creationId xmlns:p14="http://schemas.microsoft.com/office/powerpoint/2010/main" val="3403689431"/>
       </p:ext>
     </p:extLst>
   </p:cSld>
@@ -3286,9 +2718,9 @@
             </a:lvl1pPr>
           </a:lstStyle>
           <a:p>
-            <a:fld id="{8F16B05F-2A86-BF43-8FE7-AE2D0B2B57BA}" type="datetime1">
-              <a:rPr lang="en-US" smtClean="0"/>
-              <a:t>6/22/18</a:t>
+            <a:fld id="{566E25EC-79AD-A348-B49B-D35E8265C3C2}" type="datetimeFigureOut">
+              <a:rPr lang="en-US" smtClean="0"/>
+              <a:t>6/26/18</a:t>
             </a:fld>
             <a:endParaRPr lang="en-US"/>
           </a:p>
@@ -3327,10 +2759,6 @@
             </a:lvl1pPr>
           </a:lstStyle>
           <a:p>
-            <a:r>
-              <a:rPr lang="sk-SK" smtClean="0"/>
-              <a:t>Copyright © 2005-2018 360.NET</a:t>
-            </a:r>
             <a:endParaRPr lang="en-US"/>
           </a:p>
         </p:txBody>
@@ -3368,7 +2796,7 @@
             </a:lvl1pPr>
           </a:lstStyle>
           <a:p>
-            <a:fld id="{D4E45C4D-CC03-8D43-80F3-E2F195917BAE}" type="slidenum">
+            <a:fld id="{AF826347-F123-C94E-8A0C-22B24AA15B6C}" type="slidenum">
               <a:rPr lang="en-US" smtClean="0"/>
               <a:t>‹#›</a:t>
             </a:fld>
@@ -3379,7 +2807,7 @@
     </p:spTree>
     <p:extLst>
       <p:ext uri="{BB962C8B-B14F-4D97-AF65-F5344CB8AC3E}">
-        <p14:creationId xmlns:p14="http://schemas.microsoft.com/office/powerpoint/2010/main" val="2067734970"/>
+        <p14:creationId xmlns:p14="http://schemas.microsoft.com/office/powerpoint/2010/main" val="2940017469"/>
       </p:ext>
     </p:extLst>
   </p:cSld>
@@ -3397,7 +2825,6 @@
     <p:sldLayoutId id="2147483658" r:id="rId10"/>
     <p:sldLayoutId id="2147483659" r:id="rId11"/>
   </p:sldLayoutIdLst>
-  <p:hf sldNum="0" hdr="0" dt="0"/>
   <p:txStyles>
     <p:titleStyle>
       <a:lvl1pPr algn="ctr" defTabSz="457200" rtl="0" eaLnBrk="1" latinLnBrk="0" hangingPunct="1">
@@ -3668,31 +3095,118 @@
           <a:chExt cx="0" cy="0"/>
         </a:xfrm>
       </p:grpSpPr>
-      <p:sp>
-        <p:nvSpPr>
-          <p:cNvPr id="4" name="Rectangle 3"/>
-          <p:cNvSpPr/>
+      <p:pic>
+        <p:nvPicPr>
+          <p:cNvPr id="6" name="Picture 5"/>
+          <p:cNvPicPr>
+            <a:picLocks noChangeAspect="1"/>
+          </p:cNvPicPr>
           <p:nvPr/>
-        </p:nvSpPr>
+        </p:nvPicPr>
+        <p:blipFill>
+          <a:blip r:embed="rId2"/>
+          <a:stretch>
+            <a:fillRect/>
+          </a:stretch>
+        </p:blipFill>
         <p:spPr>
           <a:xfrm>
-            <a:off x="170094" y="1406187"/>
-            <a:ext cx="2766872" cy="3454371"/>
+            <a:off x="1140956" y="1407725"/>
+            <a:ext cx="885923" cy="1030019"/>
           </a:xfrm>
           <a:prstGeom prst="rect">
             <a:avLst/>
           </a:prstGeom>
+        </p:spPr>
+      </p:pic>
+      <p:sp>
+        <p:nvSpPr>
+          <p:cNvPr id="36" name="Rectangle 35"/>
+          <p:cNvSpPr/>
+          <p:nvPr/>
+        </p:nvSpPr>
+        <p:spPr>
+          <a:xfrm>
+            <a:off x="359217" y="1407725"/>
+            <a:ext cx="7889948" cy="5070255"/>
+          </a:xfrm>
+          <a:prstGeom prst="rect">
+            <a:avLst/>
+          </a:prstGeom>
+          <a:gradFill flip="none" rotWithShape="1">
+            <a:gsLst>
+              <a:gs pos="0">
+                <a:schemeClr val="accent1">
+                  <a:tint val="100000"/>
+                  <a:shade val="100000"/>
+                  <a:satMod val="130000"/>
+                  <a:alpha val="0"/>
+                </a:schemeClr>
+              </a:gs>
+              <a:gs pos="100000">
+                <a:schemeClr val="accent1">
+                  <a:tint val="50000"/>
+                  <a:shade val="100000"/>
+                  <a:satMod val="350000"/>
+                  <a:alpha val="0"/>
+                </a:schemeClr>
+              </a:gs>
+            </a:gsLst>
+            <a:lin ang="16200000" scaled="0"/>
+            <a:tileRect/>
+          </a:gradFill>
+          <a:ln w="28575" cmpd="sng">
+            <a:solidFill>
+              <a:srgbClr val="000000"/>
+            </a:solidFill>
+          </a:ln>
+        </p:spPr>
+        <p:style>
+          <a:lnRef idx="1">
+            <a:schemeClr val="accent1"/>
+          </a:lnRef>
+          <a:fillRef idx="3">
+            <a:schemeClr val="accent1"/>
+          </a:fillRef>
+          <a:effectRef idx="2">
+            <a:schemeClr val="accent1"/>
+          </a:effectRef>
+          <a:fontRef idx="minor">
+            <a:schemeClr val="lt1"/>
+          </a:fontRef>
+        </p:style>
+        <p:txBody>
+          <a:bodyPr rtlCol="0" anchor="ctr"/>
+          <a:lstStyle/>
+          <a:p>
+            <a:pPr algn="ctr"/>
+            <a:endParaRPr lang="en-US"/>
+          </a:p>
+        </p:txBody>
+      </p:sp>
+      <p:sp>
+        <p:nvSpPr>
+          <p:cNvPr id="4" name="Cloud 3"/>
+          <p:cNvSpPr/>
+          <p:nvPr/>
+        </p:nvSpPr>
+        <p:spPr>
+          <a:xfrm>
+            <a:off x="765695" y="206375"/>
+            <a:ext cx="1580341" cy="935289"/>
+          </a:xfrm>
+          <a:prstGeom prst="cloud">
+            <a:avLst/>
+          </a:prstGeom>
           <a:solidFill>
-            <a:schemeClr val="accent1">
-              <a:lumMod val="60000"/>
-              <a:lumOff val="40000"/>
+            <a:schemeClr val="bg1">
+              <a:lumMod val="65000"/>
             </a:schemeClr>
           </a:solidFill>
           <a:ln>
             <a:solidFill>
-              <a:schemeClr val="accent1">
-                <a:lumMod val="60000"/>
-                <a:lumOff val="40000"/>
+              <a:schemeClr val="bg1">
+                <a:lumMod val="50000"/>
               </a:schemeClr>
             </a:solidFill>
           </a:ln>
@@ -3716,112 +3230,368 @@
           <a:lstStyle/>
           <a:p>
             <a:pPr algn="ctr"/>
-            <a:endParaRPr lang="en-US"/>
-          </a:p>
-        </p:txBody>
-      </p:sp>
-      <p:sp>
-        <p:nvSpPr>
-          <p:cNvPr id="5" name="Rectangle 4"/>
-          <p:cNvSpPr/>
+            <a:r>
+              <a:rPr lang="en-US" sz="2000" dirty="0" smtClean="0">
+                <a:solidFill>
+                  <a:srgbClr val="000000"/>
+                </a:solidFill>
+              </a:rPr>
+              <a:t>360.net</a:t>
+            </a:r>
+            <a:endParaRPr lang="en-US" sz="2000" dirty="0">
+              <a:solidFill>
+                <a:srgbClr val="000000"/>
+              </a:solidFill>
+            </a:endParaRPr>
+          </a:p>
+        </p:txBody>
+      </p:sp>
+      <p:pic>
+        <p:nvPicPr>
+          <p:cNvPr id="7" name="Picture 6"/>
+          <p:cNvPicPr>
+            <a:picLocks noChangeAspect="1"/>
+          </p:cNvPicPr>
           <p:nvPr/>
-        </p:nvSpPr>
+        </p:nvPicPr>
+        <p:blipFill>
+          <a:blip r:embed="rId3"/>
+          <a:stretch>
+            <a:fillRect/>
+          </a:stretch>
+        </p:blipFill>
         <p:spPr>
           <a:xfrm>
-            <a:off x="3141080" y="1406187"/>
-            <a:ext cx="2766872" cy="3454371"/>
+            <a:off x="3630659" y="3384892"/>
+            <a:ext cx="1347064" cy="369704"/>
           </a:xfrm>
           <a:prstGeom prst="rect">
             <a:avLst/>
           </a:prstGeom>
-          <a:solidFill>
-            <a:srgbClr val="95B3D7"/>
-          </a:solidFill>
+        </p:spPr>
+      </p:pic>
+      <p:pic>
+        <p:nvPicPr>
+          <p:cNvPr id="9" name="Picture 8"/>
+          <p:cNvPicPr>
+            <a:picLocks noChangeAspect="1"/>
+          </p:cNvPicPr>
+          <p:nvPr/>
+        </p:nvPicPr>
+        <p:blipFill>
+          <a:blip r:embed="rId4"/>
+          <a:stretch>
+            <a:fillRect/>
+          </a:stretch>
+        </p:blipFill>
+        <p:spPr>
+          <a:xfrm>
+            <a:off x="6336851" y="3002832"/>
+            <a:ext cx="1212118" cy="1049866"/>
+          </a:xfrm>
+          <a:prstGeom prst="rect">
+            <a:avLst/>
+          </a:prstGeom>
+        </p:spPr>
+      </p:pic>
+      <p:pic>
+        <p:nvPicPr>
+          <p:cNvPr id="10" name="Picture 9"/>
+          <p:cNvPicPr>
+            <a:picLocks noChangeAspect="1"/>
+          </p:cNvPicPr>
+          <p:nvPr/>
+        </p:nvPicPr>
+        <p:blipFill>
+          <a:blip r:embed="rId5"/>
+          <a:stretch>
+            <a:fillRect/>
+          </a:stretch>
+        </p:blipFill>
+        <p:spPr>
+          <a:xfrm>
+            <a:off x="2346036" y="4765220"/>
+            <a:ext cx="1428172" cy="1276975"/>
+          </a:xfrm>
+          <a:prstGeom prst="rect">
+            <a:avLst/>
+          </a:prstGeom>
+        </p:spPr>
+      </p:pic>
+      <p:pic>
+        <p:nvPicPr>
+          <p:cNvPr id="11" name="Picture 10"/>
+          <p:cNvPicPr>
+            <a:picLocks noChangeAspect="1"/>
+          </p:cNvPicPr>
+          <p:nvPr/>
+        </p:nvPicPr>
+        <p:blipFill>
+          <a:blip r:embed="rId5"/>
+          <a:stretch>
+            <a:fillRect/>
+          </a:stretch>
+        </p:blipFill>
+        <p:spPr>
+          <a:xfrm>
+            <a:off x="917864" y="2914655"/>
+            <a:ext cx="1428172" cy="1276975"/>
+          </a:xfrm>
+          <a:prstGeom prst="rect">
+            <a:avLst/>
+          </a:prstGeom>
+        </p:spPr>
+      </p:pic>
+      <p:pic>
+        <p:nvPicPr>
+          <p:cNvPr id="12" name="Picture 11"/>
+          <p:cNvPicPr>
+            <a:picLocks noChangeAspect="1"/>
+          </p:cNvPicPr>
+          <p:nvPr/>
+        </p:nvPicPr>
+        <p:blipFill>
+          <a:blip r:embed="rId5"/>
+          <a:stretch>
+            <a:fillRect/>
+          </a:stretch>
+        </p:blipFill>
+        <p:spPr>
+          <a:xfrm>
+            <a:off x="4804740" y="4765220"/>
+            <a:ext cx="1428172" cy="1276975"/>
+          </a:xfrm>
+          <a:prstGeom prst="rect">
+            <a:avLst/>
+          </a:prstGeom>
+        </p:spPr>
+      </p:pic>
+      <p:cxnSp>
+        <p:nvCxnSpPr>
+          <p:cNvPr id="18" name="Straight Connector 17"/>
+          <p:cNvCxnSpPr>
+            <a:stCxn id="4" idx="1"/>
+          </p:cNvCxnSpPr>
+          <p:nvPr/>
+        </p:nvCxnSpPr>
+        <p:spPr>
+          <a:xfrm>
+            <a:off x="1555866" y="1140668"/>
+            <a:ext cx="0" cy="963072"/>
+          </a:xfrm>
+          <a:prstGeom prst="line">
+            <a:avLst/>
+          </a:prstGeom>
           <a:ln>
             <a:solidFill>
-              <a:srgbClr val="95B3D7"/>
+              <a:schemeClr val="tx1"/>
             </a:solidFill>
           </a:ln>
         </p:spPr>
         <p:style>
-          <a:lnRef idx="1">
+          <a:lnRef idx="2">
             <a:schemeClr val="accent1"/>
           </a:lnRef>
-          <a:fillRef idx="3">
+          <a:fillRef idx="0">
             <a:schemeClr val="accent1"/>
           </a:fillRef>
-          <a:effectRef idx="2">
+          <a:effectRef idx="1">
             <a:schemeClr val="accent1"/>
           </a:effectRef>
           <a:fontRef idx="minor">
-            <a:schemeClr val="lt1"/>
+            <a:schemeClr val="tx1"/>
           </a:fontRef>
         </p:style>
-        <p:txBody>
-          <a:bodyPr rtlCol="0" anchor="ctr"/>
-          <a:lstStyle/>
-          <a:p>
-            <a:pPr algn="ctr"/>
-            <a:endParaRPr lang="en-US"/>
-          </a:p>
-        </p:txBody>
-      </p:sp>
-      <p:sp>
-        <p:nvSpPr>
-          <p:cNvPr id="6" name="Rectangle 5"/>
-          <p:cNvSpPr/>
+      </p:cxnSp>
+      <p:cxnSp>
+        <p:nvCxnSpPr>
+          <p:cNvPr id="23" name="Straight Connector 22"/>
+          <p:cNvCxnSpPr/>
           <p:nvPr/>
-        </p:nvSpPr>
+        </p:nvCxnSpPr>
         <p:spPr>
           <a:xfrm>
-            <a:off x="6112065" y="1406187"/>
-            <a:ext cx="2766872" cy="3454371"/>
+            <a:off x="1555866" y="2321811"/>
+            <a:ext cx="0" cy="681021"/>
           </a:xfrm>
-          <a:prstGeom prst="rect">
+          <a:prstGeom prst="line">
             <a:avLst/>
           </a:prstGeom>
-          <a:solidFill>
-            <a:srgbClr val="95B3D7"/>
-          </a:solidFill>
           <a:ln>
             <a:solidFill>
-              <a:srgbClr val="95B3D7"/>
+              <a:srgbClr val="000000"/>
             </a:solidFill>
           </a:ln>
         </p:spPr>
         <p:style>
-          <a:lnRef idx="1">
+          <a:lnRef idx="2">
             <a:schemeClr val="accent1"/>
           </a:lnRef>
-          <a:fillRef idx="3">
+          <a:fillRef idx="0">
             <a:schemeClr val="accent1"/>
           </a:fillRef>
-          <a:effectRef idx="2">
+          <a:effectRef idx="1">
             <a:schemeClr val="accent1"/>
           </a:effectRef>
           <a:fontRef idx="minor">
-            <a:schemeClr val="lt1"/>
+            <a:schemeClr val="tx1"/>
           </a:fontRef>
         </p:style>
-        <p:txBody>
-          <a:bodyPr rtlCol="0" anchor="ctr"/>
-          <a:lstStyle/>
-          <a:p>
-            <a:pPr algn="ctr"/>
-            <a:endParaRPr lang="en-US"/>
-          </a:p>
-        </p:txBody>
-      </p:sp>
-      <p:sp>
-        <p:nvSpPr>
-          <p:cNvPr id="7" name="TextBox 6"/>
+      </p:cxnSp>
+      <p:cxnSp>
+        <p:nvCxnSpPr>
+          <p:cNvPr id="25" name="Straight Connector 24"/>
+          <p:cNvCxnSpPr>
+            <a:endCxn id="7" idx="1"/>
+          </p:cNvCxnSpPr>
+          <p:nvPr/>
+        </p:nvCxnSpPr>
+        <p:spPr>
+          <a:xfrm>
+            <a:off x="2245107" y="3569744"/>
+            <a:ext cx="1385552" cy="0"/>
+          </a:xfrm>
+          <a:prstGeom prst="line">
+            <a:avLst/>
+          </a:prstGeom>
+          <a:ln>
+            <a:solidFill>
+              <a:srgbClr val="000000"/>
+            </a:solidFill>
+          </a:ln>
+        </p:spPr>
+        <p:style>
+          <a:lnRef idx="2">
+            <a:schemeClr val="accent1"/>
+          </a:lnRef>
+          <a:fillRef idx="0">
+            <a:schemeClr val="accent1"/>
+          </a:fillRef>
+          <a:effectRef idx="1">
+            <a:schemeClr val="accent1"/>
+          </a:effectRef>
+          <a:fontRef idx="minor">
+            <a:schemeClr val="tx1"/>
+          </a:fontRef>
+        </p:style>
+      </p:cxnSp>
+      <p:cxnSp>
+        <p:nvCxnSpPr>
+          <p:cNvPr id="27" name="Straight Connector 26"/>
+          <p:cNvCxnSpPr>
+            <a:stCxn id="7" idx="3"/>
+          </p:cNvCxnSpPr>
+          <p:nvPr/>
+        </p:nvCxnSpPr>
+        <p:spPr>
+          <a:xfrm>
+            <a:off x="4977723" y="3569744"/>
+            <a:ext cx="1821744" cy="0"/>
+          </a:xfrm>
+          <a:prstGeom prst="line">
+            <a:avLst/>
+          </a:prstGeom>
+          <a:ln>
+            <a:solidFill>
+              <a:srgbClr val="000000"/>
+            </a:solidFill>
+          </a:ln>
+        </p:spPr>
+        <p:style>
+          <a:lnRef idx="2">
+            <a:schemeClr val="accent1"/>
+          </a:lnRef>
+          <a:fillRef idx="0">
+            <a:schemeClr val="accent1"/>
+          </a:fillRef>
+          <a:effectRef idx="1">
+            <a:schemeClr val="accent1"/>
+          </a:effectRef>
+          <a:fontRef idx="minor">
+            <a:schemeClr val="tx1"/>
+          </a:fontRef>
+        </p:style>
+      </p:cxnSp>
+      <p:cxnSp>
+        <p:nvCxnSpPr>
+          <p:cNvPr id="32" name="Straight Connector 31"/>
+          <p:cNvCxnSpPr/>
+          <p:nvPr/>
+        </p:nvCxnSpPr>
+        <p:spPr>
+          <a:xfrm flipH="1">
+            <a:off x="3374076" y="3754596"/>
+            <a:ext cx="577312" cy="1376477"/>
+          </a:xfrm>
+          <a:prstGeom prst="line">
+            <a:avLst/>
+          </a:prstGeom>
+          <a:ln>
+            <a:solidFill>
+              <a:srgbClr val="000000"/>
+            </a:solidFill>
+          </a:ln>
+        </p:spPr>
+        <p:style>
+          <a:lnRef idx="2">
+            <a:schemeClr val="accent1"/>
+          </a:lnRef>
+          <a:fillRef idx="0">
+            <a:schemeClr val="accent1"/>
+          </a:fillRef>
+          <a:effectRef idx="1">
+            <a:schemeClr val="accent1"/>
+          </a:effectRef>
+          <a:fontRef idx="minor">
+            <a:schemeClr val="tx1"/>
+          </a:fontRef>
+        </p:style>
+      </p:cxnSp>
+      <p:cxnSp>
+        <p:nvCxnSpPr>
+          <p:cNvPr id="35" name="Straight Connector 34"/>
+          <p:cNvCxnSpPr/>
+          <p:nvPr/>
+        </p:nvCxnSpPr>
+        <p:spPr>
+          <a:xfrm>
+            <a:off x="4695481" y="3754596"/>
+            <a:ext cx="654288" cy="1107096"/>
+          </a:xfrm>
+          <a:prstGeom prst="line">
+            <a:avLst/>
+          </a:prstGeom>
+          <a:ln>
+            <a:solidFill>
+              <a:srgbClr val="000000"/>
+            </a:solidFill>
+          </a:ln>
+        </p:spPr>
+        <p:style>
+          <a:lnRef idx="2">
+            <a:schemeClr val="accent1"/>
+          </a:lnRef>
+          <a:fillRef idx="0">
+            <a:schemeClr val="accent1"/>
+          </a:fillRef>
+          <a:effectRef idx="1">
+            <a:schemeClr val="accent1"/>
+          </a:effectRef>
+          <a:fontRef idx="minor">
+            <a:schemeClr val="tx1"/>
+          </a:fontRef>
+        </p:style>
+      </p:cxnSp>
+      <p:sp>
+        <p:nvSpPr>
+          <p:cNvPr id="38" name="TextBox 37"/>
           <p:cNvSpPr txBox="1"/>
           <p:nvPr/>
         </p:nvSpPr>
         <p:spPr>
           <a:xfrm>
-            <a:off x="340189" y="1550388"/>
-            <a:ext cx="2381324" cy="830997"/>
+            <a:off x="3630659" y="3002832"/>
+            <a:ext cx="1347064" cy="369332"/>
           </a:xfrm>
           <a:prstGeom prst="rect">
             <a:avLst/>
@@ -3836,23 +3606,23 @@
           <a:p>
             <a:pPr algn="ctr"/>
             <a:r>
-              <a:rPr lang="en-US" sz="2400" b="1" dirty="0" smtClean="0"/>
-              <a:t>Data Security Policy</a:t>
-            </a:r>
-            <a:endParaRPr lang="en-US" sz="2400" b="1" dirty="0"/>
-          </a:p>
-        </p:txBody>
-      </p:sp>
-      <p:sp>
-        <p:nvSpPr>
-          <p:cNvPr id="9" name="TextBox 8"/>
+              <a:rPr lang="en-US" dirty="0" smtClean="0"/>
+              <a:t>Switch</a:t>
+            </a:r>
+            <a:endParaRPr lang="en-US" dirty="0"/>
+          </a:p>
+        </p:txBody>
+      </p:sp>
+      <p:sp>
+        <p:nvSpPr>
+          <p:cNvPr id="42" name="TextBox 41"/>
           <p:cNvSpPr txBox="1"/>
           <p:nvPr/>
         </p:nvSpPr>
         <p:spPr>
           <a:xfrm>
-            <a:off x="3372857" y="1550388"/>
-            <a:ext cx="2381324" cy="830997"/>
+            <a:off x="936398" y="4118889"/>
+            <a:ext cx="1261184" cy="646331"/>
           </a:xfrm>
           <a:prstGeom prst="rect">
             <a:avLst/>
@@ -3867,23 +3637,23 @@
           <a:p>
             <a:pPr algn="ctr"/>
             <a:r>
-              <a:rPr lang="en-US" sz="2400" b="1" dirty="0" smtClean="0"/>
-              <a:t>Data Activity Monitoring</a:t>
-            </a:r>
-            <a:endParaRPr lang="en-US" sz="2400" b="1" dirty="0"/>
-          </a:p>
-        </p:txBody>
-      </p:sp>
-      <p:sp>
-        <p:nvSpPr>
-          <p:cNvPr id="10" name="TextBox 9"/>
+              <a:rPr lang="en-US" dirty="0" smtClean="0"/>
+              <a:t>ICS Host Computer</a:t>
+            </a:r>
+            <a:endParaRPr lang="en-US" dirty="0"/>
+          </a:p>
+        </p:txBody>
+      </p:sp>
+      <p:sp>
+        <p:nvSpPr>
+          <p:cNvPr id="44" name="TextBox 43"/>
           <p:cNvSpPr txBox="1"/>
           <p:nvPr/>
         </p:nvSpPr>
         <p:spPr>
           <a:xfrm>
-            <a:off x="6332502" y="1550388"/>
-            <a:ext cx="2381324" cy="461665"/>
+            <a:off x="1743064" y="1721844"/>
+            <a:ext cx="1385552" cy="646331"/>
           </a:xfrm>
           <a:prstGeom prst="rect">
             <a:avLst/>
@@ -3898,377 +3668,23 @@
           <a:p>
             <a:pPr algn="ctr"/>
             <a:r>
-              <a:rPr lang="en-US" sz="2400" b="1" dirty="0" smtClean="0"/>
-              <a:t>Enforcement</a:t>
-            </a:r>
-            <a:endParaRPr lang="en-US" sz="2400" b="1" dirty="0"/>
-          </a:p>
-        </p:txBody>
-      </p:sp>
-      <p:sp>
-        <p:nvSpPr>
-          <p:cNvPr id="11" name="Rectangle 10"/>
-          <p:cNvSpPr/>
+              <a:rPr lang="en-US" dirty="0" smtClean="0"/>
+              <a:t>DSL/Cable Modem</a:t>
+            </a:r>
+            <a:endParaRPr lang="en-US" dirty="0"/>
+          </a:p>
+        </p:txBody>
+      </p:sp>
+      <p:sp>
+        <p:nvSpPr>
+          <p:cNvPr id="45" name="TextBox 44"/>
+          <p:cNvSpPr txBox="1"/>
           <p:nvPr/>
         </p:nvSpPr>
         <p:spPr>
           <a:xfrm>
-            <a:off x="340189" y="2457687"/>
-            <a:ext cx="2381324" cy="1023275"/>
-          </a:xfrm>
-          <a:prstGeom prst="rect">
-            <a:avLst/>
-          </a:prstGeom>
-          <a:solidFill>
-            <a:schemeClr val="tx2">
-              <a:lumMod val="75000"/>
-            </a:schemeClr>
-          </a:solidFill>
-          <a:ln>
-            <a:solidFill>
-              <a:schemeClr val="tx2">
-                <a:lumMod val="75000"/>
-              </a:schemeClr>
-            </a:solidFill>
-          </a:ln>
-        </p:spPr>
-        <p:style>
-          <a:lnRef idx="1">
-            <a:schemeClr val="accent1"/>
-          </a:lnRef>
-          <a:fillRef idx="3">
-            <a:schemeClr val="accent1"/>
-          </a:fillRef>
-          <a:effectRef idx="2">
-            <a:schemeClr val="accent1"/>
-          </a:effectRef>
-          <a:fontRef idx="minor">
-            <a:schemeClr val="lt1"/>
-          </a:fontRef>
-        </p:style>
-        <p:txBody>
-          <a:bodyPr rtlCol="0" anchor="ctr"/>
-          <a:lstStyle/>
-          <a:p>
-            <a:pPr algn="ctr"/>
-            <a:r>
-              <a:rPr lang="en-US" dirty="0" smtClean="0"/>
-              <a:t>Data Classification</a:t>
-            </a:r>
-          </a:p>
-          <a:p>
-            <a:pPr algn="ctr"/>
-            <a:r>
-              <a:rPr lang="en-US" dirty="0" smtClean="0"/>
-              <a:t> and Discovery</a:t>
-            </a:r>
-            <a:endParaRPr lang="en-US" dirty="0"/>
-          </a:p>
-        </p:txBody>
-      </p:sp>
-      <p:sp>
-        <p:nvSpPr>
-          <p:cNvPr id="13" name="Rectangle 12"/>
-          <p:cNvSpPr/>
-          <p:nvPr/>
-        </p:nvSpPr>
-        <p:spPr>
-          <a:xfrm>
-            <a:off x="340189" y="3661799"/>
-            <a:ext cx="2381324" cy="1023275"/>
-          </a:xfrm>
-          <a:prstGeom prst="rect">
-            <a:avLst/>
-          </a:prstGeom>
-          <a:solidFill>
-            <a:srgbClr val="17375E"/>
-          </a:solidFill>
-          <a:ln>
-            <a:solidFill>
-              <a:srgbClr val="17375E"/>
-            </a:solidFill>
-          </a:ln>
-        </p:spPr>
-        <p:style>
-          <a:lnRef idx="1">
-            <a:schemeClr val="accent1"/>
-          </a:lnRef>
-          <a:fillRef idx="3">
-            <a:schemeClr val="accent1"/>
-          </a:fillRef>
-          <a:effectRef idx="2">
-            <a:schemeClr val="accent1"/>
-          </a:effectRef>
-          <a:fontRef idx="minor">
-            <a:schemeClr val="lt1"/>
-          </a:fontRef>
-        </p:style>
-        <p:txBody>
-          <a:bodyPr rtlCol="0" anchor="ctr"/>
-          <a:lstStyle/>
-          <a:p>
-            <a:pPr algn="ctr"/>
-            <a:r>
-              <a:rPr lang="en-US" dirty="0" smtClean="0"/>
-              <a:t>Data Security </a:t>
-            </a:r>
-          </a:p>
-          <a:p>
-            <a:pPr algn="ctr"/>
-            <a:r>
-              <a:rPr lang="en-US" dirty="0" smtClean="0"/>
-              <a:t>Controls</a:t>
-            </a:r>
-            <a:endParaRPr lang="en-US" dirty="0"/>
-          </a:p>
-        </p:txBody>
-      </p:sp>
-      <p:sp>
-        <p:nvSpPr>
-          <p:cNvPr id="15" name="Rectangle 14"/>
-          <p:cNvSpPr/>
-          <p:nvPr/>
-        </p:nvSpPr>
-        <p:spPr>
-          <a:xfrm>
-            <a:off x="3372857" y="2457687"/>
-            <a:ext cx="2381324" cy="1023275"/>
-          </a:xfrm>
-          <a:prstGeom prst="rect">
-            <a:avLst/>
-          </a:prstGeom>
-          <a:solidFill>
-            <a:schemeClr val="tx2">
-              <a:lumMod val="75000"/>
-            </a:schemeClr>
-          </a:solidFill>
-          <a:ln>
-            <a:solidFill>
-              <a:schemeClr val="tx2">
-                <a:lumMod val="75000"/>
-              </a:schemeClr>
-            </a:solidFill>
-          </a:ln>
-        </p:spPr>
-        <p:style>
-          <a:lnRef idx="1">
-            <a:schemeClr val="accent1"/>
-          </a:lnRef>
-          <a:fillRef idx="3">
-            <a:schemeClr val="accent1"/>
-          </a:fillRef>
-          <a:effectRef idx="2">
-            <a:schemeClr val="accent1"/>
-          </a:effectRef>
-          <a:fontRef idx="minor">
-            <a:schemeClr val="lt1"/>
-          </a:fontRef>
-        </p:style>
-        <p:txBody>
-          <a:bodyPr rtlCol="0" anchor="ctr"/>
-          <a:lstStyle/>
-          <a:p>
-            <a:pPr algn="ctr"/>
-            <a:r>
-              <a:rPr lang="en-US" dirty="0" smtClean="0"/>
-              <a:t>Assessment and Monitoring of User Roles and Permissions</a:t>
-            </a:r>
-            <a:endParaRPr lang="en-US" dirty="0"/>
-          </a:p>
-        </p:txBody>
-      </p:sp>
-      <p:sp>
-        <p:nvSpPr>
-          <p:cNvPr id="16" name="Rectangle 15"/>
-          <p:cNvSpPr/>
-          <p:nvPr/>
-        </p:nvSpPr>
-        <p:spPr>
-          <a:xfrm>
-            <a:off x="3372857" y="3622001"/>
-            <a:ext cx="2381324" cy="1023275"/>
-          </a:xfrm>
-          <a:prstGeom prst="rect">
-            <a:avLst/>
-          </a:prstGeom>
-          <a:solidFill>
-            <a:schemeClr val="tx2">
-              <a:lumMod val="75000"/>
-            </a:schemeClr>
-          </a:solidFill>
-          <a:ln>
-            <a:solidFill>
-              <a:schemeClr val="tx2">
-                <a:lumMod val="75000"/>
-              </a:schemeClr>
-            </a:solidFill>
-          </a:ln>
-        </p:spPr>
-        <p:style>
-          <a:lnRef idx="1">
-            <a:schemeClr val="accent1"/>
-          </a:lnRef>
-          <a:fillRef idx="3">
-            <a:schemeClr val="accent1"/>
-          </a:fillRef>
-          <a:effectRef idx="2">
-            <a:schemeClr val="accent1"/>
-          </a:effectRef>
-          <a:fontRef idx="minor">
-            <a:schemeClr val="lt1"/>
-          </a:fontRef>
-        </p:style>
-        <p:txBody>
-          <a:bodyPr rtlCol="0" anchor="ctr"/>
-          <a:lstStyle/>
-          <a:p>
-            <a:pPr algn="ctr"/>
-            <a:r>
-              <a:rPr lang="en-US" dirty="0" smtClean="0"/>
-              <a:t>User Monitoring and Auditing</a:t>
-            </a:r>
-          </a:p>
-        </p:txBody>
-      </p:sp>
-      <p:sp>
-        <p:nvSpPr>
-          <p:cNvPr id="17" name="Rectangle 16"/>
-          <p:cNvSpPr/>
-          <p:nvPr/>
-        </p:nvSpPr>
-        <p:spPr>
-          <a:xfrm>
-            <a:off x="6332502" y="2381385"/>
-            <a:ext cx="2381324" cy="1023275"/>
-          </a:xfrm>
-          <a:prstGeom prst="rect">
-            <a:avLst/>
-          </a:prstGeom>
-          <a:solidFill>
-            <a:schemeClr val="tx2">
-              <a:lumMod val="75000"/>
-            </a:schemeClr>
-          </a:solidFill>
-          <a:ln>
-            <a:solidFill>
-              <a:schemeClr val="tx2">
-                <a:lumMod val="75000"/>
-              </a:schemeClr>
-            </a:solidFill>
-          </a:ln>
-        </p:spPr>
-        <p:style>
-          <a:lnRef idx="1">
-            <a:schemeClr val="accent1"/>
-          </a:lnRef>
-          <a:fillRef idx="3">
-            <a:schemeClr val="accent1"/>
-          </a:fillRef>
-          <a:effectRef idx="2">
-            <a:schemeClr val="accent1"/>
-          </a:effectRef>
-          <a:fontRef idx="minor">
-            <a:schemeClr val="lt1"/>
-          </a:fontRef>
-        </p:style>
-        <p:txBody>
-          <a:bodyPr rtlCol="0" anchor="ctr"/>
-          <a:lstStyle/>
-          <a:p>
-            <a:pPr algn="ctr"/>
-            <a:r>
-              <a:rPr lang="en-US" dirty="0" smtClean="0"/>
-              <a:t>Behavior Analysis, Alerting, Reporting	</a:t>
-            </a:r>
-          </a:p>
-        </p:txBody>
-      </p:sp>
-      <p:sp>
-        <p:nvSpPr>
-          <p:cNvPr id="18" name="Rectangle 17"/>
-          <p:cNvSpPr/>
-          <p:nvPr/>
-        </p:nvSpPr>
-        <p:spPr>
-          <a:xfrm>
-            <a:off x="6332502" y="3622001"/>
-            <a:ext cx="2381324" cy="1023275"/>
-          </a:xfrm>
-          <a:prstGeom prst="rect">
-            <a:avLst/>
-          </a:prstGeom>
-          <a:solidFill>
-            <a:schemeClr val="tx2">
-              <a:lumMod val="75000"/>
-            </a:schemeClr>
-          </a:solidFill>
-          <a:ln>
-            <a:solidFill>
-              <a:schemeClr val="tx2">
-                <a:lumMod val="75000"/>
-              </a:schemeClr>
-            </a:solidFill>
-          </a:ln>
-        </p:spPr>
-        <p:style>
-          <a:lnRef idx="1">
-            <a:schemeClr val="accent1"/>
-          </a:lnRef>
-          <a:fillRef idx="3">
-            <a:schemeClr val="accent1"/>
-          </a:fillRef>
-          <a:effectRef idx="2">
-            <a:schemeClr val="accent1"/>
-          </a:effectRef>
-          <a:fontRef idx="minor">
-            <a:schemeClr val="lt1"/>
-          </a:fontRef>
-        </p:style>
-        <p:txBody>
-          <a:bodyPr rtlCol="0" anchor="ctr"/>
-          <a:lstStyle/>
-          <a:p>
-            <a:pPr algn="ctr"/>
-            <a:r>
-              <a:rPr lang="en-US" dirty="0" smtClean="0"/>
-              <a:t>Block, Encrypt, Tokenize, Mask, Quarantine</a:t>
-            </a:r>
-          </a:p>
-        </p:txBody>
-      </p:sp>
-      <p:sp>
-        <p:nvSpPr>
-          <p:cNvPr id="2" name="Footer Placeholder 1"/>
-          <p:cNvSpPr>
-            <a:spLocks noGrp="1"/>
-          </p:cNvSpPr>
-          <p:nvPr>
-            <p:ph type="ftr" sz="quarter" idx="11"/>
-          </p:nvPr>
-        </p:nvSpPr>
-        <p:spPr/>
-        <p:txBody>
-          <a:bodyPr/>
-          <a:lstStyle/>
-          <a:p>
-            <a:r>
-              <a:rPr lang="sk-SK" smtClean="0"/>
-              <a:t>Copyright © 2005-2018 360.NET</a:t>
-            </a:r>
-            <a:endParaRPr lang="en-US"/>
-          </a:p>
-        </p:txBody>
-      </p:sp>
-      <p:sp>
-        <p:nvSpPr>
-          <p:cNvPr id="3" name="TextBox 2"/>
-          <p:cNvSpPr txBox="1"/>
-          <p:nvPr/>
-        </p:nvSpPr>
-        <p:spPr>
-          <a:xfrm>
-            <a:off x="340189" y="418352"/>
-            <a:ext cx="5413992" cy="523220"/>
+            <a:off x="6440249" y="4835508"/>
+            <a:ext cx="1642136" cy="1477328"/>
           </a:xfrm>
           <a:prstGeom prst="rect">
             <a:avLst/>
@@ -4281,756 +3697,19 @@
           </a:bodyPr>
           <a:lstStyle/>
           <a:p>
-            <a:r>
-              <a:rPr lang="en-US" sz="2800" dirty="0" smtClean="0"/>
-              <a:t>Important </a:t>
-            </a:r>
-            <a:endParaRPr lang="en-US" sz="2800" dirty="0"/>
+            <a:pPr algn="ctr"/>
+            <a:r>
+              <a:rPr lang="en-US" dirty="0" smtClean="0"/>
+              <a:t>Client computers will access Internet through ICS Host Computer</a:t>
+            </a:r>
+            <a:endParaRPr lang="en-US" dirty="0"/>
           </a:p>
         </p:txBody>
       </p:sp>
     </p:spTree>
     <p:extLst>
       <p:ext uri="{BB962C8B-B14F-4D97-AF65-F5344CB8AC3E}">
-        <p14:creationId xmlns:p14="http://schemas.microsoft.com/office/powerpoint/2010/main" val="3287785252"/>
-      </p:ext>
-    </p:extLst>
-  </p:cSld>
-  <p:clrMapOvr>
-    <a:masterClrMapping/>
-  </p:clrMapOvr>
-</p:sld>
-</file>
-
-<file path=ppt/slides/slide2.xml><?xml version="1.0" encoding="utf-8"?>
-<p:sld xmlns:a="http://schemas.openxmlformats.org/drawingml/2006/main" xmlns:r="http://schemas.openxmlformats.org/officeDocument/2006/relationships" xmlns:p="http://schemas.openxmlformats.org/presentationml/2006/main">
-  <p:cSld>
-    <p:spTree>
-      <p:nvGrpSpPr>
-        <p:cNvPr id="1" name=""/>
-        <p:cNvGrpSpPr/>
-        <p:nvPr/>
-      </p:nvGrpSpPr>
-      <p:grpSpPr>
-        <a:xfrm>
-          <a:off x="0" y="0"/>
-          <a:ext cx="0" cy="0"/>
-          <a:chOff x="0" y="0"/>
-          <a:chExt cx="0" cy="0"/>
-        </a:xfrm>
-      </p:grpSpPr>
-      <p:sp>
-        <p:nvSpPr>
-          <p:cNvPr id="17" name="Oval 16"/>
-          <p:cNvSpPr/>
-          <p:nvPr/>
-        </p:nvSpPr>
-        <p:spPr>
-          <a:xfrm>
-            <a:off x="1332899" y="146948"/>
-            <a:ext cx="4422741" cy="3669402"/>
-          </a:xfrm>
-          <a:prstGeom prst="ellipse">
-            <a:avLst/>
-          </a:prstGeom>
-          <a:gradFill flip="none" rotWithShape="1">
-            <a:gsLst>
-              <a:gs pos="0">
-                <a:schemeClr val="accent1">
-                  <a:tint val="100000"/>
-                  <a:shade val="100000"/>
-                  <a:satMod val="130000"/>
-                  <a:alpha val="23000"/>
-                </a:schemeClr>
-              </a:gs>
-              <a:gs pos="100000">
-                <a:schemeClr val="accent1">
-                  <a:tint val="50000"/>
-                  <a:shade val="100000"/>
-                  <a:satMod val="350000"/>
-                  <a:alpha val="23000"/>
-                </a:schemeClr>
-              </a:gs>
-            </a:gsLst>
-            <a:lin ang="16200000" scaled="0"/>
-            <a:tileRect/>
-          </a:gradFill>
-        </p:spPr>
-        <p:style>
-          <a:lnRef idx="1">
-            <a:schemeClr val="accent1"/>
-          </a:lnRef>
-          <a:fillRef idx="3">
-            <a:schemeClr val="accent1"/>
-          </a:fillRef>
-          <a:effectRef idx="2">
-            <a:schemeClr val="accent1"/>
-          </a:effectRef>
-          <a:fontRef idx="minor">
-            <a:schemeClr val="lt1"/>
-          </a:fontRef>
-        </p:style>
-        <p:txBody>
-          <a:bodyPr rot="0" spcFirstLastPara="0" vert="horz" wrap="square" lIns="91440" tIns="45720" rIns="91440" bIns="45720" numCol="1" spcCol="0" rtlCol="0" fromWordArt="0" anchor="ctr" anchorCtr="0" forceAA="0" compatLnSpc="1">
-            <a:prstTxWarp prst="textNoShape">
-              <a:avLst/>
-            </a:prstTxWarp>
-            <a:noAutofit/>
-          </a:bodyPr>
-          <a:lstStyle/>
-          <a:p>
-            <a:endParaRPr lang="en-US"/>
-          </a:p>
-        </p:txBody>
-      </p:sp>
-      <p:sp>
-        <p:nvSpPr>
-          <p:cNvPr id="18" name="Oval 17"/>
-          <p:cNvSpPr/>
-          <p:nvPr/>
-        </p:nvSpPr>
-        <p:spPr>
-          <a:xfrm>
-            <a:off x="3611879" y="146948"/>
-            <a:ext cx="4425696" cy="3669402"/>
-          </a:xfrm>
-          <a:prstGeom prst="ellipse">
-            <a:avLst/>
-          </a:prstGeom>
-          <a:gradFill flip="none" rotWithShape="1">
-            <a:gsLst>
-              <a:gs pos="0">
-                <a:schemeClr val="accent1">
-                  <a:tint val="100000"/>
-                  <a:shade val="100000"/>
-                  <a:satMod val="130000"/>
-                  <a:alpha val="23000"/>
-                </a:schemeClr>
-              </a:gs>
-              <a:gs pos="100000">
-                <a:schemeClr val="accent1">
-                  <a:tint val="50000"/>
-                  <a:shade val="100000"/>
-                  <a:satMod val="350000"/>
-                  <a:alpha val="23000"/>
-                </a:schemeClr>
-              </a:gs>
-            </a:gsLst>
-            <a:lin ang="16200000" scaled="0"/>
-            <a:tileRect/>
-          </a:gradFill>
-        </p:spPr>
-        <p:style>
-          <a:lnRef idx="1">
-            <a:schemeClr val="accent1"/>
-          </a:lnRef>
-          <a:fillRef idx="3">
-            <a:schemeClr val="accent1"/>
-          </a:fillRef>
-          <a:effectRef idx="2">
-            <a:schemeClr val="accent1"/>
-          </a:effectRef>
-          <a:fontRef idx="minor">
-            <a:schemeClr val="lt1"/>
-          </a:fontRef>
-        </p:style>
-        <p:txBody>
-          <a:bodyPr rot="0" spcFirstLastPara="0" vert="horz" wrap="square" lIns="91440" tIns="45720" rIns="91440" bIns="45720" numCol="1" spcCol="0" rtlCol="0" fromWordArt="0" anchor="ctr" anchorCtr="0" forceAA="0" compatLnSpc="1">
-            <a:prstTxWarp prst="textNoShape">
-              <a:avLst/>
-            </a:prstTxWarp>
-            <a:noAutofit/>
-          </a:bodyPr>
-          <a:lstStyle/>
-          <a:p>
-            <a:endParaRPr lang="en-US"/>
-          </a:p>
-        </p:txBody>
-      </p:sp>
-      <p:sp>
-        <p:nvSpPr>
-          <p:cNvPr id="19" name="Oval 18"/>
-          <p:cNvSpPr/>
-          <p:nvPr/>
-        </p:nvSpPr>
-        <p:spPr>
-          <a:xfrm>
-            <a:off x="2033932" y="1914260"/>
-            <a:ext cx="5302258" cy="4110600"/>
-          </a:xfrm>
-          <a:prstGeom prst="ellipse">
-            <a:avLst/>
-          </a:prstGeom>
-          <a:gradFill flip="none" rotWithShape="1">
-            <a:gsLst>
-              <a:gs pos="0">
-                <a:schemeClr val="accent1">
-                  <a:tint val="100000"/>
-                  <a:shade val="100000"/>
-                  <a:satMod val="130000"/>
-                  <a:alpha val="23000"/>
-                </a:schemeClr>
-              </a:gs>
-              <a:gs pos="100000">
-                <a:schemeClr val="accent1">
-                  <a:tint val="50000"/>
-                  <a:shade val="100000"/>
-                  <a:satMod val="350000"/>
-                  <a:alpha val="23000"/>
-                </a:schemeClr>
-              </a:gs>
-            </a:gsLst>
-            <a:lin ang="16200000" scaled="0"/>
-            <a:tileRect/>
-          </a:gradFill>
-        </p:spPr>
-        <p:style>
-          <a:lnRef idx="1">
-            <a:schemeClr val="accent1"/>
-          </a:lnRef>
-          <a:fillRef idx="3">
-            <a:schemeClr val="accent1"/>
-          </a:fillRef>
-          <a:effectRef idx="2">
-            <a:schemeClr val="accent1"/>
-          </a:effectRef>
-          <a:fontRef idx="minor">
-            <a:schemeClr val="lt1"/>
-          </a:fontRef>
-        </p:style>
-        <p:txBody>
-          <a:bodyPr rot="0" spcFirstLastPara="0" vert="horz" wrap="square" lIns="91440" tIns="45720" rIns="91440" bIns="45720" numCol="1" spcCol="0" rtlCol="0" fromWordArt="0" anchor="ctr" anchorCtr="0" forceAA="0" compatLnSpc="1">
-            <a:prstTxWarp prst="textNoShape">
-              <a:avLst/>
-            </a:prstTxWarp>
-            <a:noAutofit/>
-          </a:bodyPr>
-          <a:lstStyle/>
-          <a:p>
-            <a:endParaRPr lang="en-US"/>
-          </a:p>
-        </p:txBody>
-      </p:sp>
-      <p:sp>
-        <p:nvSpPr>
-          <p:cNvPr id="20" name="Oval 19"/>
-          <p:cNvSpPr/>
-          <p:nvPr/>
-        </p:nvSpPr>
-        <p:spPr>
-          <a:xfrm>
-            <a:off x="711199" y="1238560"/>
-            <a:ext cx="4567919" cy="3949390"/>
-          </a:xfrm>
-          <a:prstGeom prst="ellipse">
-            <a:avLst/>
-          </a:prstGeom>
-          <a:gradFill flip="none" rotWithShape="1">
-            <a:gsLst>
-              <a:gs pos="0">
-                <a:schemeClr val="accent1">
-                  <a:tint val="100000"/>
-                  <a:shade val="100000"/>
-                  <a:satMod val="130000"/>
-                  <a:alpha val="23000"/>
-                </a:schemeClr>
-              </a:gs>
-              <a:gs pos="100000">
-                <a:schemeClr val="accent1">
-                  <a:tint val="50000"/>
-                  <a:shade val="100000"/>
-                  <a:satMod val="350000"/>
-                  <a:alpha val="23000"/>
-                </a:schemeClr>
-              </a:gs>
-            </a:gsLst>
-            <a:lin ang="16200000" scaled="0"/>
-            <a:tileRect/>
-          </a:gradFill>
-        </p:spPr>
-        <p:style>
-          <a:lnRef idx="1">
-            <a:schemeClr val="accent1"/>
-          </a:lnRef>
-          <a:fillRef idx="3">
-            <a:schemeClr val="accent1"/>
-          </a:fillRef>
-          <a:effectRef idx="2">
-            <a:schemeClr val="accent1"/>
-          </a:effectRef>
-          <a:fontRef idx="minor">
-            <a:schemeClr val="lt1"/>
-          </a:fontRef>
-        </p:style>
-        <p:txBody>
-          <a:bodyPr rot="0" spcFirstLastPara="0" vert="horz" wrap="square" lIns="91440" tIns="45720" rIns="91440" bIns="45720" numCol="1" spcCol="0" rtlCol="0" fromWordArt="0" anchor="ctr" anchorCtr="0" forceAA="0" compatLnSpc="1">
-            <a:prstTxWarp prst="textNoShape">
-              <a:avLst/>
-            </a:prstTxWarp>
-            <a:noAutofit/>
-          </a:bodyPr>
-          <a:lstStyle/>
-          <a:p>
-            <a:endParaRPr lang="en-US"/>
-          </a:p>
-        </p:txBody>
-      </p:sp>
-      <p:sp>
-        <p:nvSpPr>
-          <p:cNvPr id="22" name="Oval 21"/>
-          <p:cNvSpPr/>
-          <p:nvPr/>
-        </p:nvSpPr>
-        <p:spPr>
-          <a:xfrm>
-            <a:off x="4091440" y="1238560"/>
-            <a:ext cx="4567919" cy="3949390"/>
-          </a:xfrm>
-          <a:prstGeom prst="ellipse">
-            <a:avLst/>
-          </a:prstGeom>
-          <a:gradFill flip="none" rotWithShape="1">
-            <a:gsLst>
-              <a:gs pos="0">
-                <a:schemeClr val="accent1">
-                  <a:tint val="100000"/>
-                  <a:shade val="100000"/>
-                  <a:satMod val="130000"/>
-                  <a:alpha val="23000"/>
-                </a:schemeClr>
-              </a:gs>
-              <a:gs pos="100000">
-                <a:schemeClr val="accent1">
-                  <a:tint val="50000"/>
-                  <a:shade val="100000"/>
-                  <a:satMod val="350000"/>
-                  <a:alpha val="23000"/>
-                </a:schemeClr>
-              </a:gs>
-            </a:gsLst>
-            <a:lin ang="16200000" scaled="0"/>
-            <a:tileRect/>
-          </a:gradFill>
-        </p:spPr>
-        <p:style>
-          <a:lnRef idx="1">
-            <a:schemeClr val="accent1"/>
-          </a:lnRef>
-          <a:fillRef idx="3">
-            <a:schemeClr val="accent1"/>
-          </a:fillRef>
-          <a:effectRef idx="2">
-            <a:schemeClr val="accent1"/>
-          </a:effectRef>
-          <a:fontRef idx="minor">
-            <a:schemeClr val="lt1"/>
-          </a:fontRef>
-        </p:style>
-        <p:txBody>
-          <a:bodyPr rot="0" spcFirstLastPara="0" vert="horz" wrap="square" lIns="91440" tIns="45720" rIns="91440" bIns="45720" numCol="1" spcCol="0" rtlCol="0" fromWordArt="0" anchor="ctr" anchorCtr="0" forceAA="0" compatLnSpc="1">
-            <a:prstTxWarp prst="textNoShape">
-              <a:avLst/>
-            </a:prstTxWarp>
-            <a:noAutofit/>
-          </a:bodyPr>
-          <a:lstStyle/>
-          <a:p>
-            <a:endParaRPr lang="en-US"/>
-          </a:p>
-        </p:txBody>
-      </p:sp>
-      <p:sp>
-        <p:nvSpPr>
-          <p:cNvPr id="2" name="Footer Placeholder 1"/>
-          <p:cNvSpPr>
-            <a:spLocks noGrp="1"/>
-          </p:cNvSpPr>
-          <p:nvPr>
-            <p:ph type="ftr" sz="quarter" idx="11"/>
-          </p:nvPr>
-        </p:nvSpPr>
-        <p:spPr/>
-        <p:txBody>
-          <a:bodyPr/>
-          <a:lstStyle/>
-          <a:p>
-            <a:r>
-              <a:rPr lang="sk-SK" smtClean="0"/>
-              <a:t>Copyright © 2005-2018 360.NET</a:t>
-            </a:r>
-            <a:endParaRPr lang="en-US"/>
-          </a:p>
-        </p:txBody>
-      </p:sp>
-      <p:sp>
-        <p:nvSpPr>
-          <p:cNvPr id="3" name="Rectangle 2"/>
-          <p:cNvSpPr/>
-          <p:nvPr/>
-        </p:nvSpPr>
-        <p:spPr>
-          <a:xfrm>
-            <a:off x="3975117" y="776895"/>
-            <a:ext cx="1402948" cy="923330"/>
-          </a:xfrm>
-          <a:prstGeom prst="rect">
-            <a:avLst/>
-          </a:prstGeom>
-          <a:solidFill>
-            <a:schemeClr val="tx1"/>
-          </a:solidFill>
-          <a:ln>
-            <a:noFill/>
-          </a:ln>
-        </p:spPr>
-        <p:txBody>
-          <a:bodyPr wrap="none" lIns="91440" tIns="45720" rIns="91440" bIns="45720">
-            <a:spAutoFit/>
-          </a:bodyPr>
-          <a:lstStyle/>
-          <a:p>
-            <a:pPr algn="ctr"/>
-            <a:r>
-              <a:rPr lang="en-US" sz="5400" b="1" cap="none" spc="0" dirty="0" err="1" smtClean="0">
-                <a:ln w="12700">
-                  <a:solidFill>
-                    <a:schemeClr val="tx2">
-                      <a:satMod val="155000"/>
-                    </a:schemeClr>
-                  </a:solidFill>
-                  <a:prstDash val="solid"/>
-                </a:ln>
-                <a:solidFill>
-                  <a:schemeClr val="bg2">
-                    <a:tint val="85000"/>
-                    <a:satMod val="155000"/>
-                  </a:schemeClr>
-                </a:solidFill>
-                <a:effectLst>
-                  <a:outerShdw blurRad="41275" dist="20320" dir="1800000" algn="tl" rotWithShape="0">
-                    <a:srgbClr val="000000">
-                      <a:alpha val="40000"/>
-                    </a:srgbClr>
-                  </a:outerShdw>
-                </a:effectLst>
-              </a:rPr>
-              <a:t>asdf</a:t>
-            </a:r>
-            <a:endParaRPr lang="en-US" sz="5400" b="1" cap="none" spc="0" dirty="0">
-              <a:ln w="12700">
-                <a:solidFill>
-                  <a:schemeClr val="tx2">
-                    <a:satMod val="155000"/>
-                  </a:schemeClr>
-                </a:solidFill>
-                <a:prstDash val="solid"/>
-              </a:ln>
-              <a:solidFill>
-                <a:schemeClr val="bg2">
-                  <a:tint val="85000"/>
-                  <a:satMod val="155000"/>
-                </a:schemeClr>
-              </a:solidFill>
-              <a:effectLst>
-                <a:outerShdw blurRad="41275" dist="20320" dir="1800000" algn="tl" rotWithShape="0">
-                  <a:srgbClr val="000000">
-                    <a:alpha val="40000"/>
-                  </a:srgbClr>
-                </a:outerShdw>
-              </a:effectLst>
-            </a:endParaRPr>
-          </a:p>
-        </p:txBody>
-      </p:sp>
-      <p:sp>
-        <p:nvSpPr>
-          <p:cNvPr id="4" name="Rectangle 3"/>
-          <p:cNvSpPr/>
-          <p:nvPr/>
-        </p:nvSpPr>
-        <p:spPr>
-          <a:xfrm>
-            <a:off x="1991070" y="1452595"/>
-            <a:ext cx="1133130" cy="923330"/>
-          </a:xfrm>
-          <a:prstGeom prst="rect">
-            <a:avLst/>
-          </a:prstGeom>
-          <a:solidFill>
-            <a:srgbClr val="000000"/>
-          </a:solidFill>
-          <a:ln>
-            <a:noFill/>
-          </a:ln>
-        </p:spPr>
-        <p:txBody>
-          <a:bodyPr wrap="none" lIns="91440" tIns="45720" rIns="91440" bIns="45720">
-            <a:spAutoFit/>
-          </a:bodyPr>
-          <a:lstStyle/>
-          <a:p>
-            <a:pPr algn="ctr"/>
-            <a:r>
-              <a:rPr lang="en-US" sz="5400" b="1" cap="none" spc="0" dirty="0" smtClean="0">
-                <a:ln w="12700">
-                  <a:solidFill>
-                    <a:schemeClr val="tx2">
-                      <a:satMod val="155000"/>
-                    </a:schemeClr>
-                  </a:solidFill>
-                  <a:prstDash val="solid"/>
-                </a:ln>
-                <a:solidFill>
-                  <a:schemeClr val="bg2">
-                    <a:tint val="85000"/>
-                    <a:satMod val="155000"/>
-                  </a:schemeClr>
-                </a:solidFill>
-                <a:effectLst>
-                  <a:outerShdw blurRad="41275" dist="20320" dir="1800000" algn="tl" rotWithShape="0">
-                    <a:srgbClr val="000000">
-                      <a:alpha val="40000"/>
-                    </a:srgbClr>
-                  </a:outerShdw>
-                </a:effectLst>
-              </a:rPr>
-              <a:t>Cat</a:t>
-            </a:r>
-          </a:p>
-        </p:txBody>
-      </p:sp>
-      <p:sp>
-        <p:nvSpPr>
-          <p:cNvPr id="10" name="Rectangle 9"/>
-          <p:cNvSpPr/>
-          <p:nvPr/>
-        </p:nvSpPr>
-        <p:spPr>
-          <a:xfrm>
-            <a:off x="5925461" y="1452595"/>
-            <a:ext cx="1321809" cy="923330"/>
-          </a:xfrm>
-          <a:prstGeom prst="rect">
-            <a:avLst/>
-          </a:prstGeom>
-          <a:solidFill>
-            <a:srgbClr val="000000"/>
-          </a:solidFill>
-          <a:ln>
-            <a:noFill/>
-          </a:ln>
-        </p:spPr>
-        <p:txBody>
-          <a:bodyPr wrap="none" lIns="91440" tIns="45720" rIns="91440" bIns="45720">
-            <a:spAutoFit/>
-          </a:bodyPr>
-          <a:lstStyle/>
-          <a:p>
-            <a:pPr algn="ctr"/>
-            <a:r>
-              <a:rPr lang="en-US" sz="5400" b="1" cap="none" spc="0" dirty="0" smtClean="0">
-                <a:ln w="12700">
-                  <a:solidFill>
-                    <a:schemeClr val="tx2">
-                      <a:satMod val="155000"/>
-                    </a:schemeClr>
-                  </a:solidFill>
-                  <a:prstDash val="solid"/>
-                </a:ln>
-                <a:solidFill>
-                  <a:schemeClr val="bg2">
-                    <a:tint val="85000"/>
-                    <a:satMod val="155000"/>
-                  </a:schemeClr>
-                </a:solidFill>
-                <a:effectLst>
-                  <a:outerShdw blurRad="41275" dist="20320" dir="1800000" algn="tl" rotWithShape="0">
-                    <a:srgbClr val="000000">
-                      <a:alpha val="40000"/>
-                    </a:srgbClr>
-                  </a:outerShdw>
-                </a:effectLst>
-              </a:rPr>
-              <a:t>Dog</a:t>
-            </a:r>
-          </a:p>
-        </p:txBody>
-      </p:sp>
-      <p:sp>
-        <p:nvSpPr>
-          <p:cNvPr id="11" name="Rectangle 10"/>
-          <p:cNvSpPr/>
-          <p:nvPr/>
-        </p:nvSpPr>
-        <p:spPr>
-          <a:xfrm>
-            <a:off x="4150476" y="4877113"/>
-            <a:ext cx="1051640" cy="923330"/>
-          </a:xfrm>
-          <a:prstGeom prst="rect">
-            <a:avLst/>
-          </a:prstGeom>
-          <a:solidFill>
-            <a:srgbClr val="000000"/>
-          </a:solidFill>
-          <a:ln>
-            <a:noFill/>
-          </a:ln>
-        </p:spPr>
-        <p:txBody>
-          <a:bodyPr wrap="none" lIns="91440" tIns="45720" rIns="91440" bIns="45720">
-            <a:spAutoFit/>
-          </a:bodyPr>
-          <a:lstStyle/>
-          <a:p>
-            <a:pPr algn="ctr"/>
-            <a:r>
-              <a:rPr lang="en-US" sz="5400" b="1" cap="none" spc="0" dirty="0" smtClean="0">
-                <a:ln w="12700">
-                  <a:solidFill>
-                    <a:schemeClr val="tx2">
-                      <a:satMod val="155000"/>
-                    </a:schemeClr>
-                  </a:solidFill>
-                  <a:prstDash val="solid"/>
-                </a:ln>
-                <a:solidFill>
-                  <a:schemeClr val="bg2">
-                    <a:tint val="85000"/>
-                    <a:satMod val="155000"/>
-                  </a:schemeClr>
-                </a:solidFill>
-                <a:effectLst>
-                  <a:outerShdw blurRad="41275" dist="20320" dir="1800000" algn="tl" rotWithShape="0">
-                    <a:srgbClr val="000000">
-                      <a:alpha val="40000"/>
-                    </a:srgbClr>
-                  </a:outerShdw>
-                </a:effectLst>
-              </a:rPr>
-              <a:t>Pig</a:t>
-            </a:r>
-          </a:p>
-        </p:txBody>
-      </p:sp>
-      <p:sp>
-        <p:nvSpPr>
-          <p:cNvPr id="12" name="Rectangle 11"/>
-          <p:cNvSpPr/>
-          <p:nvPr/>
-        </p:nvSpPr>
-        <p:spPr>
-          <a:xfrm>
-            <a:off x="4940456" y="3816350"/>
-            <a:ext cx="2158689" cy="923330"/>
-          </a:xfrm>
-          <a:prstGeom prst="rect">
-            <a:avLst/>
-          </a:prstGeom>
-          <a:solidFill>
-            <a:srgbClr val="000000"/>
-          </a:solidFill>
-          <a:ln>
-            <a:noFill/>
-          </a:ln>
-        </p:spPr>
-        <p:txBody>
-          <a:bodyPr wrap="none" lIns="91440" tIns="45720" rIns="91440" bIns="45720">
-            <a:spAutoFit/>
-          </a:bodyPr>
-          <a:lstStyle/>
-          <a:p>
-            <a:pPr algn="ctr"/>
-            <a:r>
-              <a:rPr lang="en-US" sz="5400" b="1" cap="none" spc="0" dirty="0" smtClean="0">
-                <a:ln w="12700">
-                  <a:solidFill>
-                    <a:schemeClr val="tx2">
-                      <a:satMod val="155000"/>
-                    </a:schemeClr>
-                  </a:solidFill>
-                  <a:prstDash val="solid"/>
-                </a:ln>
-                <a:solidFill>
-                  <a:schemeClr val="bg2">
-                    <a:tint val="85000"/>
-                    <a:satMod val="155000"/>
-                  </a:schemeClr>
-                </a:solidFill>
-                <a:effectLst>
-                  <a:outerShdw blurRad="41275" dist="20320" dir="1800000" algn="tl" rotWithShape="0">
-                    <a:srgbClr val="000000">
-                      <a:alpha val="40000"/>
-                    </a:srgbClr>
-                  </a:outerShdw>
-                </a:effectLst>
-              </a:rPr>
-              <a:t>Mouse</a:t>
-            </a:r>
-          </a:p>
-        </p:txBody>
-      </p:sp>
-      <p:sp>
-        <p:nvSpPr>
-          <p:cNvPr id="13" name="Rectangle 12"/>
-          <p:cNvSpPr/>
-          <p:nvPr/>
-        </p:nvSpPr>
-        <p:spPr>
-          <a:xfrm>
-            <a:off x="2226589" y="3879381"/>
-            <a:ext cx="1864851" cy="923330"/>
-          </a:xfrm>
-          <a:prstGeom prst="rect">
-            <a:avLst/>
-          </a:prstGeom>
-          <a:solidFill>
-            <a:srgbClr val="000000"/>
-          </a:solidFill>
-          <a:ln>
-            <a:noFill/>
-          </a:ln>
-        </p:spPr>
-        <p:txBody>
-          <a:bodyPr wrap="none" lIns="91440" tIns="45720" rIns="91440" bIns="45720">
-            <a:spAutoFit/>
-          </a:bodyPr>
-          <a:lstStyle/>
-          <a:p>
-            <a:pPr algn="ctr"/>
-            <a:r>
-              <a:rPr lang="en-US" sz="5400" b="1" cap="none" spc="0" dirty="0" smtClean="0">
-                <a:ln w="12700">
-                  <a:solidFill>
-                    <a:schemeClr val="tx2">
-                      <a:satMod val="155000"/>
-                    </a:schemeClr>
-                  </a:solidFill>
-                  <a:prstDash val="solid"/>
-                </a:ln>
-                <a:solidFill>
-                  <a:schemeClr val="bg2">
-                    <a:tint val="85000"/>
-                    <a:satMod val="155000"/>
-                  </a:schemeClr>
-                </a:solidFill>
-                <a:effectLst>
-                  <a:outerShdw blurRad="41275" dist="20320" dir="1800000" algn="tl" rotWithShape="0">
-                    <a:srgbClr val="000000">
-                      <a:alpha val="40000"/>
-                    </a:srgbClr>
-                  </a:outerShdw>
-                </a:effectLst>
-              </a:rPr>
-              <a:t>Horse</a:t>
-            </a:r>
-          </a:p>
-        </p:txBody>
-      </p:sp>
-    </p:spTree>
-    <p:extLst>
-      <p:ext uri="{BB962C8B-B14F-4D97-AF65-F5344CB8AC3E}">
-        <p14:creationId xmlns:p14="http://schemas.microsoft.com/office/powerpoint/2010/main" val="2870806115"/>
+        <p14:creationId xmlns:p14="http://schemas.microsoft.com/office/powerpoint/2010/main" val="210321556"/>
       </p:ext>
     </p:extLst>
   </p:cSld>
@@ -5358,644 +4037,4 @@
   </a:objectDefaults>
   <a:extraClrSchemeLst/>
 </a:theme>
-</file>
-
-<file path=ppt/theme/theme2.xml><?xml version="1.0" encoding="utf-8"?>
-<a:theme xmlns:a="http://schemas.openxmlformats.org/drawingml/2006/main" name="Office Theme">
-  <a:themeElements>
-    <a:clrScheme name="Office">
-      <a:dk1>
-        <a:sysClr val="windowText" lastClr="000000"/>
-      </a:dk1>
-      <a:lt1>
-        <a:sysClr val="window" lastClr="FFFFFF"/>
-      </a:lt1>
-      <a:dk2>
-        <a:srgbClr val="1F497D"/>
-      </a:dk2>
-      <a:lt2>
-        <a:srgbClr val="EEECE1"/>
-      </a:lt2>
-      <a:accent1>
-        <a:srgbClr val="4F81BD"/>
-      </a:accent1>
-      <a:accent2>
-        <a:srgbClr val="C0504D"/>
-      </a:accent2>
-      <a:accent3>
-        <a:srgbClr val="9BBB59"/>
-      </a:accent3>
-      <a:accent4>
-        <a:srgbClr val="8064A2"/>
-      </a:accent4>
-      <a:accent5>
-        <a:srgbClr val="4BACC6"/>
-      </a:accent5>
-      <a:accent6>
-        <a:srgbClr val="F79646"/>
-      </a:accent6>
-      <a:hlink>
-        <a:srgbClr val="0000FF"/>
-      </a:hlink>
-      <a:folHlink>
-        <a:srgbClr val="800080"/>
-      </a:folHlink>
-    </a:clrScheme>
-    <a:fontScheme name="Office">
-      <a:majorFont>
-        <a:latin typeface="Calibri"/>
-        <a:ea typeface=""/>
-        <a:cs typeface=""/>
-        <a:font script="Jpan" typeface="ＭＳ Ｐゴシック"/>
-        <a:font script="Hang" typeface="맑은 고딕"/>
-        <a:font script="Hans" typeface="宋体"/>
-        <a:font script="Hant" typeface="新細明體"/>
-        <a:font script="Arab" typeface="Times New Roman"/>
-        <a:font script="Hebr" typeface="Times New Roman"/>
-        <a:font script="Thai" typeface="Angsana New"/>
-        <a:font script="Ethi" typeface="Nyala"/>
-        <a:font script="Beng" typeface="Vrinda"/>
-        <a:font script="Gujr" typeface="Shruti"/>
-        <a:font script="Khmr" typeface="MoolBoran"/>
-        <a:font script="Knda" typeface="Tunga"/>
-        <a:font script="Guru" typeface="Raavi"/>
-        <a:font script="Cans" typeface="Euphemia"/>
-        <a:font script="Cher" typeface="Plantagenet Cherokee"/>
-        <a:font script="Yiii" typeface="Microsoft Yi Baiti"/>
-        <a:font script="Tibt" typeface="Microsoft Himalaya"/>
-        <a:font script="Thaa" typeface="MV Boli"/>
-        <a:font script="Deva" typeface="Mangal"/>
-        <a:font script="Telu" typeface="Gautami"/>
-        <a:font script="Taml" typeface="Latha"/>
-        <a:font script="Syrc" typeface="Estrangelo Edessa"/>
-        <a:font script="Orya" typeface="Kalinga"/>
-        <a:font script="Mlym" typeface="Kartika"/>
-        <a:font script="Laoo" typeface="DokChampa"/>
-        <a:font script="Sinh" typeface="Iskoola Pota"/>
-        <a:font script="Mong" typeface="Mongolian Baiti"/>
-        <a:font script="Viet" typeface="Times New Roman"/>
-        <a:font script="Uigh" typeface="Microsoft Uighur"/>
-        <a:font script="Geor" typeface="Sylfaen"/>
-      </a:majorFont>
-      <a:minorFont>
-        <a:latin typeface="Calibri"/>
-        <a:ea typeface=""/>
-        <a:cs typeface=""/>
-        <a:font script="Jpan" typeface="ＭＳ Ｐゴシック"/>
-        <a:font script="Hang" typeface="맑은 고딕"/>
-        <a:font script="Hans" typeface="宋体"/>
-        <a:font script="Hant" typeface="新細明體"/>
-        <a:font script="Arab" typeface="Arial"/>
-        <a:font script="Hebr" typeface="Arial"/>
-        <a:font script="Thai" typeface="Cordia New"/>
-        <a:font script="Ethi" typeface="Nyala"/>
-        <a:font script="Beng" typeface="Vrinda"/>
-        <a:font script="Gujr" typeface="Shruti"/>
-        <a:font script="Khmr" typeface="DaunPenh"/>
-        <a:font script="Knda" typeface="Tunga"/>
-        <a:font script="Guru" typeface="Raavi"/>
-        <a:font script="Cans" typeface="Euphemia"/>
-        <a:font script="Cher" typeface="Plantagenet Cherokee"/>
-        <a:font script="Yiii" typeface="Microsoft Yi Baiti"/>
-        <a:font script="Tibt" typeface="Microsoft Himalaya"/>
-        <a:font script="Thaa" typeface="MV Boli"/>
-        <a:font script="Deva" typeface="Mangal"/>
-        <a:font script="Telu" typeface="Gautami"/>
-        <a:font script="Taml" typeface="Latha"/>
-        <a:font script="Syrc" typeface="Estrangelo Edessa"/>
-        <a:font script="Orya" typeface="Kalinga"/>
-        <a:font script="Mlym" typeface="Kartika"/>
-        <a:font script="Laoo" typeface="DokChampa"/>
-        <a:font script="Sinh" typeface="Iskoola Pota"/>
-        <a:font script="Mong" typeface="Mongolian Baiti"/>
-        <a:font script="Viet" typeface="Arial"/>
-        <a:font script="Uigh" typeface="Microsoft Uighur"/>
-        <a:font script="Geor" typeface="Sylfaen"/>
-      </a:minorFont>
-    </a:fontScheme>
-    <a:fmtScheme name="Office">
-      <a:fillStyleLst>
-        <a:solidFill>
-          <a:schemeClr val="phClr"/>
-        </a:solidFill>
-        <a:gradFill rotWithShape="1">
-          <a:gsLst>
-            <a:gs pos="0">
-              <a:schemeClr val="phClr">
-                <a:tint val="50000"/>
-                <a:satMod val="300000"/>
-              </a:schemeClr>
-            </a:gs>
-            <a:gs pos="35000">
-              <a:schemeClr val="phClr">
-                <a:tint val="37000"/>
-                <a:satMod val="300000"/>
-              </a:schemeClr>
-            </a:gs>
-            <a:gs pos="100000">
-              <a:schemeClr val="phClr">
-                <a:tint val="15000"/>
-                <a:satMod val="350000"/>
-              </a:schemeClr>
-            </a:gs>
-          </a:gsLst>
-          <a:lin ang="16200000" scaled="1"/>
-        </a:gradFill>
-        <a:gradFill rotWithShape="1">
-          <a:gsLst>
-            <a:gs pos="0">
-              <a:schemeClr val="phClr">
-                <a:tint val="100000"/>
-                <a:shade val="100000"/>
-                <a:satMod val="130000"/>
-              </a:schemeClr>
-            </a:gs>
-            <a:gs pos="100000">
-              <a:schemeClr val="phClr">
-                <a:tint val="50000"/>
-                <a:shade val="100000"/>
-                <a:satMod val="350000"/>
-              </a:schemeClr>
-            </a:gs>
-          </a:gsLst>
-          <a:lin ang="16200000" scaled="0"/>
-        </a:gradFill>
-      </a:fillStyleLst>
-      <a:lnStyleLst>
-        <a:ln w="9525" cap="flat" cmpd="sng" algn="ctr">
-          <a:solidFill>
-            <a:schemeClr val="phClr">
-              <a:shade val="95000"/>
-              <a:satMod val="105000"/>
-            </a:schemeClr>
-          </a:solidFill>
-          <a:prstDash val="solid"/>
-        </a:ln>
-        <a:ln w="25400" cap="flat" cmpd="sng" algn="ctr">
-          <a:solidFill>
-            <a:schemeClr val="phClr"/>
-          </a:solidFill>
-          <a:prstDash val="solid"/>
-        </a:ln>
-        <a:ln w="38100" cap="flat" cmpd="sng" algn="ctr">
-          <a:solidFill>
-            <a:schemeClr val="phClr"/>
-          </a:solidFill>
-          <a:prstDash val="solid"/>
-        </a:ln>
-      </a:lnStyleLst>
-      <a:effectStyleLst>
-        <a:effectStyle>
-          <a:effectLst>
-            <a:outerShdw blurRad="40000" dist="20000" dir="5400000" rotWithShape="0">
-              <a:srgbClr val="000000">
-                <a:alpha val="38000"/>
-              </a:srgbClr>
-            </a:outerShdw>
-          </a:effectLst>
-        </a:effectStyle>
-        <a:effectStyle>
-          <a:effectLst>
-            <a:outerShdw blurRad="40000" dist="23000" dir="5400000" rotWithShape="0">
-              <a:srgbClr val="000000">
-                <a:alpha val="35000"/>
-              </a:srgbClr>
-            </a:outerShdw>
-          </a:effectLst>
-        </a:effectStyle>
-        <a:effectStyle>
-          <a:effectLst>
-            <a:outerShdw blurRad="40000" dist="23000" dir="5400000" rotWithShape="0">
-              <a:srgbClr val="000000">
-                <a:alpha val="35000"/>
-              </a:srgbClr>
-            </a:outerShdw>
-          </a:effectLst>
-          <a:scene3d>
-            <a:camera prst="orthographicFront">
-              <a:rot lat="0" lon="0" rev="0"/>
-            </a:camera>
-            <a:lightRig rig="threePt" dir="t">
-              <a:rot lat="0" lon="0" rev="1200000"/>
-            </a:lightRig>
-          </a:scene3d>
-          <a:sp3d>
-            <a:bevelT w="63500" h="25400"/>
-          </a:sp3d>
-        </a:effectStyle>
-      </a:effectStyleLst>
-      <a:bgFillStyleLst>
-        <a:solidFill>
-          <a:schemeClr val="phClr"/>
-        </a:solidFill>
-        <a:gradFill rotWithShape="1">
-          <a:gsLst>
-            <a:gs pos="0">
-              <a:schemeClr val="phClr">
-                <a:tint val="40000"/>
-                <a:satMod val="350000"/>
-              </a:schemeClr>
-            </a:gs>
-            <a:gs pos="40000">
-              <a:schemeClr val="phClr">
-                <a:tint val="45000"/>
-                <a:shade val="99000"/>
-                <a:satMod val="350000"/>
-              </a:schemeClr>
-            </a:gs>
-            <a:gs pos="100000">
-              <a:schemeClr val="phClr">
-                <a:shade val="20000"/>
-                <a:satMod val="255000"/>
-              </a:schemeClr>
-            </a:gs>
-          </a:gsLst>
-          <a:path path="circle">
-            <a:fillToRect l="50000" t="-80000" r="50000" b="180000"/>
-          </a:path>
-        </a:gradFill>
-        <a:gradFill rotWithShape="1">
-          <a:gsLst>
-            <a:gs pos="0">
-              <a:schemeClr val="phClr">
-                <a:tint val="80000"/>
-                <a:satMod val="300000"/>
-              </a:schemeClr>
-            </a:gs>
-            <a:gs pos="100000">
-              <a:schemeClr val="phClr">
-                <a:shade val="30000"/>
-                <a:satMod val="200000"/>
-              </a:schemeClr>
-            </a:gs>
-          </a:gsLst>
-          <a:path path="circle">
-            <a:fillToRect l="50000" t="50000" r="50000" b="50000"/>
-          </a:path>
-        </a:gradFill>
-      </a:bgFillStyleLst>
-    </a:fmtScheme>
-  </a:themeElements>
-  <a:objectDefaults>
-    <a:spDef>
-      <a:spPr/>
-      <a:bodyPr/>
-      <a:lstStyle/>
-      <a:style>
-        <a:lnRef idx="1">
-          <a:schemeClr val="accent1"/>
-        </a:lnRef>
-        <a:fillRef idx="3">
-          <a:schemeClr val="accent1"/>
-        </a:fillRef>
-        <a:effectRef idx="2">
-          <a:schemeClr val="accent1"/>
-        </a:effectRef>
-        <a:fontRef idx="minor">
-          <a:schemeClr val="lt1"/>
-        </a:fontRef>
-      </a:style>
-    </a:spDef>
-    <a:lnDef>
-      <a:spPr/>
-      <a:bodyPr/>
-      <a:lstStyle/>
-      <a:style>
-        <a:lnRef idx="2">
-          <a:schemeClr val="accent1"/>
-        </a:lnRef>
-        <a:fillRef idx="0">
-          <a:schemeClr val="accent1"/>
-        </a:fillRef>
-        <a:effectRef idx="1">
-          <a:schemeClr val="accent1"/>
-        </a:effectRef>
-        <a:fontRef idx="minor">
-          <a:schemeClr val="tx1"/>
-        </a:fontRef>
-      </a:style>
-    </a:lnDef>
-  </a:objectDefaults>
-  <a:extraClrSchemeLst/>
-</a:theme>
-</file>
-
-<file path=ppt/theme/theme3.xml><?xml version="1.0" encoding="utf-8"?>
-<a:theme xmlns:a="http://schemas.openxmlformats.org/drawingml/2006/main" name="Office Theme">
-  <a:themeElements>
-    <a:clrScheme name="Office">
-      <a:dk1>
-        <a:sysClr val="windowText" lastClr="000000"/>
-      </a:dk1>
-      <a:lt1>
-        <a:sysClr val="window" lastClr="FFFFFF"/>
-      </a:lt1>
-      <a:dk2>
-        <a:srgbClr val="1F497D"/>
-      </a:dk2>
-      <a:lt2>
-        <a:srgbClr val="EEECE1"/>
-      </a:lt2>
-      <a:accent1>
-        <a:srgbClr val="4F81BD"/>
-      </a:accent1>
-      <a:accent2>
-        <a:srgbClr val="C0504D"/>
-      </a:accent2>
-      <a:accent3>
-        <a:srgbClr val="9BBB59"/>
-      </a:accent3>
-      <a:accent4>
-        <a:srgbClr val="8064A2"/>
-      </a:accent4>
-      <a:accent5>
-        <a:srgbClr val="4BACC6"/>
-      </a:accent5>
-      <a:accent6>
-        <a:srgbClr val="F79646"/>
-      </a:accent6>
-      <a:hlink>
-        <a:srgbClr val="0000FF"/>
-      </a:hlink>
-      <a:folHlink>
-        <a:srgbClr val="800080"/>
-      </a:folHlink>
-    </a:clrScheme>
-    <a:fontScheme name="Office">
-      <a:majorFont>
-        <a:latin typeface="Calibri"/>
-        <a:ea typeface=""/>
-        <a:cs typeface=""/>
-        <a:font script="Jpan" typeface="ＭＳ Ｐゴシック"/>
-        <a:font script="Hang" typeface="맑은 고딕"/>
-        <a:font script="Hans" typeface="宋体"/>
-        <a:font script="Hant" typeface="新細明體"/>
-        <a:font script="Arab" typeface="Times New Roman"/>
-        <a:font script="Hebr" typeface="Times New Roman"/>
-        <a:font script="Thai" typeface="Angsana New"/>
-        <a:font script="Ethi" typeface="Nyala"/>
-        <a:font script="Beng" typeface="Vrinda"/>
-        <a:font script="Gujr" typeface="Shruti"/>
-        <a:font script="Khmr" typeface="MoolBoran"/>
-        <a:font script="Knda" typeface="Tunga"/>
-        <a:font script="Guru" typeface="Raavi"/>
-        <a:font script="Cans" typeface="Euphemia"/>
-        <a:font script="Cher" typeface="Plantagenet Cherokee"/>
-        <a:font script="Yiii" typeface="Microsoft Yi Baiti"/>
-        <a:font script="Tibt" typeface="Microsoft Himalaya"/>
-        <a:font script="Thaa" typeface="MV Boli"/>
-        <a:font script="Deva" typeface="Mangal"/>
-        <a:font script="Telu" typeface="Gautami"/>
-        <a:font script="Taml" typeface="Latha"/>
-        <a:font script="Syrc" typeface="Estrangelo Edessa"/>
-        <a:font script="Orya" typeface="Kalinga"/>
-        <a:font script="Mlym" typeface="Kartika"/>
-        <a:font script="Laoo" typeface="DokChampa"/>
-        <a:font script="Sinh" typeface="Iskoola Pota"/>
-        <a:font script="Mong" typeface="Mongolian Baiti"/>
-        <a:font script="Viet" typeface="Times New Roman"/>
-        <a:font script="Uigh" typeface="Microsoft Uighur"/>
-        <a:font script="Geor" typeface="Sylfaen"/>
-      </a:majorFont>
-      <a:minorFont>
-        <a:latin typeface="Calibri"/>
-        <a:ea typeface=""/>
-        <a:cs typeface=""/>
-        <a:font script="Jpan" typeface="ＭＳ Ｐゴシック"/>
-        <a:font script="Hang" typeface="맑은 고딕"/>
-        <a:font script="Hans" typeface="宋体"/>
-        <a:font script="Hant" typeface="新細明體"/>
-        <a:font script="Arab" typeface="Arial"/>
-        <a:font script="Hebr" typeface="Arial"/>
-        <a:font script="Thai" typeface="Cordia New"/>
-        <a:font script="Ethi" typeface="Nyala"/>
-        <a:font script="Beng" typeface="Vrinda"/>
-        <a:font script="Gujr" typeface="Shruti"/>
-        <a:font script="Khmr" typeface="DaunPenh"/>
-        <a:font script="Knda" typeface="Tunga"/>
-        <a:font script="Guru" typeface="Raavi"/>
-        <a:font script="Cans" typeface="Euphemia"/>
-        <a:font script="Cher" typeface="Plantagenet Cherokee"/>
-        <a:font script="Yiii" typeface="Microsoft Yi Baiti"/>
-        <a:font script="Tibt" typeface="Microsoft Himalaya"/>
-        <a:font script="Thaa" typeface="MV Boli"/>
-        <a:font script="Deva" typeface="Mangal"/>
-        <a:font script="Telu" typeface="Gautami"/>
-        <a:font script="Taml" typeface="Latha"/>
-        <a:font script="Syrc" typeface="Estrangelo Edessa"/>
-        <a:font script="Orya" typeface="Kalinga"/>
-        <a:font script="Mlym" typeface="Kartika"/>
-        <a:font script="Laoo" typeface="DokChampa"/>
-        <a:font script="Sinh" typeface="Iskoola Pota"/>
-        <a:font script="Mong" typeface="Mongolian Baiti"/>
-        <a:font script="Viet" typeface="Arial"/>
-        <a:font script="Uigh" typeface="Microsoft Uighur"/>
-        <a:font script="Geor" typeface="Sylfaen"/>
-      </a:minorFont>
-    </a:fontScheme>
-    <a:fmtScheme name="Office">
-      <a:fillStyleLst>
-        <a:solidFill>
-          <a:schemeClr val="phClr"/>
-        </a:solidFill>
-        <a:gradFill rotWithShape="1">
-          <a:gsLst>
-            <a:gs pos="0">
-              <a:schemeClr val="phClr">
-                <a:tint val="50000"/>
-                <a:satMod val="300000"/>
-              </a:schemeClr>
-            </a:gs>
-            <a:gs pos="35000">
-              <a:schemeClr val="phClr">
-                <a:tint val="37000"/>
-                <a:satMod val="300000"/>
-              </a:schemeClr>
-            </a:gs>
-            <a:gs pos="100000">
-              <a:schemeClr val="phClr">
-                <a:tint val="15000"/>
-                <a:satMod val="350000"/>
-              </a:schemeClr>
-            </a:gs>
-          </a:gsLst>
-          <a:lin ang="16200000" scaled="1"/>
-        </a:gradFill>
-        <a:gradFill rotWithShape="1">
-          <a:gsLst>
-            <a:gs pos="0">
-              <a:schemeClr val="phClr">
-                <a:tint val="100000"/>
-                <a:shade val="100000"/>
-                <a:satMod val="130000"/>
-              </a:schemeClr>
-            </a:gs>
-            <a:gs pos="100000">
-              <a:schemeClr val="phClr">
-                <a:tint val="50000"/>
-                <a:shade val="100000"/>
-                <a:satMod val="350000"/>
-              </a:schemeClr>
-            </a:gs>
-          </a:gsLst>
-          <a:lin ang="16200000" scaled="0"/>
-        </a:gradFill>
-      </a:fillStyleLst>
-      <a:lnStyleLst>
-        <a:ln w="9525" cap="flat" cmpd="sng" algn="ctr">
-          <a:solidFill>
-            <a:schemeClr val="phClr">
-              <a:shade val="95000"/>
-              <a:satMod val="105000"/>
-            </a:schemeClr>
-          </a:solidFill>
-          <a:prstDash val="solid"/>
-        </a:ln>
-        <a:ln w="25400" cap="flat" cmpd="sng" algn="ctr">
-          <a:solidFill>
-            <a:schemeClr val="phClr"/>
-          </a:solidFill>
-          <a:prstDash val="solid"/>
-        </a:ln>
-        <a:ln w="38100" cap="flat" cmpd="sng" algn="ctr">
-          <a:solidFill>
-            <a:schemeClr val="phClr"/>
-          </a:solidFill>
-          <a:prstDash val="solid"/>
-        </a:ln>
-      </a:lnStyleLst>
-      <a:effectStyleLst>
-        <a:effectStyle>
-          <a:effectLst>
-            <a:outerShdw blurRad="40000" dist="20000" dir="5400000" rotWithShape="0">
-              <a:srgbClr val="000000">
-                <a:alpha val="38000"/>
-              </a:srgbClr>
-            </a:outerShdw>
-          </a:effectLst>
-        </a:effectStyle>
-        <a:effectStyle>
-          <a:effectLst>
-            <a:outerShdw blurRad="40000" dist="23000" dir="5400000" rotWithShape="0">
-              <a:srgbClr val="000000">
-                <a:alpha val="35000"/>
-              </a:srgbClr>
-            </a:outerShdw>
-          </a:effectLst>
-        </a:effectStyle>
-        <a:effectStyle>
-          <a:effectLst>
-            <a:outerShdw blurRad="40000" dist="23000" dir="5400000" rotWithShape="0">
-              <a:srgbClr val="000000">
-                <a:alpha val="35000"/>
-              </a:srgbClr>
-            </a:outerShdw>
-          </a:effectLst>
-          <a:scene3d>
-            <a:camera prst="orthographicFront">
-              <a:rot lat="0" lon="0" rev="0"/>
-            </a:camera>
-            <a:lightRig rig="threePt" dir="t">
-              <a:rot lat="0" lon="0" rev="1200000"/>
-            </a:lightRig>
-          </a:scene3d>
-          <a:sp3d>
-            <a:bevelT w="63500" h="25400"/>
-          </a:sp3d>
-        </a:effectStyle>
-      </a:effectStyleLst>
-      <a:bgFillStyleLst>
-        <a:solidFill>
-          <a:schemeClr val="phClr"/>
-        </a:solidFill>
-        <a:gradFill rotWithShape="1">
-          <a:gsLst>
-            <a:gs pos="0">
-              <a:schemeClr val="phClr">
-                <a:tint val="40000"/>
-                <a:satMod val="350000"/>
-              </a:schemeClr>
-            </a:gs>
-            <a:gs pos="40000">
-              <a:schemeClr val="phClr">
-                <a:tint val="45000"/>
-                <a:shade val="99000"/>
-                <a:satMod val="350000"/>
-              </a:schemeClr>
-            </a:gs>
-            <a:gs pos="100000">
-              <a:schemeClr val="phClr">
-                <a:shade val="20000"/>
-                <a:satMod val="255000"/>
-              </a:schemeClr>
-            </a:gs>
-          </a:gsLst>
-          <a:path path="circle">
-            <a:fillToRect l="50000" t="-80000" r="50000" b="180000"/>
-          </a:path>
-        </a:gradFill>
-        <a:gradFill rotWithShape="1">
-          <a:gsLst>
-            <a:gs pos="0">
-              <a:schemeClr val="phClr">
-                <a:tint val="80000"/>
-                <a:satMod val="300000"/>
-              </a:schemeClr>
-            </a:gs>
-            <a:gs pos="100000">
-              <a:schemeClr val="phClr">
-                <a:shade val="30000"/>
-                <a:satMod val="200000"/>
-              </a:schemeClr>
-            </a:gs>
-          </a:gsLst>
-          <a:path path="circle">
-            <a:fillToRect l="50000" t="50000" r="50000" b="50000"/>
-          </a:path>
-        </a:gradFill>
-      </a:bgFillStyleLst>
-    </a:fmtScheme>
-  </a:themeElements>
-  <a:objectDefaults>
-    <a:spDef>
-      <a:spPr/>
-      <a:bodyPr/>
-      <a:lstStyle/>
-      <a:style>
-        <a:lnRef idx="1">
-          <a:schemeClr val="accent1"/>
-        </a:lnRef>
-        <a:fillRef idx="3">
-          <a:schemeClr val="accent1"/>
-        </a:fillRef>
-        <a:effectRef idx="2">
-          <a:schemeClr val="accent1"/>
-        </a:effectRef>
-        <a:fontRef idx="minor">
-          <a:schemeClr val="lt1"/>
-        </a:fontRef>
-      </a:style>
-    </a:spDef>
-    <a:lnDef>
-      <a:spPr/>
-      <a:bodyPr/>
-      <a:lstStyle/>
-      <a:style>
-        <a:lnRef idx="2">
-          <a:schemeClr val="accent1"/>
-        </a:lnRef>
-        <a:fillRef idx="0">
-          <a:schemeClr val="accent1"/>
-        </a:fillRef>
-        <a:effectRef idx="1">
-          <a:schemeClr val="accent1"/>
-        </a:effectRef>
-        <a:fontRef idx="minor">
-          <a:schemeClr val="tx1"/>
-        </a:fontRef>
-      </a:style>
-    </a:lnDef>
-  </a:objectDefaults>
-  <a:extraClrSchemeLst/>
-</a:theme>
 </file>